--- a/slides/Approx-02-SimulatedAnnealing.pptx
+++ b/slides/Approx-02-SimulatedAnnealing.pptx
@@ -226,7 +226,7 @@
           <a:p>
             <a:fld id="{C5B45307-6ED4-B142-BD64-10F739779302}" type="datetimeFigureOut">
               <a:rPr lang="en-US" smtClean="0"/>
-              <a:t>3/23/23</a:t>
+              <a:t>3/31/25</a:t>
             </a:fld>
             <a:endParaRPr lang="en-US"/>
           </a:p>
@@ -634,7 +634,7 @@
           <a:noFill/>
           <a:extLst>
             <a:ext uri="{909E8E84-426E-40dd-AFC4-6F175D3DCCD1}">
-              <a14:hiddenFill xmlns="" xmlns:a14="http://schemas.microsoft.com/office/drawing/2010/main">
+              <a14:hiddenFill xmlns:a14="http://schemas.microsoft.com/office/drawing/2010/main" xmlns="">
                 <a:solidFill>
                   <a:srgbClr val="FFFFFF"/>
                 </a:solidFill>
@@ -693,7 +693,7 @@
             </a:ln>
             <a:extLst>
               <a:ext uri="{91240B29-F687-4f45-9708-019B960494DF}">
-                <a14:hiddenLine xmlns="" xmlns:a14="http://schemas.microsoft.com/office/drawing/2010/main" w="9525">
+                <a14:hiddenLine xmlns:a14="http://schemas.microsoft.com/office/drawing/2010/main" xmlns="" w="9525">
                   <a:solidFill>
                     <a:srgbClr val="000000"/>
                   </a:solidFill>
@@ -783,7 +783,7 @@
             </a:ln>
             <a:extLst>
               <a:ext uri="{91240B29-F687-4f45-9708-019B960494DF}">
-                <a14:hiddenLine xmlns="" xmlns:a14="http://schemas.microsoft.com/office/drawing/2010/main" w="9525">
+                <a14:hiddenLine xmlns:a14="http://schemas.microsoft.com/office/drawing/2010/main" xmlns="" w="9525">
                   <a:solidFill>
                     <a:srgbClr val="000000"/>
                   </a:solidFill>
@@ -873,7 +873,7 @@
             </a:ln>
             <a:extLst>
               <a:ext uri="{91240B29-F687-4f45-9708-019B960494DF}">
-                <a14:hiddenLine xmlns="" xmlns:a14="http://schemas.microsoft.com/office/drawing/2010/main" w="9525">
+                <a14:hiddenLine xmlns:a14="http://schemas.microsoft.com/office/drawing/2010/main" xmlns="" w="9525">
                   <a:solidFill>
                     <a:srgbClr val="000000"/>
                   </a:solidFill>
@@ -907,7 +907,7 @@
             </a:ln>
             <a:extLst>
               <a:ext uri="{91240B29-F687-4f45-9708-019B960494DF}">
-                <a14:hiddenLine xmlns="" xmlns:a14="http://schemas.microsoft.com/office/drawing/2010/main" w="9525">
+                <a14:hiddenLine xmlns:a14="http://schemas.microsoft.com/office/drawing/2010/main" xmlns="" w="9525">
                   <a:solidFill>
                     <a:srgbClr val="000000"/>
                   </a:solidFill>
@@ -997,7 +997,7 @@
             </a:ln>
             <a:extLst>
               <a:ext uri="{91240B29-F687-4f45-9708-019B960494DF}">
-                <a14:hiddenLine xmlns="" xmlns:a14="http://schemas.microsoft.com/office/drawing/2010/main" w="9525">
+                <a14:hiddenLine xmlns:a14="http://schemas.microsoft.com/office/drawing/2010/main" xmlns="" w="9525">
                   <a:solidFill>
                     <a:srgbClr val="000000"/>
                   </a:solidFill>
@@ -1059,7 +1059,7 @@
             </a:ln>
             <a:extLst>
               <a:ext uri="{91240B29-F687-4f45-9708-019B960494DF}">
-                <a14:hiddenLine xmlns="" xmlns:a14="http://schemas.microsoft.com/office/drawing/2010/main" w="9525">
+                <a14:hiddenLine xmlns:a14="http://schemas.microsoft.com/office/drawing/2010/main" xmlns="" w="9525">
                   <a:solidFill>
                     <a:srgbClr val="000000"/>
                   </a:solidFill>
@@ -1121,7 +1121,7 @@
             </a:ln>
             <a:extLst>
               <a:ext uri="{91240B29-F687-4f45-9708-019B960494DF}">
-                <a14:hiddenLine xmlns="" xmlns:a14="http://schemas.microsoft.com/office/drawing/2010/main" w="9525">
+                <a14:hiddenLine xmlns:a14="http://schemas.microsoft.com/office/drawing/2010/main" xmlns="" w="9525">
                   <a:solidFill>
                     <a:srgbClr val="000000"/>
                   </a:solidFill>
@@ -1211,7 +1211,7 @@
             </a:ln>
             <a:extLst>
               <a:ext uri="{91240B29-F687-4f45-9708-019B960494DF}">
-                <a14:hiddenLine xmlns="" xmlns:a14="http://schemas.microsoft.com/office/drawing/2010/main" w="9525">
+                <a14:hiddenLine xmlns:a14="http://schemas.microsoft.com/office/drawing/2010/main" xmlns="" w="9525">
                   <a:solidFill>
                     <a:srgbClr val="000000"/>
                   </a:solidFill>
@@ -1273,7 +1273,7 @@
             </a:ln>
             <a:extLst>
               <a:ext uri="{91240B29-F687-4f45-9708-019B960494DF}">
-                <a14:hiddenLine xmlns="" xmlns:a14="http://schemas.microsoft.com/office/drawing/2010/main" w="9525">
+                <a14:hiddenLine xmlns:a14="http://schemas.microsoft.com/office/drawing/2010/main" xmlns="" w="9525">
                   <a:solidFill>
                     <a:srgbClr val="000000"/>
                   </a:solidFill>
@@ -1335,7 +1335,7 @@
             </a:ln>
             <a:extLst>
               <a:ext uri="{91240B29-F687-4f45-9708-019B960494DF}">
-                <a14:hiddenLine xmlns="" xmlns:a14="http://schemas.microsoft.com/office/drawing/2010/main" w="9525">
+                <a14:hiddenLine xmlns:a14="http://schemas.microsoft.com/office/drawing/2010/main" xmlns="" w="9525">
                   <a:solidFill>
                     <a:srgbClr val="000000"/>
                   </a:solidFill>
@@ -1425,7 +1425,7 @@
             </a:ln>
             <a:extLst>
               <a:ext uri="{91240B29-F687-4f45-9708-019B960494DF}">
-                <a14:hiddenLine xmlns="" xmlns:a14="http://schemas.microsoft.com/office/drawing/2010/main" w="9525">
+                <a14:hiddenLine xmlns:a14="http://schemas.microsoft.com/office/drawing/2010/main" xmlns="" w="9525">
                   <a:solidFill>
                     <a:srgbClr val="000000"/>
                   </a:solidFill>
@@ -1515,7 +1515,7 @@
             </a:ln>
             <a:extLst>
               <a:ext uri="{91240B29-F687-4f45-9708-019B960494DF}">
-                <a14:hiddenLine xmlns="" xmlns:a14="http://schemas.microsoft.com/office/drawing/2010/main" w="9525">
+                <a14:hiddenLine xmlns:a14="http://schemas.microsoft.com/office/drawing/2010/main" xmlns="" w="9525">
                   <a:solidFill>
                     <a:srgbClr val="000000"/>
                   </a:solidFill>
@@ -1577,7 +1577,7 @@
             </a:ln>
             <a:extLst>
               <a:ext uri="{91240B29-F687-4f45-9708-019B960494DF}">
-                <a14:hiddenLine xmlns="" xmlns:a14="http://schemas.microsoft.com/office/drawing/2010/main" w="9525">
+                <a14:hiddenLine xmlns:a14="http://schemas.microsoft.com/office/drawing/2010/main" xmlns="" w="9525">
                   <a:solidFill>
                     <a:srgbClr val="000000"/>
                   </a:solidFill>
@@ -1687,7 +1687,7 @@
             </a:ln>
             <a:extLst>
               <a:ext uri="{91240B29-F687-4f45-9708-019B960494DF}">
-                <a14:hiddenLine xmlns="" xmlns:a14="http://schemas.microsoft.com/office/drawing/2010/main" w="9525">
+                <a14:hiddenLine xmlns:a14="http://schemas.microsoft.com/office/drawing/2010/main" xmlns="" w="9525">
                   <a:solidFill>
                     <a:srgbClr val="000000"/>
                   </a:solidFill>
@@ -1749,7 +1749,7 @@
             </a:ln>
             <a:extLst>
               <a:ext uri="{91240B29-F687-4f45-9708-019B960494DF}">
-                <a14:hiddenLine xmlns="" xmlns:a14="http://schemas.microsoft.com/office/drawing/2010/main" w="9525">
+                <a14:hiddenLine xmlns:a14="http://schemas.microsoft.com/office/drawing/2010/main" xmlns="" w="9525">
                   <a:solidFill>
                     <a:srgbClr val="000000"/>
                   </a:solidFill>
@@ -1839,7 +1839,7 @@
             </a:ln>
             <a:extLst>
               <a:ext uri="{91240B29-F687-4f45-9708-019B960494DF}">
-                <a14:hiddenLine xmlns="" xmlns:a14="http://schemas.microsoft.com/office/drawing/2010/main" w="9525">
+                <a14:hiddenLine xmlns:a14="http://schemas.microsoft.com/office/drawing/2010/main" xmlns="" w="9525">
                   <a:solidFill>
                     <a:srgbClr val="000000"/>
                   </a:solidFill>
@@ -1929,7 +1929,7 @@
             </a:ln>
             <a:extLst>
               <a:ext uri="{91240B29-F687-4f45-9708-019B960494DF}">
-                <a14:hiddenLine xmlns="" xmlns:a14="http://schemas.microsoft.com/office/drawing/2010/main" w="9525">
+                <a14:hiddenLine xmlns:a14="http://schemas.microsoft.com/office/drawing/2010/main" xmlns="" w="9525">
                   <a:solidFill>
                     <a:srgbClr val="000000"/>
                   </a:solidFill>
@@ -1991,7 +1991,7 @@
             </a:ln>
             <a:extLst>
               <a:ext uri="{91240B29-F687-4f45-9708-019B960494DF}">
-                <a14:hiddenLine xmlns="" xmlns:a14="http://schemas.microsoft.com/office/drawing/2010/main" w="9525">
+                <a14:hiddenLine xmlns:a14="http://schemas.microsoft.com/office/drawing/2010/main" xmlns="" w="9525">
                   <a:solidFill>
                     <a:srgbClr val="000000"/>
                   </a:solidFill>
@@ -2081,7 +2081,7 @@
             </a:ln>
             <a:extLst>
               <a:ext uri="{91240B29-F687-4f45-9708-019B960494DF}">
-                <a14:hiddenLine xmlns="" xmlns:a14="http://schemas.microsoft.com/office/drawing/2010/main" w="9525">
+                <a14:hiddenLine xmlns:a14="http://schemas.microsoft.com/office/drawing/2010/main" xmlns="" w="9525">
                   <a:solidFill>
                     <a:srgbClr val="000000"/>
                   </a:solidFill>
@@ -2171,7 +2171,7 @@
             </a:ln>
             <a:extLst>
               <a:ext uri="{91240B29-F687-4f45-9708-019B960494DF}">
-                <a14:hiddenLine xmlns="" xmlns:a14="http://schemas.microsoft.com/office/drawing/2010/main" w="9525">
+                <a14:hiddenLine xmlns:a14="http://schemas.microsoft.com/office/drawing/2010/main" xmlns="" w="9525">
                   <a:solidFill>
                     <a:srgbClr val="000000"/>
                   </a:solidFill>
@@ -2227,7 +2227,7 @@
             </a:ln>
             <a:extLst>
               <a:ext uri="{91240B29-F687-4f45-9708-019B960494DF}">
-                <a14:hiddenLine xmlns="" xmlns:a14="http://schemas.microsoft.com/office/drawing/2010/main" w="9525">
+                <a14:hiddenLine xmlns:a14="http://schemas.microsoft.com/office/drawing/2010/main" xmlns="" w="9525">
                   <a:solidFill>
                     <a:srgbClr val="000000"/>
                   </a:solidFill>
@@ -2317,7 +2317,7 @@
             </a:ln>
             <a:extLst>
               <a:ext uri="{91240B29-F687-4f45-9708-019B960494DF}">
-                <a14:hiddenLine xmlns="" xmlns:a14="http://schemas.microsoft.com/office/drawing/2010/main" w="9525">
+                <a14:hiddenLine xmlns:a14="http://schemas.microsoft.com/office/drawing/2010/main" xmlns="" w="9525">
                   <a:solidFill>
                     <a:srgbClr val="000000"/>
                   </a:solidFill>
@@ -2373,7 +2373,7 @@
             </a:ln>
             <a:extLst>
               <a:ext uri="{91240B29-F687-4f45-9708-019B960494DF}">
-                <a14:hiddenLine xmlns="" xmlns:a14="http://schemas.microsoft.com/office/drawing/2010/main" w="9525">
+                <a14:hiddenLine xmlns:a14="http://schemas.microsoft.com/office/drawing/2010/main" xmlns="" w="9525">
                   <a:solidFill>
                     <a:srgbClr val="000000"/>
                   </a:solidFill>
@@ -2463,7 +2463,7 @@
             </a:ln>
             <a:extLst>
               <a:ext uri="{91240B29-F687-4f45-9708-019B960494DF}">
-                <a14:hiddenLine xmlns="" xmlns:a14="http://schemas.microsoft.com/office/drawing/2010/main" w="9525">
+                <a14:hiddenLine xmlns:a14="http://schemas.microsoft.com/office/drawing/2010/main" xmlns="" w="9525">
                   <a:solidFill>
                     <a:srgbClr val="000000"/>
                   </a:solidFill>
@@ -2531,7 +2531,7 @@
             </a:ln>
             <a:extLst>
               <a:ext uri="{91240B29-F687-4f45-9708-019B960494DF}">
-                <a14:hiddenLine xmlns="" xmlns:a14="http://schemas.microsoft.com/office/drawing/2010/main" w="9525">
+                <a14:hiddenLine xmlns:a14="http://schemas.microsoft.com/office/drawing/2010/main" xmlns="" w="9525">
                   <a:solidFill>
                     <a:srgbClr val="000000"/>
                   </a:solidFill>
@@ -2621,7 +2621,7 @@
             </a:ln>
             <a:extLst>
               <a:ext uri="{91240B29-F687-4f45-9708-019B960494DF}">
-                <a14:hiddenLine xmlns="" xmlns:a14="http://schemas.microsoft.com/office/drawing/2010/main" w="9525">
+                <a14:hiddenLine xmlns:a14="http://schemas.microsoft.com/office/drawing/2010/main" xmlns="" w="9525">
                   <a:solidFill>
                     <a:srgbClr val="000000"/>
                   </a:solidFill>
@@ -2689,7 +2689,7 @@
             </a:ln>
             <a:extLst>
               <a:ext uri="{91240B29-F687-4f45-9708-019B960494DF}">
-                <a14:hiddenLine xmlns="" xmlns:a14="http://schemas.microsoft.com/office/drawing/2010/main" w="9525">
+                <a14:hiddenLine xmlns:a14="http://schemas.microsoft.com/office/drawing/2010/main" xmlns="" w="9525">
                   <a:solidFill>
                     <a:srgbClr val="000000"/>
                   </a:solidFill>
@@ -2779,7 +2779,7 @@
             </a:ln>
             <a:extLst>
               <a:ext uri="{91240B29-F687-4f45-9708-019B960494DF}">
-                <a14:hiddenLine xmlns="" xmlns:a14="http://schemas.microsoft.com/office/drawing/2010/main" w="9525">
+                <a14:hiddenLine xmlns:a14="http://schemas.microsoft.com/office/drawing/2010/main" xmlns="" w="9525">
                   <a:solidFill>
                     <a:srgbClr val="000000"/>
                   </a:solidFill>
@@ -2813,7 +2813,7 @@
             </a:ln>
             <a:extLst>
               <a:ext uri="{91240B29-F687-4f45-9708-019B960494DF}">
-                <a14:hiddenLine xmlns="" xmlns:a14="http://schemas.microsoft.com/office/drawing/2010/main" w="9525">
+                <a14:hiddenLine xmlns:a14="http://schemas.microsoft.com/office/drawing/2010/main" xmlns="" w="9525">
                   <a:solidFill>
                     <a:srgbClr val="000000"/>
                   </a:solidFill>
@@ -2903,7 +2903,7 @@
             </a:ln>
             <a:extLst>
               <a:ext uri="{91240B29-F687-4f45-9708-019B960494DF}">
-                <a14:hiddenLine xmlns="" xmlns:a14="http://schemas.microsoft.com/office/drawing/2010/main" w="9525">
+                <a14:hiddenLine xmlns:a14="http://schemas.microsoft.com/office/drawing/2010/main" xmlns="" w="9525">
                   <a:solidFill>
                     <a:srgbClr val="000000"/>
                   </a:solidFill>
@@ -2965,7 +2965,7 @@
             </a:ln>
             <a:extLst>
               <a:ext uri="{91240B29-F687-4f45-9708-019B960494DF}">
-                <a14:hiddenLine xmlns="" xmlns:a14="http://schemas.microsoft.com/office/drawing/2010/main" w="9525">
+                <a14:hiddenLine xmlns:a14="http://schemas.microsoft.com/office/drawing/2010/main" xmlns="" w="9525">
                   <a:solidFill>
                     <a:srgbClr val="000000"/>
                   </a:solidFill>
@@ -3027,7 +3027,7 @@
             </a:ln>
             <a:extLst>
               <a:ext uri="{91240B29-F687-4f45-9708-019B960494DF}">
-                <a14:hiddenLine xmlns="" xmlns:a14="http://schemas.microsoft.com/office/drawing/2010/main" w="9525">
+                <a14:hiddenLine xmlns:a14="http://schemas.microsoft.com/office/drawing/2010/main" xmlns="" w="9525">
                   <a:solidFill>
                     <a:srgbClr val="000000"/>
                   </a:solidFill>
@@ -3117,7 +3117,7 @@
             </a:ln>
             <a:extLst>
               <a:ext uri="{91240B29-F687-4f45-9708-019B960494DF}">
-                <a14:hiddenLine xmlns="" xmlns:a14="http://schemas.microsoft.com/office/drawing/2010/main" w="9525">
+                <a14:hiddenLine xmlns:a14="http://schemas.microsoft.com/office/drawing/2010/main" xmlns="" w="9525">
                   <a:solidFill>
                     <a:srgbClr val="000000"/>
                   </a:solidFill>
@@ -3185,7 +3185,7 @@
             </a:ln>
             <a:extLst>
               <a:ext uri="{91240B29-F687-4f45-9708-019B960494DF}">
-                <a14:hiddenLine xmlns="" xmlns:a14="http://schemas.microsoft.com/office/drawing/2010/main" w="9525">
+                <a14:hiddenLine xmlns:a14="http://schemas.microsoft.com/office/drawing/2010/main" xmlns="" w="9525">
                   <a:solidFill>
                     <a:srgbClr val="000000"/>
                   </a:solidFill>
@@ -3247,7 +3247,7 @@
             </a:ln>
             <a:extLst>
               <a:ext uri="{91240B29-F687-4f45-9708-019B960494DF}">
-                <a14:hiddenLine xmlns="" xmlns:a14="http://schemas.microsoft.com/office/drawing/2010/main" w="9525">
+                <a14:hiddenLine xmlns:a14="http://schemas.microsoft.com/office/drawing/2010/main" xmlns="" w="9525">
                   <a:solidFill>
                     <a:srgbClr val="000000"/>
                   </a:solidFill>
@@ -3337,7 +3337,7 @@
             </a:ln>
             <a:extLst>
               <a:ext uri="{91240B29-F687-4f45-9708-019B960494DF}">
-                <a14:hiddenLine xmlns="" xmlns:a14="http://schemas.microsoft.com/office/drawing/2010/main" w="9525">
+                <a14:hiddenLine xmlns:a14="http://schemas.microsoft.com/office/drawing/2010/main" xmlns="" w="9525">
                   <a:solidFill>
                     <a:srgbClr val="000000"/>
                   </a:solidFill>
@@ -3399,7 +3399,7 @@
             </a:ln>
             <a:extLst>
               <a:ext uri="{91240B29-F687-4f45-9708-019B960494DF}">
-                <a14:hiddenLine xmlns="" xmlns:a14="http://schemas.microsoft.com/office/drawing/2010/main" w="9525">
+                <a14:hiddenLine xmlns:a14="http://schemas.microsoft.com/office/drawing/2010/main" xmlns="" w="9525">
                   <a:solidFill>
                     <a:srgbClr val="000000"/>
                   </a:solidFill>
@@ -3489,7 +3489,7 @@
             </a:ln>
             <a:extLst>
               <a:ext uri="{91240B29-F687-4f45-9708-019B960494DF}">
-                <a14:hiddenLine xmlns="" xmlns:a14="http://schemas.microsoft.com/office/drawing/2010/main" w="9525">
+                <a14:hiddenLine xmlns:a14="http://schemas.microsoft.com/office/drawing/2010/main" xmlns="" w="9525">
                   <a:solidFill>
                     <a:srgbClr val="000000"/>
                   </a:solidFill>
@@ -3551,7 +3551,7 @@
             </a:ln>
             <a:extLst>
               <a:ext uri="{91240B29-F687-4f45-9708-019B960494DF}">
-                <a14:hiddenLine xmlns="" xmlns:a14="http://schemas.microsoft.com/office/drawing/2010/main" w="9525">
+                <a14:hiddenLine xmlns:a14="http://schemas.microsoft.com/office/drawing/2010/main" xmlns="" w="9525">
                   <a:solidFill>
                     <a:srgbClr val="000000"/>
                   </a:solidFill>
@@ -3641,7 +3641,7 @@
             </a:ln>
             <a:extLst>
               <a:ext uri="{91240B29-F687-4f45-9708-019B960494DF}">
-                <a14:hiddenLine xmlns="" xmlns:a14="http://schemas.microsoft.com/office/drawing/2010/main" w="9525">
+                <a14:hiddenLine xmlns:a14="http://schemas.microsoft.com/office/drawing/2010/main" xmlns="" w="9525">
                   <a:solidFill>
                     <a:srgbClr val="000000"/>
                   </a:solidFill>
@@ -3675,7 +3675,7 @@
             </a:ln>
             <a:extLst>
               <a:ext uri="{91240B29-F687-4f45-9708-019B960494DF}">
-                <a14:hiddenLine xmlns="" xmlns:a14="http://schemas.microsoft.com/office/drawing/2010/main" w="9525">
+                <a14:hiddenLine xmlns:a14="http://schemas.microsoft.com/office/drawing/2010/main" xmlns="" w="9525">
                   <a:solidFill>
                     <a:srgbClr val="000000"/>
                   </a:solidFill>
@@ -3740,7 +3740,7 @@
             </a:ln>
             <a:extLst>
               <a:ext uri="{91240B29-F687-4f45-9708-019B960494DF}">
-                <a14:hiddenLine xmlns="" xmlns:a14="http://schemas.microsoft.com/office/drawing/2010/main" w="9525">
+                <a14:hiddenLine xmlns:a14="http://schemas.microsoft.com/office/drawing/2010/main" xmlns="" w="9525">
                   <a:solidFill>
                     <a:srgbClr val="000000"/>
                   </a:solidFill>
@@ -3830,7 +3830,7 @@
             </a:ln>
             <a:extLst>
               <a:ext uri="{91240B29-F687-4f45-9708-019B960494DF}">
-                <a14:hiddenLine xmlns="" xmlns:a14="http://schemas.microsoft.com/office/drawing/2010/main" w="9525">
+                <a14:hiddenLine xmlns:a14="http://schemas.microsoft.com/office/drawing/2010/main" xmlns="" w="9525">
                   <a:solidFill>
                     <a:srgbClr val="000000"/>
                   </a:solidFill>
@@ -3892,7 +3892,7 @@
             </a:ln>
             <a:extLst>
               <a:ext uri="{91240B29-F687-4f45-9708-019B960494DF}">
-                <a14:hiddenLine xmlns="" xmlns:a14="http://schemas.microsoft.com/office/drawing/2010/main" w="9525">
+                <a14:hiddenLine xmlns:a14="http://schemas.microsoft.com/office/drawing/2010/main" xmlns="" w="9525">
                   <a:solidFill>
                     <a:srgbClr val="000000"/>
                   </a:solidFill>
@@ -3982,7 +3982,7 @@
             </a:ln>
             <a:extLst>
               <a:ext uri="{91240B29-F687-4f45-9708-019B960494DF}">
-                <a14:hiddenLine xmlns="" xmlns:a14="http://schemas.microsoft.com/office/drawing/2010/main" w="9525">
+                <a14:hiddenLine xmlns:a14="http://schemas.microsoft.com/office/drawing/2010/main" xmlns="" w="9525">
                   <a:solidFill>
                     <a:srgbClr val="000000"/>
                   </a:solidFill>
@@ -4072,7 +4072,7 @@
             </a:ln>
             <a:extLst>
               <a:ext uri="{91240B29-F687-4f45-9708-019B960494DF}">
-                <a14:hiddenLine xmlns="" xmlns:a14="http://schemas.microsoft.com/office/drawing/2010/main" w="9525">
+                <a14:hiddenLine xmlns:a14="http://schemas.microsoft.com/office/drawing/2010/main" xmlns="" w="9525">
                   <a:solidFill>
                     <a:srgbClr val="000000"/>
                   </a:solidFill>
@@ -4137,7 +4137,7 @@
             </a:ln>
             <a:extLst>
               <a:ext uri="{91240B29-F687-4f45-9708-019B960494DF}">
-                <a14:hiddenLine xmlns="" xmlns:a14="http://schemas.microsoft.com/office/drawing/2010/main" w="9525">
+                <a14:hiddenLine xmlns:a14="http://schemas.microsoft.com/office/drawing/2010/main" xmlns="" w="9525">
                   <a:solidFill>
                     <a:srgbClr val="000000"/>
                   </a:solidFill>
@@ -4199,7 +4199,7 @@
             </a:ln>
             <a:extLst>
               <a:ext uri="{91240B29-F687-4f45-9708-019B960494DF}">
-                <a14:hiddenLine xmlns="" xmlns:a14="http://schemas.microsoft.com/office/drawing/2010/main" w="9525">
+                <a14:hiddenLine xmlns:a14="http://schemas.microsoft.com/office/drawing/2010/main" xmlns="" w="9525">
                   <a:solidFill>
                     <a:srgbClr val="000000"/>
                   </a:solidFill>
@@ -4289,7 +4289,7 @@
             </a:ln>
             <a:extLst>
               <a:ext uri="{91240B29-F687-4f45-9708-019B960494DF}">
-                <a14:hiddenLine xmlns="" xmlns:a14="http://schemas.microsoft.com/office/drawing/2010/main" w="9525">
+                <a14:hiddenLine xmlns:a14="http://schemas.microsoft.com/office/drawing/2010/main" xmlns="" w="9525">
                   <a:solidFill>
                     <a:srgbClr val="000000"/>
                   </a:solidFill>
@@ -4379,7 +4379,7 @@
             </a:ln>
             <a:extLst>
               <a:ext uri="{91240B29-F687-4f45-9708-019B960494DF}">
-                <a14:hiddenLine xmlns="" xmlns:a14="http://schemas.microsoft.com/office/drawing/2010/main" w="9525">
+                <a14:hiddenLine xmlns:a14="http://schemas.microsoft.com/office/drawing/2010/main" xmlns="" w="9525">
                   <a:solidFill>
                     <a:srgbClr val="000000"/>
                   </a:solidFill>
@@ -4441,7 +4441,7 @@
             </a:ln>
             <a:extLst>
               <a:ext uri="{91240B29-F687-4f45-9708-019B960494DF}">
-                <a14:hiddenLine xmlns="" xmlns:a14="http://schemas.microsoft.com/office/drawing/2010/main" w="9525">
+                <a14:hiddenLine xmlns:a14="http://schemas.microsoft.com/office/drawing/2010/main" xmlns="" w="9525">
                   <a:solidFill>
                     <a:srgbClr val="000000"/>
                   </a:solidFill>
@@ -4561,7 +4561,7 @@
             </a:ln>
             <a:extLst>
               <a:ext uri="{91240B29-F687-4f45-9708-019B960494DF}">
-                <a14:hiddenLine xmlns="" xmlns:a14="http://schemas.microsoft.com/office/drawing/2010/main" w="9525">
+                <a14:hiddenLine xmlns:a14="http://schemas.microsoft.com/office/drawing/2010/main" xmlns="" w="9525">
                   <a:solidFill>
                     <a:srgbClr val="000000"/>
                   </a:solidFill>
@@ -4629,7 +4629,7 @@
             </a:ln>
             <a:extLst>
               <a:ext uri="{91240B29-F687-4f45-9708-019B960494DF}">
-                <a14:hiddenLine xmlns="" xmlns:a14="http://schemas.microsoft.com/office/drawing/2010/main" w="9525">
+                <a14:hiddenLine xmlns:a14="http://schemas.microsoft.com/office/drawing/2010/main" xmlns="" w="9525">
                   <a:solidFill>
                     <a:srgbClr val="000000"/>
                   </a:solidFill>
@@ -4719,7 +4719,7 @@
             </a:ln>
             <a:extLst>
               <a:ext uri="{91240B29-F687-4f45-9708-019B960494DF}">
-                <a14:hiddenLine xmlns="" xmlns:a14="http://schemas.microsoft.com/office/drawing/2010/main" w="9525">
+                <a14:hiddenLine xmlns:a14="http://schemas.microsoft.com/office/drawing/2010/main" xmlns="" w="9525">
                   <a:solidFill>
                     <a:srgbClr val="000000"/>
                   </a:solidFill>
@@ -4859,7 +4859,7 @@
           <a:p>
             <a:fld id="{EC4347D3-4C9A-C240-8F14-750059DFEEB0}" type="datetimeFigureOut">
               <a:rPr lang="en-US" smtClean="0"/>
-              <a:t>3/23/23</a:t>
+              <a:t>3/31/25</a:t>
             </a:fld>
             <a:endParaRPr lang="en-US"/>
           </a:p>
@@ -5126,7 +5126,7 @@
           <a:p>
             <a:fld id="{EC4347D3-4C9A-C240-8F14-750059DFEEB0}" type="datetimeFigureOut">
               <a:rPr lang="en-US" smtClean="0"/>
-              <a:t>3/23/23</a:t>
+              <a:t>3/31/25</a:t>
             </a:fld>
             <a:endParaRPr lang="en-US"/>
           </a:p>
@@ -5322,7 +5322,7 @@
           <a:p>
             <a:fld id="{EC4347D3-4C9A-C240-8F14-750059DFEEB0}" type="datetimeFigureOut">
               <a:rPr lang="en-US" smtClean="0"/>
-              <a:t>3/23/23</a:t>
+              <a:t>3/31/25</a:t>
             </a:fld>
             <a:endParaRPr lang="en-US"/>
           </a:p>
@@ -5585,7 +5585,7 @@
           <a:p>
             <a:fld id="{EC4347D3-4C9A-C240-8F14-750059DFEEB0}" type="datetimeFigureOut">
               <a:rPr lang="en-US" smtClean="0"/>
-              <a:t>3/23/23</a:t>
+              <a:t>3/31/25</a:t>
             </a:fld>
             <a:endParaRPr lang="en-US"/>
           </a:p>
@@ -6019,7 +6019,7 @@
           <a:p>
             <a:fld id="{EC4347D3-4C9A-C240-8F14-750059DFEEB0}" type="datetimeFigureOut">
               <a:rPr lang="en-US" smtClean="0"/>
-              <a:t>3/23/23</a:t>
+              <a:t>3/31/25</a:t>
             </a:fld>
             <a:endParaRPr lang="en-US"/>
           </a:p>
@@ -6565,7 +6565,7 @@
           <a:p>
             <a:fld id="{EC4347D3-4C9A-C240-8F14-750059DFEEB0}" type="datetimeFigureOut">
               <a:rPr lang="en-US" smtClean="0"/>
-              <a:t>3/23/23</a:t>
+              <a:t>3/31/25</a:t>
             </a:fld>
             <a:endParaRPr lang="en-US"/>
           </a:p>
@@ -7285,7 +7285,7 @@
           <a:p>
             <a:fld id="{EC4347D3-4C9A-C240-8F14-750059DFEEB0}" type="datetimeFigureOut">
               <a:rPr lang="en-US" smtClean="0"/>
-              <a:t>3/23/23</a:t>
+              <a:t>3/31/25</a:t>
             </a:fld>
             <a:endParaRPr lang="en-US"/>
           </a:p>
@@ -7455,7 +7455,7 @@
           <a:p>
             <a:fld id="{EC4347D3-4C9A-C240-8F14-750059DFEEB0}" type="datetimeFigureOut">
               <a:rPr lang="en-US" smtClean="0"/>
-              <a:t>3/23/23</a:t>
+              <a:t>3/31/25</a:t>
             </a:fld>
             <a:endParaRPr lang="en-US"/>
           </a:p>
@@ -7635,7 +7635,7 @@
           <a:p>
             <a:fld id="{EC4347D3-4C9A-C240-8F14-750059DFEEB0}" type="datetimeFigureOut">
               <a:rPr lang="en-US" smtClean="0"/>
-              <a:t>3/23/23</a:t>
+              <a:t>3/31/25</a:t>
             </a:fld>
             <a:endParaRPr lang="en-US"/>
           </a:p>
@@ -7805,7 +7805,7 @@
           <a:p>
             <a:fld id="{EC4347D3-4C9A-C240-8F14-750059DFEEB0}" type="datetimeFigureOut">
               <a:rPr lang="en-US" smtClean="0"/>
-              <a:t>3/23/23</a:t>
+              <a:t>3/31/25</a:t>
             </a:fld>
             <a:endParaRPr lang="en-US"/>
           </a:p>
@@ -8055,7 +8055,7 @@
           <a:p>
             <a:fld id="{EC4347D3-4C9A-C240-8F14-750059DFEEB0}" type="datetimeFigureOut">
               <a:rPr lang="en-US" smtClean="0"/>
-              <a:t>3/23/23</a:t>
+              <a:t>3/31/25</a:t>
             </a:fld>
             <a:endParaRPr lang="en-US"/>
           </a:p>
@@ -8287,7 +8287,7 @@
           <a:p>
             <a:fld id="{EC4347D3-4C9A-C240-8F14-750059DFEEB0}" type="datetimeFigureOut">
               <a:rPr lang="en-US" smtClean="0"/>
-              <a:t>3/23/23</a:t>
+              <a:t>3/31/25</a:t>
             </a:fld>
             <a:endParaRPr lang="en-US"/>
           </a:p>
@@ -8673,7 +8673,7 @@
           <a:p>
             <a:fld id="{EC4347D3-4C9A-C240-8F14-750059DFEEB0}" type="datetimeFigureOut">
               <a:rPr lang="en-US" smtClean="0"/>
-              <a:t>3/23/23</a:t>
+              <a:t>3/31/25</a:t>
             </a:fld>
             <a:endParaRPr lang="en-US"/>
           </a:p>
@@ -8796,7 +8796,7 @@
           <a:p>
             <a:fld id="{EC4347D3-4C9A-C240-8F14-750059DFEEB0}" type="datetimeFigureOut">
               <a:rPr lang="en-US" smtClean="0"/>
-              <a:t>3/23/23</a:t>
+              <a:t>3/31/25</a:t>
             </a:fld>
             <a:endParaRPr lang="en-US"/>
           </a:p>
@@ -8891,7 +8891,7 @@
           <a:p>
             <a:fld id="{EC4347D3-4C9A-C240-8F14-750059DFEEB0}" type="datetimeFigureOut">
               <a:rPr lang="en-US" smtClean="0"/>
-              <a:t>3/23/23</a:t>
+              <a:t>3/31/25</a:t>
             </a:fld>
             <a:endParaRPr lang="en-US"/>
           </a:p>
@@ -9140,7 +9140,7 @@
           <a:p>
             <a:fld id="{EC4347D3-4C9A-C240-8F14-750059DFEEB0}" type="datetimeFigureOut">
               <a:rPr lang="en-US" smtClean="0"/>
-              <a:t>3/23/23</a:t>
+              <a:t>3/31/25</a:t>
             </a:fld>
             <a:endParaRPr lang="en-US"/>
           </a:p>
@@ -9425,7 +9425,7 @@
           <a:p>
             <a:fld id="{EC4347D3-4C9A-C240-8F14-750059DFEEB0}" type="datetimeFigureOut">
               <a:rPr lang="en-US" smtClean="0"/>
-              <a:t>3/23/23</a:t>
+              <a:t>3/31/25</a:t>
             </a:fld>
             <a:endParaRPr lang="en-US"/>
           </a:p>
@@ -9548,7 +9548,7 @@
           <a:noFill/>
           <a:extLst>
             <a:ext uri="{909E8E84-426E-40dd-AFC4-6F175D3DCCD1}">
-              <a14:hiddenFill xmlns="" xmlns:a14="http://schemas.microsoft.com/office/drawing/2010/main">
+              <a14:hiddenFill xmlns:a14="http://schemas.microsoft.com/office/drawing/2010/main" xmlns="">
                 <a:solidFill>
                   <a:srgbClr val="FFFFFF"/>
                 </a:solidFill>
@@ -9622,7 +9622,7 @@
               </a:ln>
               <a:extLst>
                 <a:ext uri="{91240B29-F687-4f45-9708-019B960494DF}">
-                  <a14:hiddenLine xmlns="" xmlns:a14="http://schemas.microsoft.com/office/drawing/2010/main" w="9525">
+                  <a14:hiddenLine xmlns:a14="http://schemas.microsoft.com/office/drawing/2010/main" xmlns="" w="9525">
                     <a:solidFill>
                       <a:srgbClr val="000000"/>
                     </a:solidFill>
@@ -9712,7 +9712,7 @@
               </a:ln>
               <a:extLst>
                 <a:ext uri="{91240B29-F687-4f45-9708-019B960494DF}">
-                  <a14:hiddenLine xmlns="" xmlns:a14="http://schemas.microsoft.com/office/drawing/2010/main" w="9525">
+                  <a14:hiddenLine xmlns:a14="http://schemas.microsoft.com/office/drawing/2010/main" xmlns="" w="9525">
                     <a:solidFill>
                       <a:srgbClr val="000000"/>
                     </a:solidFill>
@@ -9802,7 +9802,7 @@
               </a:ln>
               <a:extLst>
                 <a:ext uri="{91240B29-F687-4f45-9708-019B960494DF}">
-                  <a14:hiddenLine xmlns="" xmlns:a14="http://schemas.microsoft.com/office/drawing/2010/main" w="9525">
+                  <a14:hiddenLine xmlns:a14="http://schemas.microsoft.com/office/drawing/2010/main" xmlns="" w="9525">
                     <a:solidFill>
                       <a:srgbClr val="000000"/>
                     </a:solidFill>
@@ -9864,7 +9864,7 @@
               </a:ln>
               <a:extLst>
                 <a:ext uri="{91240B29-F687-4f45-9708-019B960494DF}">
-                  <a14:hiddenLine xmlns="" xmlns:a14="http://schemas.microsoft.com/office/drawing/2010/main" w="9525">
+                  <a14:hiddenLine xmlns:a14="http://schemas.microsoft.com/office/drawing/2010/main" xmlns="" w="9525">
                     <a:solidFill>
                       <a:srgbClr val="000000"/>
                     </a:solidFill>
@@ -9954,7 +9954,7 @@
               </a:ln>
               <a:extLst>
                 <a:ext uri="{91240B29-F687-4f45-9708-019B960494DF}">
-                  <a14:hiddenLine xmlns="" xmlns:a14="http://schemas.microsoft.com/office/drawing/2010/main" w="9525">
+                  <a14:hiddenLine xmlns:a14="http://schemas.microsoft.com/office/drawing/2010/main" xmlns="" w="9525">
                     <a:solidFill>
                       <a:srgbClr val="000000"/>
                     </a:solidFill>
@@ -10016,7 +10016,7 @@
               </a:ln>
               <a:extLst>
                 <a:ext uri="{91240B29-F687-4f45-9708-019B960494DF}">
-                  <a14:hiddenLine xmlns="" xmlns:a14="http://schemas.microsoft.com/office/drawing/2010/main" w="9525">
+                  <a14:hiddenLine xmlns:a14="http://schemas.microsoft.com/office/drawing/2010/main" xmlns="" w="9525">
                     <a:solidFill>
                       <a:srgbClr val="000000"/>
                     </a:solidFill>
@@ -10078,7 +10078,7 @@
               </a:ln>
               <a:extLst>
                 <a:ext uri="{91240B29-F687-4f45-9708-019B960494DF}">
-                  <a14:hiddenLine xmlns="" xmlns:a14="http://schemas.microsoft.com/office/drawing/2010/main" w="9525">
+                  <a14:hiddenLine xmlns:a14="http://schemas.microsoft.com/office/drawing/2010/main" xmlns="" w="9525">
                     <a:solidFill>
                       <a:srgbClr val="000000"/>
                     </a:solidFill>
@@ -10168,7 +10168,7 @@
               </a:ln>
               <a:extLst>
                 <a:ext uri="{91240B29-F687-4f45-9708-019B960494DF}">
-                  <a14:hiddenLine xmlns="" xmlns:a14="http://schemas.microsoft.com/office/drawing/2010/main" w="9525">
+                  <a14:hiddenLine xmlns:a14="http://schemas.microsoft.com/office/drawing/2010/main" xmlns="" w="9525">
                     <a:solidFill>
                       <a:srgbClr val="000000"/>
                     </a:solidFill>
@@ -10258,7 +10258,7 @@
               </a:ln>
               <a:extLst>
                 <a:ext uri="{91240B29-F687-4f45-9708-019B960494DF}">
-                  <a14:hiddenLine xmlns="" xmlns:a14="http://schemas.microsoft.com/office/drawing/2010/main" w="9525">
+                  <a14:hiddenLine xmlns:a14="http://schemas.microsoft.com/office/drawing/2010/main" xmlns="" w="9525">
                     <a:solidFill>
                       <a:srgbClr val="000000"/>
                     </a:solidFill>
@@ -10320,7 +10320,7 @@
               </a:ln>
               <a:extLst>
                 <a:ext uri="{91240B29-F687-4f45-9708-019B960494DF}">
-                  <a14:hiddenLine xmlns="" xmlns:a14="http://schemas.microsoft.com/office/drawing/2010/main" w="9525">
+                  <a14:hiddenLine xmlns:a14="http://schemas.microsoft.com/office/drawing/2010/main" xmlns="" w="9525">
                     <a:solidFill>
                       <a:srgbClr val="000000"/>
                     </a:solidFill>
@@ -10430,7 +10430,7 @@
               </a:ln>
               <a:extLst>
                 <a:ext uri="{91240B29-F687-4f45-9708-019B960494DF}">
-                  <a14:hiddenLine xmlns="" xmlns:a14="http://schemas.microsoft.com/office/drawing/2010/main" w="9525">
+                  <a14:hiddenLine xmlns:a14="http://schemas.microsoft.com/office/drawing/2010/main" xmlns="" w="9525">
                     <a:solidFill>
                       <a:srgbClr val="000000"/>
                     </a:solidFill>
@@ -10514,7 +10514,7 @@
               </a:ln>
               <a:extLst>
                 <a:ext uri="{91240B29-F687-4f45-9708-019B960494DF}">
-                  <a14:hiddenLine xmlns="" xmlns:a14="http://schemas.microsoft.com/office/drawing/2010/main" w="9525">
+                  <a14:hiddenLine xmlns:a14="http://schemas.microsoft.com/office/drawing/2010/main" xmlns="" w="9525">
                     <a:solidFill>
                       <a:srgbClr val="000000"/>
                     </a:solidFill>
@@ -10576,7 +10576,7 @@
               </a:ln>
               <a:extLst>
                 <a:ext uri="{91240B29-F687-4f45-9708-019B960494DF}">
-                  <a14:hiddenLine xmlns="" xmlns:a14="http://schemas.microsoft.com/office/drawing/2010/main" w="9525">
+                  <a14:hiddenLine xmlns:a14="http://schemas.microsoft.com/office/drawing/2010/main" xmlns="" w="9525">
                     <a:solidFill>
                       <a:srgbClr val="000000"/>
                     </a:solidFill>
@@ -10638,7 +10638,7 @@
               </a:ln>
               <a:extLst>
                 <a:ext uri="{91240B29-F687-4f45-9708-019B960494DF}">
-                  <a14:hiddenLine xmlns="" xmlns:a14="http://schemas.microsoft.com/office/drawing/2010/main" w="9525">
+                  <a14:hiddenLine xmlns:a14="http://schemas.microsoft.com/office/drawing/2010/main" xmlns="" w="9525">
                     <a:solidFill>
                       <a:srgbClr val="000000"/>
                     </a:solidFill>
@@ -10728,7 +10728,7 @@
               </a:ln>
               <a:extLst>
                 <a:ext uri="{91240B29-F687-4f45-9708-019B960494DF}">
-                  <a14:hiddenLine xmlns="" xmlns:a14="http://schemas.microsoft.com/office/drawing/2010/main" w="9525">
+                  <a14:hiddenLine xmlns:a14="http://schemas.microsoft.com/office/drawing/2010/main" xmlns="" w="9525">
                     <a:solidFill>
                       <a:srgbClr val="000000"/>
                     </a:solidFill>
@@ -10762,7 +10762,7 @@
               </a:ln>
               <a:extLst>
                 <a:ext uri="{91240B29-F687-4f45-9708-019B960494DF}">
-                  <a14:hiddenLine xmlns="" xmlns:a14="http://schemas.microsoft.com/office/drawing/2010/main" w="9525">
+                  <a14:hiddenLine xmlns:a14="http://schemas.microsoft.com/office/drawing/2010/main" xmlns="" w="9525">
                     <a:solidFill>
                       <a:srgbClr val="000000"/>
                     </a:solidFill>
@@ -10827,7 +10827,7 @@
               </a:ln>
               <a:extLst>
                 <a:ext uri="{91240B29-F687-4f45-9708-019B960494DF}">
-                  <a14:hiddenLine xmlns="" xmlns:a14="http://schemas.microsoft.com/office/drawing/2010/main" w="9525">
+                  <a14:hiddenLine xmlns:a14="http://schemas.microsoft.com/office/drawing/2010/main" xmlns="" w="9525">
                     <a:solidFill>
                       <a:srgbClr val="000000"/>
                     </a:solidFill>
@@ -10917,7 +10917,7 @@
               </a:ln>
               <a:extLst>
                 <a:ext uri="{91240B29-F687-4f45-9708-019B960494DF}">
-                  <a14:hiddenLine xmlns="" xmlns:a14="http://schemas.microsoft.com/office/drawing/2010/main" w="9525">
+                  <a14:hiddenLine xmlns:a14="http://schemas.microsoft.com/office/drawing/2010/main" xmlns="" w="9525">
                     <a:solidFill>
                       <a:srgbClr val="000000"/>
                     </a:solidFill>
@@ -10979,7 +10979,7 @@
               </a:ln>
               <a:extLst>
                 <a:ext uri="{91240B29-F687-4f45-9708-019B960494DF}">
-                  <a14:hiddenLine xmlns="" xmlns:a14="http://schemas.microsoft.com/office/drawing/2010/main" w="9525">
+                  <a14:hiddenLine xmlns:a14="http://schemas.microsoft.com/office/drawing/2010/main" xmlns="" w="9525">
                     <a:solidFill>
                       <a:srgbClr val="000000"/>
                     </a:solidFill>
@@ -11069,7 +11069,7 @@
               </a:ln>
               <a:extLst>
                 <a:ext uri="{91240B29-F687-4f45-9708-019B960494DF}">
-                  <a14:hiddenLine xmlns="" xmlns:a14="http://schemas.microsoft.com/office/drawing/2010/main" w="9525">
+                  <a14:hiddenLine xmlns:a14="http://schemas.microsoft.com/office/drawing/2010/main" xmlns="" w="9525">
                     <a:solidFill>
                       <a:srgbClr val="000000"/>
                     </a:solidFill>
@@ -11134,7 +11134,7 @@
               </a:ln>
               <a:extLst>
                 <a:ext uri="{91240B29-F687-4f45-9708-019B960494DF}">
-                  <a14:hiddenLine xmlns="" xmlns:a14="http://schemas.microsoft.com/office/drawing/2010/main" w="9525">
+                  <a14:hiddenLine xmlns:a14="http://schemas.microsoft.com/office/drawing/2010/main" xmlns="" w="9525">
                     <a:solidFill>
                       <a:srgbClr val="000000"/>
                     </a:solidFill>
@@ -11196,7 +11196,7 @@
               </a:ln>
               <a:extLst>
                 <a:ext uri="{91240B29-F687-4f45-9708-019B960494DF}">
-                  <a14:hiddenLine xmlns="" xmlns:a14="http://schemas.microsoft.com/office/drawing/2010/main" w="9525">
+                  <a14:hiddenLine xmlns:a14="http://schemas.microsoft.com/office/drawing/2010/main" xmlns="" w="9525">
                     <a:solidFill>
                       <a:srgbClr val="000000"/>
                     </a:solidFill>
@@ -11286,7 +11286,7 @@
               </a:ln>
               <a:extLst>
                 <a:ext uri="{91240B29-F687-4f45-9708-019B960494DF}">
-                  <a14:hiddenLine xmlns="" xmlns:a14="http://schemas.microsoft.com/office/drawing/2010/main" w="9525">
+                  <a14:hiddenLine xmlns:a14="http://schemas.microsoft.com/office/drawing/2010/main" xmlns="" w="9525">
                     <a:solidFill>
                       <a:srgbClr val="000000"/>
                     </a:solidFill>
@@ -11376,7 +11376,7 @@
               </a:ln>
               <a:extLst>
                 <a:ext uri="{91240B29-F687-4f45-9708-019B960494DF}">
-                  <a14:hiddenLine xmlns="" xmlns:a14="http://schemas.microsoft.com/office/drawing/2010/main" w="9525">
+                  <a14:hiddenLine xmlns:a14="http://schemas.microsoft.com/office/drawing/2010/main" xmlns="" w="9525">
                     <a:solidFill>
                       <a:srgbClr val="000000"/>
                     </a:solidFill>
@@ -11441,7 +11441,7 @@
               </a:ln>
               <a:extLst>
                 <a:ext uri="{91240B29-F687-4f45-9708-019B960494DF}">
-                  <a14:hiddenLine xmlns="" xmlns:a14="http://schemas.microsoft.com/office/drawing/2010/main" w="9525">
+                  <a14:hiddenLine xmlns:a14="http://schemas.microsoft.com/office/drawing/2010/main" xmlns="" w="9525">
                     <a:solidFill>
                       <a:srgbClr val="000000"/>
                     </a:solidFill>
@@ -11561,7 +11561,7 @@
               </a:ln>
               <a:extLst>
                 <a:ext uri="{91240B29-F687-4f45-9708-019B960494DF}">
-                  <a14:hiddenLine xmlns="" xmlns:a14="http://schemas.microsoft.com/office/drawing/2010/main" w="9525">
+                  <a14:hiddenLine xmlns:a14="http://schemas.microsoft.com/office/drawing/2010/main" xmlns="" w="9525">
                     <a:solidFill>
                       <a:srgbClr val="000000"/>
                     </a:solidFill>
@@ -11642,7 +11642,7 @@
               </a:ln>
               <a:extLst>
                 <a:ext uri="{91240B29-F687-4f45-9708-019B960494DF}">
-                  <a14:hiddenLine xmlns="" xmlns:a14="http://schemas.microsoft.com/office/drawing/2010/main" w="9525">
+                  <a14:hiddenLine xmlns:a14="http://schemas.microsoft.com/office/drawing/2010/main" xmlns="" w="9525">
                     <a:solidFill>
                       <a:srgbClr val="000000"/>
                     </a:solidFill>
@@ -11757,7 +11757,7 @@
               </a:ln>
               <a:extLst>
                 <a:ext uri="{91240B29-F687-4f45-9708-019B960494DF}">
-                  <a14:hiddenLine xmlns="" xmlns:a14="http://schemas.microsoft.com/office/drawing/2010/main" w="9525">
+                  <a14:hiddenLine xmlns:a14="http://schemas.microsoft.com/office/drawing/2010/main" xmlns="" w="9525">
                     <a:solidFill>
                       <a:srgbClr val="000000"/>
                     </a:solidFill>
@@ -11847,7 +11847,7 @@
               </a:ln>
               <a:extLst>
                 <a:ext uri="{91240B29-F687-4f45-9708-019B960494DF}">
-                  <a14:hiddenLine xmlns="" xmlns:a14="http://schemas.microsoft.com/office/drawing/2010/main" w="9525">
+                  <a14:hiddenLine xmlns:a14="http://schemas.microsoft.com/office/drawing/2010/main" xmlns="" w="9525">
                     <a:solidFill>
                       <a:srgbClr val="000000"/>
                     </a:solidFill>
@@ -11912,7 +11912,7 @@
               </a:ln>
               <a:extLst>
                 <a:ext uri="{91240B29-F687-4f45-9708-019B960494DF}">
-                  <a14:hiddenLine xmlns="" xmlns:a14="http://schemas.microsoft.com/office/drawing/2010/main" w="9525">
+                  <a14:hiddenLine xmlns:a14="http://schemas.microsoft.com/office/drawing/2010/main" xmlns="" w="9525">
                     <a:solidFill>
                       <a:srgbClr val="000000"/>
                     </a:solidFill>
@@ -12002,7 +12002,7 @@
               </a:ln>
               <a:extLst>
                 <a:ext uri="{91240B29-F687-4f45-9708-019B960494DF}">
-                  <a14:hiddenLine xmlns="" xmlns:a14="http://schemas.microsoft.com/office/drawing/2010/main" w="9525">
+                  <a14:hiddenLine xmlns:a14="http://schemas.microsoft.com/office/drawing/2010/main" xmlns="" w="9525">
                     <a:solidFill>
                       <a:srgbClr val="000000"/>
                     </a:solidFill>
@@ -12070,7 +12070,7 @@
               </a:ln>
               <a:extLst>
                 <a:ext uri="{91240B29-F687-4f45-9708-019B960494DF}">
-                  <a14:hiddenLine xmlns="" xmlns:a14="http://schemas.microsoft.com/office/drawing/2010/main" w="9525">
+                  <a14:hiddenLine xmlns:a14="http://schemas.microsoft.com/office/drawing/2010/main" xmlns="" w="9525">
                     <a:solidFill>
                       <a:srgbClr val="000000"/>
                     </a:solidFill>
@@ -12160,7 +12160,7 @@
               </a:ln>
               <a:extLst>
                 <a:ext uri="{91240B29-F687-4f45-9708-019B960494DF}">
-                  <a14:hiddenLine xmlns="" xmlns:a14="http://schemas.microsoft.com/office/drawing/2010/main" w="9525">
+                  <a14:hiddenLine xmlns:a14="http://schemas.microsoft.com/office/drawing/2010/main" xmlns="" w="9525">
                     <a:solidFill>
                       <a:srgbClr val="000000"/>
                     </a:solidFill>
@@ -12228,7 +12228,7 @@
               </a:ln>
               <a:extLst>
                 <a:ext uri="{91240B29-F687-4f45-9708-019B960494DF}">
-                  <a14:hiddenLine xmlns="" xmlns:a14="http://schemas.microsoft.com/office/drawing/2010/main" w="9525">
+                  <a14:hiddenLine xmlns:a14="http://schemas.microsoft.com/office/drawing/2010/main" xmlns="" w="9525">
                     <a:solidFill>
                       <a:srgbClr val="000000"/>
                     </a:solidFill>
@@ -12318,7 +12318,7 @@
               </a:ln>
               <a:extLst>
                 <a:ext uri="{91240B29-F687-4f45-9708-019B960494DF}">
-                  <a14:hiddenLine xmlns="" xmlns:a14="http://schemas.microsoft.com/office/drawing/2010/main" w="9525">
+                  <a14:hiddenLine xmlns:a14="http://schemas.microsoft.com/office/drawing/2010/main" xmlns="" w="9525">
                     <a:solidFill>
                       <a:srgbClr val="000000"/>
                     </a:solidFill>
@@ -12352,7 +12352,7 @@
               </a:ln>
               <a:extLst>
                 <a:ext uri="{91240B29-F687-4f45-9708-019B960494DF}">
-                  <a14:hiddenLine xmlns="" xmlns:a14="http://schemas.microsoft.com/office/drawing/2010/main" w="9525">
+                  <a14:hiddenLine xmlns:a14="http://schemas.microsoft.com/office/drawing/2010/main" xmlns="" w="9525">
                     <a:solidFill>
                       <a:srgbClr val="000000"/>
                     </a:solidFill>
@@ -12492,7 +12492,7 @@
           <a:p>
             <a:fld id="{EC4347D3-4C9A-C240-8F14-750059DFEEB0}" type="datetimeFigureOut">
               <a:rPr lang="en-US" smtClean="0"/>
-              <a:t>3/23/23</a:t>
+              <a:t>3/31/25</a:t>
             </a:fld>
             <a:endParaRPr lang="en-US"/>
           </a:p>
@@ -13293,7 +13293,7 @@
         </p:nvSpPr>
         <p:spPr>
           <a:xfrm>
-            <a:off x="1290076" y="1288112"/>
+            <a:off x="1290076" y="1556129"/>
             <a:ext cx="9601200" cy="3236180"/>
           </a:xfrm>
           <a:solidFill>
@@ -13497,13 +13497,15 @@
               </a:ext>
             </a:extLst>
           </p:cNvPr>
-          <p:cNvCxnSpPr/>
+          <p:cNvCxnSpPr>
+            <a:cxnSpLocks/>
+          </p:cNvCxnSpPr>
           <p:nvPr/>
         </p:nvCxnSpPr>
         <p:spPr>
           <a:xfrm flipH="1" flipV="1">
-            <a:off x="4118776" y="4635610"/>
-            <a:ext cx="2202511" cy="707667"/>
+            <a:off x="5194738" y="4903076"/>
+            <a:ext cx="1126550" cy="440202"/>
           </a:xfrm>
           <a:prstGeom prst="line">
             <a:avLst/>
@@ -14494,8 +14496,8 @@
           </a:p>
         </p:txBody>
       </p:sp>
-      <mc:AlternateContent xmlns:mc="http://schemas.openxmlformats.org/markup-compatibility/2006">
-        <mc:Choice xmlns:a14="http://schemas.microsoft.com/office/drawing/2010/main" Requires="a14">
+      <mc:AlternateContent xmlns:mc="http://schemas.openxmlformats.org/markup-compatibility/2006" xmlns:a14="http://schemas.microsoft.com/office/drawing/2010/main">
+        <mc:Choice Requires="a14">
           <p:sp>
             <p:nvSpPr>
               <p:cNvPr id="4" name="Content Placeholder 3"/>
@@ -14626,7 +14628,7 @@
             </p:txBody>
           </p:sp>
         </mc:Choice>
-        <mc:Fallback>
+        <mc:Fallback xmlns="">
           <p:sp>
             <p:nvSpPr>
               <p:cNvPr id="4" name="Content Placeholder 3"/>
@@ -15079,8 +15081,8 @@
           </a:p>
         </p:txBody>
       </p:sp>
-      <mc:AlternateContent xmlns:mc="http://schemas.openxmlformats.org/markup-compatibility/2006">
-        <mc:Choice xmlns:a14="http://schemas.microsoft.com/office/drawing/2010/main" Requires="a14">
+      <mc:AlternateContent xmlns:mc="http://schemas.openxmlformats.org/markup-compatibility/2006" xmlns:a14="http://schemas.microsoft.com/office/drawing/2010/main">
+        <mc:Choice Requires="a14">
           <p:sp>
             <p:nvSpPr>
               <p:cNvPr id="4" name="Content Placeholder 3"/>
@@ -15209,7 +15211,7 @@
             </p:txBody>
           </p:sp>
         </mc:Choice>
-        <mc:Fallback>
+        <mc:Fallback xmlns="">
           <p:sp>
             <p:nvSpPr>
               <p:cNvPr id="4" name="Content Placeholder 3"/>
@@ -15352,8 +15354,8 @@
           </a:p>
         </p:txBody>
       </p:sp>
-      <mc:AlternateContent xmlns:mc="http://schemas.openxmlformats.org/markup-compatibility/2006">
-        <mc:Choice xmlns:a14="http://schemas.microsoft.com/office/drawing/2010/main" Requires="a14">
+      <mc:AlternateContent xmlns:mc="http://schemas.openxmlformats.org/markup-compatibility/2006" xmlns:a14="http://schemas.microsoft.com/office/drawing/2010/main">
+        <mc:Choice Requires="a14">
           <p:sp>
             <p:nvSpPr>
               <p:cNvPr id="4" name="Content Placeholder 3"/>
@@ -15489,7 +15491,7 @@
             </p:txBody>
           </p:sp>
         </mc:Choice>
-        <mc:Fallback>
+        <mc:Fallback xmlns="">
           <p:sp>
             <p:nvSpPr>
               <p:cNvPr id="4" name="Content Placeholder 3"/>
@@ -17204,8 +17206,8 @@
         </p:nvSpPr>
         <p:spPr>
           <a:xfrm>
-            <a:off x="1141413" y="101682"/>
-            <a:ext cx="9905998" cy="1478570"/>
+            <a:off x="1141413" y="282987"/>
+            <a:ext cx="9905998" cy="716671"/>
           </a:xfrm>
         </p:spPr>
         <p:txBody>
@@ -17231,54 +17233,22 @@
         </p:nvSpPr>
         <p:spPr>
           <a:xfrm>
-            <a:off x="6703823" y="1581374"/>
-            <a:ext cx="5064665" cy="4744551"/>
+            <a:off x="344178" y="2569695"/>
+            <a:ext cx="2824690" cy="1166733"/>
           </a:xfrm>
         </p:spPr>
         <p:txBody>
           <a:bodyPr>
-            <a:normAutofit fontScale="92500"/>
+            <a:normAutofit/>
           </a:bodyPr>
           <a:lstStyle/>
           <a:p>
-            <a:r>
-              <a:rPr lang="en-US" dirty="0"/>
-              <a:t>Sometimes continuous search space (though not always)</a:t>
-            </a:r>
-          </a:p>
-          <a:p>
-            <a:endParaRPr lang="en-US" dirty="0"/>
-          </a:p>
-          <a:p>
-            <a:r>
-              <a:rPr lang="en-US" dirty="0"/>
-              <a:t>Concept of ‘neighboring’ solution states</a:t>
-            </a:r>
-          </a:p>
-          <a:p>
-            <a:endParaRPr lang="en-US" dirty="0"/>
-          </a:p>
-          <a:p>
-            <a:r>
-              <a:rPr lang="en-US" dirty="0"/>
-              <a:t>Very Little Memory</a:t>
-            </a:r>
-          </a:p>
-          <a:p>
-            <a:pPr lvl="1"/>
-            <a:r>
-              <a:rPr lang="en-US" dirty="0"/>
-              <a:t>Usually Constant</a:t>
-            </a:r>
-          </a:p>
-          <a:p>
-            <a:pPr lvl="1"/>
-            <a:endParaRPr lang="en-US" dirty="0"/>
-          </a:p>
-          <a:p>
-            <a:r>
-              <a:rPr lang="en-US" dirty="0"/>
-              <a:t>Can often find reasonable solutions in infinite (continuous) state spaces</a:t>
+            <a:pPr marL="0" indent="0">
+              <a:buNone/>
+            </a:pPr>
+            <a:r>
+              <a:rPr lang="en-US" sz="1800" i="1" dirty="0"/>
+              <a:t>For a given state s, value of that solution given by some value function v(s)</a:t>
             </a:r>
           </a:p>
         </p:txBody>
@@ -17299,14 +17269,571 @@
         </p:blipFill>
         <p:spPr>
           <a:xfrm>
-            <a:off x="954819" y="1654806"/>
-            <a:ext cx="5466812" cy="4438650"/>
+            <a:off x="3383243" y="1908597"/>
+            <a:ext cx="5280444" cy="4287333"/>
           </a:xfrm>
           <a:prstGeom prst="rect">
             <a:avLst/>
           </a:prstGeom>
         </p:spPr>
       </p:pic>
+      <p:sp>
+        <p:nvSpPr>
+          <p:cNvPr id="6" name="Content Placeholder 3">
+            <a:extLst>
+              <a:ext uri="{FF2B5EF4-FFF2-40B4-BE49-F238E27FC236}">
+                <a16:creationId xmlns:a16="http://schemas.microsoft.com/office/drawing/2014/main" id="{16DF8712-7727-D447-A6B2-A0954D5682C2}"/>
+              </a:ext>
+            </a:extLst>
+          </p:cNvPr>
+          <p:cNvSpPr txBox="1">
+            <a:spLocks/>
+          </p:cNvSpPr>
+          <p:nvPr/>
+        </p:nvSpPr>
+        <p:spPr>
+          <a:xfrm>
+            <a:off x="1682057" y="1229713"/>
+            <a:ext cx="8682817" cy="487759"/>
+          </a:xfrm>
+          <a:prstGeom prst="rect">
+            <a:avLst/>
+          </a:prstGeom>
+          <a:solidFill>
+            <a:schemeClr val="tx1">
+              <a:lumMod val="95000"/>
+            </a:schemeClr>
+          </a:solidFill>
+          <a:ln>
+            <a:solidFill>
+              <a:schemeClr val="bg1"/>
+            </a:solidFill>
+          </a:ln>
+        </p:spPr>
+        <p:txBody>
+          <a:bodyPr vert="horz" lIns="91440" tIns="45720" rIns="91440" bIns="45720" rtlCol="0">
+            <a:normAutofit/>
+          </a:bodyPr>
+          <a:lstStyle>
+            <a:lvl1pPr marL="228600" indent="-228600" algn="l" defTabSz="914400" rtl="0" eaLnBrk="1" latinLnBrk="0" hangingPunct="1">
+              <a:lnSpc>
+                <a:spcPct val="120000"/>
+              </a:lnSpc>
+              <a:spcBef>
+                <a:spcPts val="1000"/>
+              </a:spcBef>
+              <a:buSzPct val="125000"/>
+              <a:buFont typeface="Arial" panose="020B0604020202020204" pitchFamily="34" charset="0"/>
+              <a:buChar char="•"/>
+              <a:defRPr sz="2400" kern="1200">
+                <a:solidFill>
+                  <a:schemeClr val="tx1"/>
+                </a:solidFill>
+                <a:latin typeface="+mn-lt"/>
+                <a:ea typeface="+mn-ea"/>
+                <a:cs typeface="+mn-cs"/>
+              </a:defRPr>
+            </a:lvl1pPr>
+            <a:lvl2pPr marL="685800" indent="-228600" algn="l" defTabSz="914400" rtl="0" eaLnBrk="1" latinLnBrk="0" hangingPunct="1">
+              <a:lnSpc>
+                <a:spcPct val="120000"/>
+              </a:lnSpc>
+              <a:spcBef>
+                <a:spcPts val="500"/>
+              </a:spcBef>
+              <a:buSzPct val="125000"/>
+              <a:buFont typeface="Arial" panose="020B0604020202020204" pitchFamily="34" charset="0"/>
+              <a:buChar char="•"/>
+              <a:defRPr sz="2000" kern="1200">
+                <a:solidFill>
+                  <a:schemeClr val="tx1"/>
+                </a:solidFill>
+                <a:latin typeface="+mn-lt"/>
+                <a:ea typeface="+mn-ea"/>
+                <a:cs typeface="+mn-cs"/>
+              </a:defRPr>
+            </a:lvl2pPr>
+            <a:lvl3pPr marL="1143000" indent="-228600" algn="l" defTabSz="914400" rtl="0" eaLnBrk="1" latinLnBrk="0" hangingPunct="1">
+              <a:lnSpc>
+                <a:spcPct val="120000"/>
+              </a:lnSpc>
+              <a:spcBef>
+                <a:spcPts val="500"/>
+              </a:spcBef>
+              <a:buSzPct val="125000"/>
+              <a:buFont typeface="Arial" panose="020B0604020202020204" pitchFamily="34" charset="0"/>
+              <a:buChar char="•"/>
+              <a:defRPr sz="1800" kern="1200">
+                <a:solidFill>
+                  <a:schemeClr val="tx1"/>
+                </a:solidFill>
+                <a:latin typeface="+mn-lt"/>
+                <a:ea typeface="+mn-ea"/>
+                <a:cs typeface="+mn-cs"/>
+              </a:defRPr>
+            </a:lvl3pPr>
+            <a:lvl4pPr marL="1600200" indent="-228600" algn="l" defTabSz="914400" rtl="0" eaLnBrk="1" latinLnBrk="0" hangingPunct="1">
+              <a:lnSpc>
+                <a:spcPct val="120000"/>
+              </a:lnSpc>
+              <a:spcBef>
+                <a:spcPts val="500"/>
+              </a:spcBef>
+              <a:buSzPct val="125000"/>
+              <a:buFont typeface="Arial" panose="020B0604020202020204" pitchFamily="34" charset="0"/>
+              <a:buChar char="•"/>
+              <a:defRPr sz="1600" kern="1200">
+                <a:solidFill>
+                  <a:schemeClr val="tx1"/>
+                </a:solidFill>
+                <a:latin typeface="+mn-lt"/>
+                <a:ea typeface="+mn-ea"/>
+                <a:cs typeface="+mn-cs"/>
+              </a:defRPr>
+            </a:lvl4pPr>
+            <a:lvl5pPr marL="2057400" indent="-228600" algn="l" defTabSz="914400" rtl="0" eaLnBrk="1" latinLnBrk="0" hangingPunct="1">
+              <a:lnSpc>
+                <a:spcPct val="120000"/>
+              </a:lnSpc>
+              <a:spcBef>
+                <a:spcPts val="500"/>
+              </a:spcBef>
+              <a:buSzPct val="125000"/>
+              <a:buFont typeface="Arial" panose="020B0604020202020204" pitchFamily="34" charset="0"/>
+              <a:buChar char="•"/>
+              <a:defRPr sz="1600" kern="1200">
+                <a:solidFill>
+                  <a:schemeClr val="tx1"/>
+                </a:solidFill>
+                <a:latin typeface="+mn-lt"/>
+                <a:ea typeface="+mn-ea"/>
+                <a:cs typeface="+mn-cs"/>
+              </a:defRPr>
+            </a:lvl5pPr>
+            <a:lvl6pPr marL="2514600" indent="-228600" algn="l" defTabSz="914400" rtl="0" eaLnBrk="1" latinLnBrk="0" hangingPunct="1">
+              <a:lnSpc>
+                <a:spcPct val="120000"/>
+              </a:lnSpc>
+              <a:spcBef>
+                <a:spcPts val="500"/>
+              </a:spcBef>
+              <a:buSzPct val="125000"/>
+              <a:buFont typeface="Arial" panose="020B0604020202020204" pitchFamily="34" charset="0"/>
+              <a:buChar char="•"/>
+              <a:defRPr sz="1400" kern="1200">
+                <a:solidFill>
+                  <a:schemeClr val="tx1"/>
+                </a:solidFill>
+                <a:latin typeface="+mn-lt"/>
+                <a:ea typeface="+mn-ea"/>
+                <a:cs typeface="+mn-cs"/>
+              </a:defRPr>
+            </a:lvl6pPr>
+            <a:lvl7pPr marL="2971800" indent="-228600" algn="l" defTabSz="914400" rtl="0" eaLnBrk="1" latinLnBrk="0" hangingPunct="1">
+              <a:lnSpc>
+                <a:spcPct val="120000"/>
+              </a:lnSpc>
+              <a:spcBef>
+                <a:spcPts val="500"/>
+              </a:spcBef>
+              <a:buSzPct val="125000"/>
+              <a:buFont typeface="Arial" panose="020B0604020202020204" pitchFamily="34" charset="0"/>
+              <a:buChar char="•"/>
+              <a:defRPr sz="1400" kern="1200">
+                <a:solidFill>
+                  <a:schemeClr val="tx1"/>
+                </a:solidFill>
+                <a:latin typeface="+mn-lt"/>
+                <a:ea typeface="+mn-ea"/>
+                <a:cs typeface="+mn-cs"/>
+              </a:defRPr>
+            </a:lvl7pPr>
+            <a:lvl8pPr marL="3429000" indent="-228600" algn="l" defTabSz="914400" rtl="0" eaLnBrk="1" latinLnBrk="0" hangingPunct="1">
+              <a:lnSpc>
+                <a:spcPct val="120000"/>
+              </a:lnSpc>
+              <a:spcBef>
+                <a:spcPts val="500"/>
+              </a:spcBef>
+              <a:buSzPct val="125000"/>
+              <a:buFont typeface="Arial" panose="020B0604020202020204" pitchFamily="34" charset="0"/>
+              <a:buChar char="•"/>
+              <a:defRPr sz="1400" kern="1200">
+                <a:solidFill>
+                  <a:schemeClr val="tx1"/>
+                </a:solidFill>
+                <a:latin typeface="+mn-lt"/>
+                <a:ea typeface="+mn-ea"/>
+                <a:cs typeface="+mn-cs"/>
+              </a:defRPr>
+            </a:lvl8pPr>
+            <a:lvl9pPr marL="3886200" indent="-228600" algn="l" defTabSz="914400" rtl="0" eaLnBrk="1" latinLnBrk="0" hangingPunct="1">
+              <a:lnSpc>
+                <a:spcPct val="120000"/>
+              </a:lnSpc>
+              <a:spcBef>
+                <a:spcPts val="500"/>
+              </a:spcBef>
+              <a:buSzPct val="125000"/>
+              <a:buFont typeface="Arial" panose="020B0604020202020204" pitchFamily="34" charset="0"/>
+              <a:buChar char="•"/>
+              <a:defRPr sz="1400" kern="1200">
+                <a:solidFill>
+                  <a:schemeClr val="tx1"/>
+                </a:solidFill>
+                <a:latin typeface="+mn-lt"/>
+                <a:ea typeface="+mn-ea"/>
+                <a:cs typeface="+mn-cs"/>
+              </a:defRPr>
+            </a:lvl9pPr>
+          </a:lstStyle>
+          <a:p>
+            <a:pPr marL="0" indent="0" algn="ctr">
+              <a:buNone/>
+            </a:pPr>
+            <a:r>
+              <a:rPr lang="en-US" sz="1600" b="1" i="1" u="sng" dirty="0">
+                <a:solidFill>
+                  <a:schemeClr val="bg1"/>
+                </a:solidFill>
+              </a:rPr>
+              <a:t>Goal</a:t>
+            </a:r>
+            <a:r>
+              <a:rPr lang="en-US" sz="1600" dirty="0">
+                <a:solidFill>
+                  <a:schemeClr val="bg1"/>
+                </a:solidFill>
+              </a:rPr>
+              <a:t>: Find the maximum (or minimum) state among a huge number of states</a:t>
+            </a:r>
+          </a:p>
+        </p:txBody>
+      </p:sp>
+      <p:cxnSp>
+        <p:nvCxnSpPr>
+          <p:cNvPr id="7" name="Straight Connector 6">
+            <a:extLst>
+              <a:ext uri="{FF2B5EF4-FFF2-40B4-BE49-F238E27FC236}">
+                <a16:creationId xmlns:a16="http://schemas.microsoft.com/office/drawing/2014/main" id="{57C7EB5C-8BC0-6B44-8C36-34485A182202}"/>
+              </a:ext>
+            </a:extLst>
+          </p:cNvPr>
+          <p:cNvCxnSpPr/>
+          <p:nvPr/>
+        </p:nvCxnSpPr>
+        <p:spPr>
+          <a:xfrm>
+            <a:off x="2924502" y="3294993"/>
+            <a:ext cx="1529255" cy="646386"/>
+          </a:xfrm>
+          <a:prstGeom prst="line">
+            <a:avLst/>
+          </a:prstGeom>
+        </p:spPr>
+        <p:style>
+          <a:lnRef idx="1">
+            <a:schemeClr val="accent1"/>
+          </a:lnRef>
+          <a:fillRef idx="0">
+            <a:schemeClr val="accent1"/>
+          </a:fillRef>
+          <a:effectRef idx="0">
+            <a:schemeClr val="accent1"/>
+          </a:effectRef>
+          <a:fontRef idx="minor">
+            <a:schemeClr val="tx1"/>
+          </a:fontRef>
+        </p:style>
+      </p:cxnSp>
+      <p:sp>
+        <p:nvSpPr>
+          <p:cNvPr id="8" name="Content Placeholder 3">
+            <a:extLst>
+              <a:ext uri="{FF2B5EF4-FFF2-40B4-BE49-F238E27FC236}">
+                <a16:creationId xmlns:a16="http://schemas.microsoft.com/office/drawing/2014/main" id="{5268BBAB-26BD-9342-8920-C61AE38C789F}"/>
+              </a:ext>
+            </a:extLst>
+          </p:cNvPr>
+          <p:cNvSpPr txBox="1">
+            <a:spLocks/>
+          </p:cNvSpPr>
+          <p:nvPr/>
+        </p:nvSpPr>
+        <p:spPr>
+          <a:xfrm>
+            <a:off x="9041489" y="2711626"/>
+            <a:ext cx="2824690" cy="1166733"/>
+          </a:xfrm>
+          <a:prstGeom prst="rect">
+            <a:avLst/>
+          </a:prstGeom>
+        </p:spPr>
+        <p:txBody>
+          <a:bodyPr vert="horz" lIns="91440" tIns="45720" rIns="91440" bIns="45720" rtlCol="0">
+            <a:normAutofit fontScale="92500" lnSpcReduction="20000"/>
+          </a:bodyPr>
+          <a:lstStyle>
+            <a:lvl1pPr marL="228600" indent="-228600" algn="l" defTabSz="914400" rtl="0" eaLnBrk="1" latinLnBrk="0" hangingPunct="1">
+              <a:lnSpc>
+                <a:spcPct val="120000"/>
+              </a:lnSpc>
+              <a:spcBef>
+                <a:spcPts val="1000"/>
+              </a:spcBef>
+              <a:buSzPct val="125000"/>
+              <a:buFont typeface="Arial" panose="020B0604020202020204" pitchFamily="34" charset="0"/>
+              <a:buChar char="•"/>
+              <a:defRPr sz="2400" kern="1200">
+                <a:solidFill>
+                  <a:schemeClr val="tx1"/>
+                </a:solidFill>
+                <a:latin typeface="+mn-lt"/>
+                <a:ea typeface="+mn-ea"/>
+                <a:cs typeface="+mn-cs"/>
+              </a:defRPr>
+            </a:lvl1pPr>
+            <a:lvl2pPr marL="685800" indent="-228600" algn="l" defTabSz="914400" rtl="0" eaLnBrk="1" latinLnBrk="0" hangingPunct="1">
+              <a:lnSpc>
+                <a:spcPct val="120000"/>
+              </a:lnSpc>
+              <a:spcBef>
+                <a:spcPts val="500"/>
+              </a:spcBef>
+              <a:buSzPct val="125000"/>
+              <a:buFont typeface="Arial" panose="020B0604020202020204" pitchFamily="34" charset="0"/>
+              <a:buChar char="•"/>
+              <a:defRPr sz="2000" kern="1200">
+                <a:solidFill>
+                  <a:schemeClr val="tx1"/>
+                </a:solidFill>
+                <a:latin typeface="+mn-lt"/>
+                <a:ea typeface="+mn-ea"/>
+                <a:cs typeface="+mn-cs"/>
+              </a:defRPr>
+            </a:lvl2pPr>
+            <a:lvl3pPr marL="1143000" indent="-228600" algn="l" defTabSz="914400" rtl="0" eaLnBrk="1" latinLnBrk="0" hangingPunct="1">
+              <a:lnSpc>
+                <a:spcPct val="120000"/>
+              </a:lnSpc>
+              <a:spcBef>
+                <a:spcPts val="500"/>
+              </a:spcBef>
+              <a:buSzPct val="125000"/>
+              <a:buFont typeface="Arial" panose="020B0604020202020204" pitchFamily="34" charset="0"/>
+              <a:buChar char="•"/>
+              <a:defRPr sz="1800" kern="1200">
+                <a:solidFill>
+                  <a:schemeClr val="tx1"/>
+                </a:solidFill>
+                <a:latin typeface="+mn-lt"/>
+                <a:ea typeface="+mn-ea"/>
+                <a:cs typeface="+mn-cs"/>
+              </a:defRPr>
+            </a:lvl3pPr>
+            <a:lvl4pPr marL="1600200" indent="-228600" algn="l" defTabSz="914400" rtl="0" eaLnBrk="1" latinLnBrk="0" hangingPunct="1">
+              <a:lnSpc>
+                <a:spcPct val="120000"/>
+              </a:lnSpc>
+              <a:spcBef>
+                <a:spcPts val="500"/>
+              </a:spcBef>
+              <a:buSzPct val="125000"/>
+              <a:buFont typeface="Arial" panose="020B0604020202020204" pitchFamily="34" charset="0"/>
+              <a:buChar char="•"/>
+              <a:defRPr sz="1600" kern="1200">
+                <a:solidFill>
+                  <a:schemeClr val="tx1"/>
+                </a:solidFill>
+                <a:latin typeface="+mn-lt"/>
+                <a:ea typeface="+mn-ea"/>
+                <a:cs typeface="+mn-cs"/>
+              </a:defRPr>
+            </a:lvl4pPr>
+            <a:lvl5pPr marL="2057400" indent="-228600" algn="l" defTabSz="914400" rtl="0" eaLnBrk="1" latinLnBrk="0" hangingPunct="1">
+              <a:lnSpc>
+                <a:spcPct val="120000"/>
+              </a:lnSpc>
+              <a:spcBef>
+                <a:spcPts val="500"/>
+              </a:spcBef>
+              <a:buSzPct val="125000"/>
+              <a:buFont typeface="Arial" panose="020B0604020202020204" pitchFamily="34" charset="0"/>
+              <a:buChar char="•"/>
+              <a:defRPr sz="1600" kern="1200">
+                <a:solidFill>
+                  <a:schemeClr val="tx1"/>
+                </a:solidFill>
+                <a:latin typeface="+mn-lt"/>
+                <a:ea typeface="+mn-ea"/>
+                <a:cs typeface="+mn-cs"/>
+              </a:defRPr>
+            </a:lvl5pPr>
+            <a:lvl6pPr marL="2514600" indent="-228600" algn="l" defTabSz="914400" rtl="0" eaLnBrk="1" latinLnBrk="0" hangingPunct="1">
+              <a:lnSpc>
+                <a:spcPct val="120000"/>
+              </a:lnSpc>
+              <a:spcBef>
+                <a:spcPts val="500"/>
+              </a:spcBef>
+              <a:buSzPct val="125000"/>
+              <a:buFont typeface="Arial" panose="020B0604020202020204" pitchFamily="34" charset="0"/>
+              <a:buChar char="•"/>
+              <a:defRPr sz="1400" kern="1200">
+                <a:solidFill>
+                  <a:schemeClr val="tx1"/>
+                </a:solidFill>
+                <a:latin typeface="+mn-lt"/>
+                <a:ea typeface="+mn-ea"/>
+                <a:cs typeface="+mn-cs"/>
+              </a:defRPr>
+            </a:lvl6pPr>
+            <a:lvl7pPr marL="2971800" indent="-228600" algn="l" defTabSz="914400" rtl="0" eaLnBrk="1" latinLnBrk="0" hangingPunct="1">
+              <a:lnSpc>
+                <a:spcPct val="120000"/>
+              </a:lnSpc>
+              <a:spcBef>
+                <a:spcPts val="500"/>
+              </a:spcBef>
+              <a:buSzPct val="125000"/>
+              <a:buFont typeface="Arial" panose="020B0604020202020204" pitchFamily="34" charset="0"/>
+              <a:buChar char="•"/>
+              <a:defRPr sz="1400" kern="1200">
+                <a:solidFill>
+                  <a:schemeClr val="tx1"/>
+                </a:solidFill>
+                <a:latin typeface="+mn-lt"/>
+                <a:ea typeface="+mn-ea"/>
+                <a:cs typeface="+mn-cs"/>
+              </a:defRPr>
+            </a:lvl7pPr>
+            <a:lvl8pPr marL="3429000" indent="-228600" algn="l" defTabSz="914400" rtl="0" eaLnBrk="1" latinLnBrk="0" hangingPunct="1">
+              <a:lnSpc>
+                <a:spcPct val="120000"/>
+              </a:lnSpc>
+              <a:spcBef>
+                <a:spcPts val="500"/>
+              </a:spcBef>
+              <a:buSzPct val="125000"/>
+              <a:buFont typeface="Arial" panose="020B0604020202020204" pitchFamily="34" charset="0"/>
+              <a:buChar char="•"/>
+              <a:defRPr sz="1400" kern="1200">
+                <a:solidFill>
+                  <a:schemeClr val="tx1"/>
+                </a:solidFill>
+                <a:latin typeface="+mn-lt"/>
+                <a:ea typeface="+mn-ea"/>
+                <a:cs typeface="+mn-cs"/>
+              </a:defRPr>
+            </a:lvl8pPr>
+            <a:lvl9pPr marL="3886200" indent="-228600" algn="l" defTabSz="914400" rtl="0" eaLnBrk="1" latinLnBrk="0" hangingPunct="1">
+              <a:lnSpc>
+                <a:spcPct val="120000"/>
+              </a:lnSpc>
+              <a:spcBef>
+                <a:spcPts val="500"/>
+              </a:spcBef>
+              <a:buSzPct val="125000"/>
+              <a:buFont typeface="Arial" panose="020B0604020202020204" pitchFamily="34" charset="0"/>
+              <a:buChar char="•"/>
+              <a:defRPr sz="1400" kern="1200">
+                <a:solidFill>
+                  <a:schemeClr val="tx1"/>
+                </a:solidFill>
+                <a:latin typeface="+mn-lt"/>
+                <a:ea typeface="+mn-ea"/>
+                <a:cs typeface="+mn-cs"/>
+              </a:defRPr>
+            </a:lvl9pPr>
+          </a:lstStyle>
+          <a:p>
+            <a:pPr marL="0" indent="0">
+              <a:buFont typeface="Arial" panose="020B0604020202020204" pitchFamily="34" charset="0"/>
+              <a:buNone/>
+            </a:pPr>
+            <a:r>
+              <a:rPr lang="en-US" sz="1800" i="1" dirty="0"/>
+              <a:t>For all states s, there is some concept of “neighbor states”. States that are nearby / similar to the current one.</a:t>
+            </a:r>
+          </a:p>
+        </p:txBody>
+      </p:sp>
+      <p:cxnSp>
+        <p:nvCxnSpPr>
+          <p:cNvPr id="9" name="Straight Connector 8">
+            <a:extLst>
+              <a:ext uri="{FF2B5EF4-FFF2-40B4-BE49-F238E27FC236}">
+                <a16:creationId xmlns:a16="http://schemas.microsoft.com/office/drawing/2014/main" id="{B03679D3-7DD3-2C44-8EA0-78B32AA2B7C3}"/>
+              </a:ext>
+            </a:extLst>
+          </p:cNvPr>
+          <p:cNvCxnSpPr>
+            <a:cxnSpLocks/>
+          </p:cNvCxnSpPr>
+          <p:nvPr/>
+        </p:nvCxnSpPr>
+        <p:spPr>
+          <a:xfrm flipV="1">
+            <a:off x="7930054" y="3216082"/>
+            <a:ext cx="1087787" cy="78910"/>
+          </a:xfrm>
+          <a:prstGeom prst="line">
+            <a:avLst/>
+          </a:prstGeom>
+        </p:spPr>
+        <p:style>
+          <a:lnRef idx="1">
+            <a:schemeClr val="accent1"/>
+          </a:lnRef>
+          <a:fillRef idx="0">
+            <a:schemeClr val="accent1"/>
+          </a:fillRef>
+          <a:effectRef idx="0">
+            <a:schemeClr val="accent1"/>
+          </a:effectRef>
+          <a:fontRef idx="minor">
+            <a:schemeClr val="tx1"/>
+          </a:fontRef>
+        </p:style>
+      </p:cxnSp>
+      <p:cxnSp>
+        <p:nvCxnSpPr>
+          <p:cNvPr id="11" name="Straight Connector 10">
+            <a:extLst>
+              <a:ext uri="{FF2B5EF4-FFF2-40B4-BE49-F238E27FC236}">
+                <a16:creationId xmlns:a16="http://schemas.microsoft.com/office/drawing/2014/main" id="{6BA5CA2C-0AC4-DE41-A3AD-BED9ECBD6891}"/>
+              </a:ext>
+            </a:extLst>
+          </p:cNvPr>
+          <p:cNvCxnSpPr>
+            <a:cxnSpLocks/>
+          </p:cNvCxnSpPr>
+          <p:nvPr/>
+        </p:nvCxnSpPr>
+        <p:spPr>
+          <a:xfrm>
+            <a:off x="7819695" y="3024957"/>
+            <a:ext cx="1174465" cy="128104"/>
+          </a:xfrm>
+          <a:prstGeom prst="line">
+            <a:avLst/>
+          </a:prstGeom>
+        </p:spPr>
+        <p:style>
+          <a:lnRef idx="1">
+            <a:schemeClr val="accent1"/>
+          </a:lnRef>
+          <a:fillRef idx="0">
+            <a:schemeClr val="accent1"/>
+          </a:fillRef>
+          <a:effectRef idx="0">
+            <a:schemeClr val="accent1"/>
+          </a:effectRef>
+          <a:fontRef idx="minor">
+            <a:schemeClr val="tx1"/>
+          </a:fontRef>
+        </p:style>
+      </p:cxnSp>
     </p:spTree>
     <p:extLst>
       <p:ext uri="{BB962C8B-B14F-4D97-AF65-F5344CB8AC3E}">
@@ -17349,8 +17876,8 @@
         </p:nvSpPr>
         <p:spPr>
           <a:xfrm>
-            <a:off x="1141413" y="61925"/>
-            <a:ext cx="9905998" cy="1478570"/>
+            <a:off x="1141413" y="369360"/>
+            <a:ext cx="9905998" cy="671172"/>
           </a:xfrm>
         </p:spPr>
         <p:txBody>
@@ -17376,26 +17903,31 @@
         </p:nvSpPr>
         <p:spPr>
           <a:xfrm>
-            <a:off x="6409626" y="2241334"/>
-            <a:ext cx="5064665" cy="3101944"/>
+            <a:off x="7669856" y="2083678"/>
+            <a:ext cx="3153172" cy="1234963"/>
           </a:xfrm>
         </p:spPr>
         <p:txBody>
-          <a:bodyPr/>
+          <a:bodyPr>
+            <a:normAutofit/>
+          </a:bodyPr>
           <a:lstStyle/>
           <a:p>
-            <a:r>
-              <a:rPr lang="en-US" dirty="0"/>
-              <a:t>Usually no ‘start state’. We just generate one however we want.</a:t>
-            </a:r>
-          </a:p>
-          <a:p>
-            <a:endParaRPr lang="en-US" dirty="0"/>
-          </a:p>
-          <a:p>
-            <a:r>
-              <a:rPr lang="en-US" dirty="0"/>
-              <a:t>Search space is usually VERY large, so not possible to search everything.</a:t>
+            <a:pPr marL="0" indent="0">
+              <a:buNone/>
+            </a:pPr>
+            <a:r>
+              <a:rPr lang="en-US" sz="1600" dirty="0"/>
+              <a:t>Step 1:</a:t>
+            </a:r>
+          </a:p>
+          <a:p>
+            <a:pPr marL="0" indent="0">
+              <a:buNone/>
+            </a:pPr>
+            <a:r>
+              <a:rPr lang="en-US" sz="1600" dirty="0"/>
+              <a:t>Generate a random (or arbitrary) start state. Evaluate its value.</a:t>
             </a:r>
           </a:p>
         </p:txBody>
@@ -17422,7 +17954,7 @@
         </p:blipFill>
         <p:spPr>
           <a:xfrm>
-            <a:off x="954819" y="1654806"/>
+            <a:off x="1680033" y="1670571"/>
             <a:ext cx="5466812" cy="4438650"/>
           </a:xfrm>
           <a:prstGeom prst="rect">
@@ -17430,6 +17962,521 @@
           </a:prstGeom>
         </p:spPr>
       </p:pic>
+      <p:sp>
+        <p:nvSpPr>
+          <p:cNvPr id="5" name="Content Placeholder 3">
+            <a:extLst>
+              <a:ext uri="{FF2B5EF4-FFF2-40B4-BE49-F238E27FC236}">
+                <a16:creationId xmlns:a16="http://schemas.microsoft.com/office/drawing/2014/main" id="{3D623EEE-3168-AB45-90CE-6F55CC3DF244}"/>
+              </a:ext>
+            </a:extLst>
+          </p:cNvPr>
+          <p:cNvSpPr txBox="1">
+            <a:spLocks/>
+          </p:cNvSpPr>
+          <p:nvPr/>
+        </p:nvSpPr>
+        <p:spPr>
+          <a:xfrm>
+            <a:off x="7669856" y="3347504"/>
+            <a:ext cx="3153171" cy="861847"/>
+          </a:xfrm>
+          <a:prstGeom prst="rect">
+            <a:avLst/>
+          </a:prstGeom>
+          <a:solidFill>
+            <a:schemeClr val="tx1">
+              <a:lumMod val="95000"/>
+            </a:schemeClr>
+          </a:solidFill>
+          <a:ln>
+            <a:solidFill>
+              <a:schemeClr val="bg1"/>
+            </a:solidFill>
+          </a:ln>
+        </p:spPr>
+        <p:txBody>
+          <a:bodyPr vert="horz" lIns="91440" tIns="45720" rIns="91440" bIns="45720" rtlCol="0">
+            <a:normAutofit/>
+          </a:bodyPr>
+          <a:lstStyle>
+            <a:lvl1pPr marL="228600" indent="-228600" algn="l" defTabSz="914400" rtl="0" eaLnBrk="1" latinLnBrk="0" hangingPunct="1">
+              <a:lnSpc>
+                <a:spcPct val="120000"/>
+              </a:lnSpc>
+              <a:spcBef>
+                <a:spcPts val="1000"/>
+              </a:spcBef>
+              <a:buSzPct val="125000"/>
+              <a:buFont typeface="Arial" panose="020B0604020202020204" pitchFamily="34" charset="0"/>
+              <a:buChar char="•"/>
+              <a:defRPr sz="2400" kern="1200">
+                <a:solidFill>
+                  <a:schemeClr val="tx1"/>
+                </a:solidFill>
+                <a:latin typeface="+mn-lt"/>
+                <a:ea typeface="+mn-ea"/>
+                <a:cs typeface="+mn-cs"/>
+              </a:defRPr>
+            </a:lvl1pPr>
+            <a:lvl2pPr marL="685800" indent="-228600" algn="l" defTabSz="914400" rtl="0" eaLnBrk="1" latinLnBrk="0" hangingPunct="1">
+              <a:lnSpc>
+                <a:spcPct val="120000"/>
+              </a:lnSpc>
+              <a:spcBef>
+                <a:spcPts val="500"/>
+              </a:spcBef>
+              <a:buSzPct val="125000"/>
+              <a:buFont typeface="Arial" panose="020B0604020202020204" pitchFamily="34" charset="0"/>
+              <a:buChar char="•"/>
+              <a:defRPr sz="2000" kern="1200">
+                <a:solidFill>
+                  <a:schemeClr val="tx1"/>
+                </a:solidFill>
+                <a:latin typeface="+mn-lt"/>
+                <a:ea typeface="+mn-ea"/>
+                <a:cs typeface="+mn-cs"/>
+              </a:defRPr>
+            </a:lvl2pPr>
+            <a:lvl3pPr marL="1143000" indent="-228600" algn="l" defTabSz="914400" rtl="0" eaLnBrk="1" latinLnBrk="0" hangingPunct="1">
+              <a:lnSpc>
+                <a:spcPct val="120000"/>
+              </a:lnSpc>
+              <a:spcBef>
+                <a:spcPts val="500"/>
+              </a:spcBef>
+              <a:buSzPct val="125000"/>
+              <a:buFont typeface="Arial" panose="020B0604020202020204" pitchFamily="34" charset="0"/>
+              <a:buChar char="•"/>
+              <a:defRPr sz="1800" kern="1200">
+                <a:solidFill>
+                  <a:schemeClr val="tx1"/>
+                </a:solidFill>
+                <a:latin typeface="+mn-lt"/>
+                <a:ea typeface="+mn-ea"/>
+                <a:cs typeface="+mn-cs"/>
+              </a:defRPr>
+            </a:lvl3pPr>
+            <a:lvl4pPr marL="1600200" indent="-228600" algn="l" defTabSz="914400" rtl="0" eaLnBrk="1" latinLnBrk="0" hangingPunct="1">
+              <a:lnSpc>
+                <a:spcPct val="120000"/>
+              </a:lnSpc>
+              <a:spcBef>
+                <a:spcPts val="500"/>
+              </a:spcBef>
+              <a:buSzPct val="125000"/>
+              <a:buFont typeface="Arial" panose="020B0604020202020204" pitchFamily="34" charset="0"/>
+              <a:buChar char="•"/>
+              <a:defRPr sz="1600" kern="1200">
+                <a:solidFill>
+                  <a:schemeClr val="tx1"/>
+                </a:solidFill>
+                <a:latin typeface="+mn-lt"/>
+                <a:ea typeface="+mn-ea"/>
+                <a:cs typeface="+mn-cs"/>
+              </a:defRPr>
+            </a:lvl4pPr>
+            <a:lvl5pPr marL="2057400" indent="-228600" algn="l" defTabSz="914400" rtl="0" eaLnBrk="1" latinLnBrk="0" hangingPunct="1">
+              <a:lnSpc>
+                <a:spcPct val="120000"/>
+              </a:lnSpc>
+              <a:spcBef>
+                <a:spcPts val="500"/>
+              </a:spcBef>
+              <a:buSzPct val="125000"/>
+              <a:buFont typeface="Arial" panose="020B0604020202020204" pitchFamily="34" charset="0"/>
+              <a:buChar char="•"/>
+              <a:defRPr sz="1600" kern="1200">
+                <a:solidFill>
+                  <a:schemeClr val="tx1"/>
+                </a:solidFill>
+                <a:latin typeface="+mn-lt"/>
+                <a:ea typeface="+mn-ea"/>
+                <a:cs typeface="+mn-cs"/>
+              </a:defRPr>
+            </a:lvl5pPr>
+            <a:lvl6pPr marL="2514600" indent="-228600" algn="l" defTabSz="914400" rtl="0" eaLnBrk="1" latinLnBrk="0" hangingPunct="1">
+              <a:lnSpc>
+                <a:spcPct val="120000"/>
+              </a:lnSpc>
+              <a:spcBef>
+                <a:spcPts val="500"/>
+              </a:spcBef>
+              <a:buSzPct val="125000"/>
+              <a:buFont typeface="Arial" panose="020B0604020202020204" pitchFamily="34" charset="0"/>
+              <a:buChar char="•"/>
+              <a:defRPr sz="1400" kern="1200">
+                <a:solidFill>
+                  <a:schemeClr val="tx1"/>
+                </a:solidFill>
+                <a:latin typeface="+mn-lt"/>
+                <a:ea typeface="+mn-ea"/>
+                <a:cs typeface="+mn-cs"/>
+              </a:defRPr>
+            </a:lvl6pPr>
+            <a:lvl7pPr marL="2971800" indent="-228600" algn="l" defTabSz="914400" rtl="0" eaLnBrk="1" latinLnBrk="0" hangingPunct="1">
+              <a:lnSpc>
+                <a:spcPct val="120000"/>
+              </a:lnSpc>
+              <a:spcBef>
+                <a:spcPts val="500"/>
+              </a:spcBef>
+              <a:buSzPct val="125000"/>
+              <a:buFont typeface="Arial" panose="020B0604020202020204" pitchFamily="34" charset="0"/>
+              <a:buChar char="•"/>
+              <a:defRPr sz="1400" kern="1200">
+                <a:solidFill>
+                  <a:schemeClr val="tx1"/>
+                </a:solidFill>
+                <a:latin typeface="+mn-lt"/>
+                <a:ea typeface="+mn-ea"/>
+                <a:cs typeface="+mn-cs"/>
+              </a:defRPr>
+            </a:lvl7pPr>
+            <a:lvl8pPr marL="3429000" indent="-228600" algn="l" defTabSz="914400" rtl="0" eaLnBrk="1" latinLnBrk="0" hangingPunct="1">
+              <a:lnSpc>
+                <a:spcPct val="120000"/>
+              </a:lnSpc>
+              <a:spcBef>
+                <a:spcPts val="500"/>
+              </a:spcBef>
+              <a:buSzPct val="125000"/>
+              <a:buFont typeface="Arial" panose="020B0604020202020204" pitchFamily="34" charset="0"/>
+              <a:buChar char="•"/>
+              <a:defRPr sz="1400" kern="1200">
+                <a:solidFill>
+                  <a:schemeClr val="tx1"/>
+                </a:solidFill>
+                <a:latin typeface="+mn-lt"/>
+                <a:ea typeface="+mn-ea"/>
+                <a:cs typeface="+mn-cs"/>
+              </a:defRPr>
+            </a:lvl8pPr>
+            <a:lvl9pPr marL="3886200" indent="-228600" algn="l" defTabSz="914400" rtl="0" eaLnBrk="1" latinLnBrk="0" hangingPunct="1">
+              <a:lnSpc>
+                <a:spcPct val="120000"/>
+              </a:lnSpc>
+              <a:spcBef>
+                <a:spcPts val="500"/>
+              </a:spcBef>
+              <a:buSzPct val="125000"/>
+              <a:buFont typeface="Arial" panose="020B0604020202020204" pitchFamily="34" charset="0"/>
+              <a:buChar char="•"/>
+              <a:defRPr sz="1400" kern="1200">
+                <a:solidFill>
+                  <a:schemeClr val="tx1"/>
+                </a:solidFill>
+                <a:latin typeface="+mn-lt"/>
+                <a:ea typeface="+mn-ea"/>
+                <a:cs typeface="+mn-cs"/>
+              </a:defRPr>
+            </a:lvl9pPr>
+          </a:lstStyle>
+          <a:p>
+            <a:pPr marL="0" indent="0">
+              <a:buFont typeface="Arial" panose="020B0604020202020204" pitchFamily="34" charset="0"/>
+              <a:buNone/>
+            </a:pPr>
+            <a:r>
+              <a:rPr lang="en-US" sz="1600" dirty="0">
+                <a:solidFill>
+                  <a:schemeClr val="bg1"/>
+                </a:solidFill>
+              </a:rPr>
+              <a:t>start = </a:t>
+            </a:r>
+            <a:r>
+              <a:rPr lang="en-US" sz="1600" dirty="0" err="1">
+                <a:solidFill>
+                  <a:schemeClr val="bg1"/>
+                </a:solidFill>
+              </a:rPr>
+              <a:t>randomSolution</a:t>
+            </a:r>
+            <a:r>
+              <a:rPr lang="en-US" sz="1600" dirty="0">
+                <a:solidFill>
+                  <a:schemeClr val="bg1"/>
+                </a:solidFill>
+              </a:rPr>
+              <a:t>();</a:t>
+            </a:r>
+            <a:br>
+              <a:rPr lang="en-US" sz="1600" dirty="0">
+                <a:solidFill>
+                  <a:schemeClr val="bg1"/>
+                </a:solidFill>
+              </a:rPr>
+            </a:br>
+            <a:r>
+              <a:rPr lang="en-US" sz="1600" dirty="0" err="1">
+                <a:solidFill>
+                  <a:schemeClr val="bg1"/>
+                </a:solidFill>
+              </a:rPr>
+              <a:t>initValue</a:t>
+            </a:r>
+            <a:r>
+              <a:rPr lang="en-US" sz="1600" dirty="0">
+                <a:solidFill>
+                  <a:schemeClr val="bg1"/>
+                </a:solidFill>
+              </a:rPr>
+              <a:t> = V(start)</a:t>
+            </a:r>
+          </a:p>
+        </p:txBody>
+      </p:sp>
+      <p:cxnSp>
+        <p:nvCxnSpPr>
+          <p:cNvPr id="7" name="Straight Connector 6">
+            <a:extLst>
+              <a:ext uri="{FF2B5EF4-FFF2-40B4-BE49-F238E27FC236}">
+                <a16:creationId xmlns:a16="http://schemas.microsoft.com/office/drawing/2014/main" id="{82F851C6-5538-A64E-B2E2-60E5BE9462C6}"/>
+              </a:ext>
+            </a:extLst>
+          </p:cNvPr>
+          <p:cNvCxnSpPr>
+            <a:cxnSpLocks/>
+          </p:cNvCxnSpPr>
+          <p:nvPr/>
+        </p:nvCxnSpPr>
+        <p:spPr>
+          <a:xfrm flipV="1">
+            <a:off x="4603531" y="3649717"/>
+            <a:ext cx="2948152" cy="102476"/>
+          </a:xfrm>
+          <a:prstGeom prst="line">
+            <a:avLst/>
+          </a:prstGeom>
+        </p:spPr>
+        <p:style>
+          <a:lnRef idx="1">
+            <a:schemeClr val="accent1"/>
+          </a:lnRef>
+          <a:fillRef idx="0">
+            <a:schemeClr val="accent1"/>
+          </a:fillRef>
+          <a:effectRef idx="0">
+            <a:schemeClr val="accent1"/>
+          </a:effectRef>
+          <a:fontRef idx="minor">
+            <a:schemeClr val="tx1"/>
+          </a:fontRef>
+        </p:style>
+      </p:cxnSp>
+      <p:sp>
+        <p:nvSpPr>
+          <p:cNvPr id="9" name="Content Placeholder 3">
+            <a:extLst>
+              <a:ext uri="{FF2B5EF4-FFF2-40B4-BE49-F238E27FC236}">
+                <a16:creationId xmlns:a16="http://schemas.microsoft.com/office/drawing/2014/main" id="{9B4A92AD-6619-CF4E-9A3D-084394708721}"/>
+              </a:ext>
+            </a:extLst>
+          </p:cNvPr>
+          <p:cNvSpPr txBox="1">
+            <a:spLocks/>
+          </p:cNvSpPr>
+          <p:nvPr/>
+        </p:nvSpPr>
+        <p:spPr>
+          <a:xfrm>
+            <a:off x="8091308" y="4222528"/>
+            <a:ext cx="3153172" cy="578069"/>
+          </a:xfrm>
+          <a:prstGeom prst="rect">
+            <a:avLst/>
+          </a:prstGeom>
+        </p:spPr>
+        <p:txBody>
+          <a:bodyPr vert="horz" lIns="91440" tIns="45720" rIns="91440" bIns="45720" rtlCol="0">
+            <a:normAutofit/>
+          </a:bodyPr>
+          <a:lstStyle>
+            <a:lvl1pPr marL="228600" indent="-228600" algn="l" defTabSz="914400" rtl="0" eaLnBrk="1" latinLnBrk="0" hangingPunct="1">
+              <a:lnSpc>
+                <a:spcPct val="120000"/>
+              </a:lnSpc>
+              <a:spcBef>
+                <a:spcPts val="1000"/>
+              </a:spcBef>
+              <a:buSzPct val="125000"/>
+              <a:buFont typeface="Arial" panose="020B0604020202020204" pitchFamily="34" charset="0"/>
+              <a:buChar char="•"/>
+              <a:defRPr sz="2400" kern="1200">
+                <a:solidFill>
+                  <a:schemeClr val="tx1"/>
+                </a:solidFill>
+                <a:latin typeface="+mn-lt"/>
+                <a:ea typeface="+mn-ea"/>
+                <a:cs typeface="+mn-cs"/>
+              </a:defRPr>
+            </a:lvl1pPr>
+            <a:lvl2pPr marL="685800" indent="-228600" algn="l" defTabSz="914400" rtl="0" eaLnBrk="1" latinLnBrk="0" hangingPunct="1">
+              <a:lnSpc>
+                <a:spcPct val="120000"/>
+              </a:lnSpc>
+              <a:spcBef>
+                <a:spcPts val="500"/>
+              </a:spcBef>
+              <a:buSzPct val="125000"/>
+              <a:buFont typeface="Arial" panose="020B0604020202020204" pitchFamily="34" charset="0"/>
+              <a:buChar char="•"/>
+              <a:defRPr sz="2000" kern="1200">
+                <a:solidFill>
+                  <a:schemeClr val="tx1"/>
+                </a:solidFill>
+                <a:latin typeface="+mn-lt"/>
+                <a:ea typeface="+mn-ea"/>
+                <a:cs typeface="+mn-cs"/>
+              </a:defRPr>
+            </a:lvl2pPr>
+            <a:lvl3pPr marL="1143000" indent="-228600" algn="l" defTabSz="914400" rtl="0" eaLnBrk="1" latinLnBrk="0" hangingPunct="1">
+              <a:lnSpc>
+                <a:spcPct val="120000"/>
+              </a:lnSpc>
+              <a:spcBef>
+                <a:spcPts val="500"/>
+              </a:spcBef>
+              <a:buSzPct val="125000"/>
+              <a:buFont typeface="Arial" panose="020B0604020202020204" pitchFamily="34" charset="0"/>
+              <a:buChar char="•"/>
+              <a:defRPr sz="1800" kern="1200">
+                <a:solidFill>
+                  <a:schemeClr val="tx1"/>
+                </a:solidFill>
+                <a:latin typeface="+mn-lt"/>
+                <a:ea typeface="+mn-ea"/>
+                <a:cs typeface="+mn-cs"/>
+              </a:defRPr>
+            </a:lvl3pPr>
+            <a:lvl4pPr marL="1600200" indent="-228600" algn="l" defTabSz="914400" rtl="0" eaLnBrk="1" latinLnBrk="0" hangingPunct="1">
+              <a:lnSpc>
+                <a:spcPct val="120000"/>
+              </a:lnSpc>
+              <a:spcBef>
+                <a:spcPts val="500"/>
+              </a:spcBef>
+              <a:buSzPct val="125000"/>
+              <a:buFont typeface="Arial" panose="020B0604020202020204" pitchFamily="34" charset="0"/>
+              <a:buChar char="•"/>
+              <a:defRPr sz="1600" kern="1200">
+                <a:solidFill>
+                  <a:schemeClr val="tx1"/>
+                </a:solidFill>
+                <a:latin typeface="+mn-lt"/>
+                <a:ea typeface="+mn-ea"/>
+                <a:cs typeface="+mn-cs"/>
+              </a:defRPr>
+            </a:lvl4pPr>
+            <a:lvl5pPr marL="2057400" indent="-228600" algn="l" defTabSz="914400" rtl="0" eaLnBrk="1" latinLnBrk="0" hangingPunct="1">
+              <a:lnSpc>
+                <a:spcPct val="120000"/>
+              </a:lnSpc>
+              <a:spcBef>
+                <a:spcPts val="500"/>
+              </a:spcBef>
+              <a:buSzPct val="125000"/>
+              <a:buFont typeface="Arial" panose="020B0604020202020204" pitchFamily="34" charset="0"/>
+              <a:buChar char="•"/>
+              <a:defRPr sz="1600" kern="1200">
+                <a:solidFill>
+                  <a:schemeClr val="tx1"/>
+                </a:solidFill>
+                <a:latin typeface="+mn-lt"/>
+                <a:ea typeface="+mn-ea"/>
+                <a:cs typeface="+mn-cs"/>
+              </a:defRPr>
+            </a:lvl5pPr>
+            <a:lvl6pPr marL="2514600" indent="-228600" algn="l" defTabSz="914400" rtl="0" eaLnBrk="1" latinLnBrk="0" hangingPunct="1">
+              <a:lnSpc>
+                <a:spcPct val="120000"/>
+              </a:lnSpc>
+              <a:spcBef>
+                <a:spcPts val="500"/>
+              </a:spcBef>
+              <a:buSzPct val="125000"/>
+              <a:buFont typeface="Arial" panose="020B0604020202020204" pitchFamily="34" charset="0"/>
+              <a:buChar char="•"/>
+              <a:defRPr sz="1400" kern="1200">
+                <a:solidFill>
+                  <a:schemeClr val="tx1"/>
+                </a:solidFill>
+                <a:latin typeface="+mn-lt"/>
+                <a:ea typeface="+mn-ea"/>
+                <a:cs typeface="+mn-cs"/>
+              </a:defRPr>
+            </a:lvl6pPr>
+            <a:lvl7pPr marL="2971800" indent="-228600" algn="l" defTabSz="914400" rtl="0" eaLnBrk="1" latinLnBrk="0" hangingPunct="1">
+              <a:lnSpc>
+                <a:spcPct val="120000"/>
+              </a:lnSpc>
+              <a:spcBef>
+                <a:spcPts val="500"/>
+              </a:spcBef>
+              <a:buSzPct val="125000"/>
+              <a:buFont typeface="Arial" panose="020B0604020202020204" pitchFamily="34" charset="0"/>
+              <a:buChar char="•"/>
+              <a:defRPr sz="1400" kern="1200">
+                <a:solidFill>
+                  <a:schemeClr val="tx1"/>
+                </a:solidFill>
+                <a:latin typeface="+mn-lt"/>
+                <a:ea typeface="+mn-ea"/>
+                <a:cs typeface="+mn-cs"/>
+              </a:defRPr>
+            </a:lvl7pPr>
+            <a:lvl8pPr marL="3429000" indent="-228600" algn="l" defTabSz="914400" rtl="0" eaLnBrk="1" latinLnBrk="0" hangingPunct="1">
+              <a:lnSpc>
+                <a:spcPct val="120000"/>
+              </a:lnSpc>
+              <a:spcBef>
+                <a:spcPts val="500"/>
+              </a:spcBef>
+              <a:buSzPct val="125000"/>
+              <a:buFont typeface="Arial" panose="020B0604020202020204" pitchFamily="34" charset="0"/>
+              <a:buChar char="•"/>
+              <a:defRPr sz="1400" kern="1200">
+                <a:solidFill>
+                  <a:schemeClr val="tx1"/>
+                </a:solidFill>
+                <a:latin typeface="+mn-lt"/>
+                <a:ea typeface="+mn-ea"/>
+                <a:cs typeface="+mn-cs"/>
+              </a:defRPr>
+            </a:lvl8pPr>
+            <a:lvl9pPr marL="3886200" indent="-228600" algn="l" defTabSz="914400" rtl="0" eaLnBrk="1" latinLnBrk="0" hangingPunct="1">
+              <a:lnSpc>
+                <a:spcPct val="120000"/>
+              </a:lnSpc>
+              <a:spcBef>
+                <a:spcPts val="500"/>
+              </a:spcBef>
+              <a:buSzPct val="125000"/>
+              <a:buFont typeface="Arial" panose="020B0604020202020204" pitchFamily="34" charset="0"/>
+              <a:buChar char="•"/>
+              <a:defRPr sz="1400" kern="1200">
+                <a:solidFill>
+                  <a:schemeClr val="tx1"/>
+                </a:solidFill>
+                <a:latin typeface="+mn-lt"/>
+                <a:ea typeface="+mn-ea"/>
+                <a:cs typeface="+mn-cs"/>
+              </a:defRPr>
+            </a:lvl9pPr>
+          </a:lstStyle>
+          <a:p>
+            <a:pPr marL="0" indent="0">
+              <a:buFont typeface="Arial" panose="020B0604020202020204" pitchFamily="34" charset="0"/>
+              <a:buNone/>
+            </a:pPr>
+            <a:r>
+              <a:rPr lang="en-US" sz="1600" dirty="0"/>
+              <a:t>…but what do we search next??</a:t>
+            </a:r>
+          </a:p>
+        </p:txBody>
+      </p:sp>
     </p:spTree>
     <p:extLst>
       <p:ext uri="{BB962C8B-B14F-4D97-AF65-F5344CB8AC3E}">
@@ -17472,8 +18519,8 @@
         </p:nvSpPr>
         <p:spPr>
           <a:xfrm>
-            <a:off x="1141413" y="117586"/>
-            <a:ext cx="9905998" cy="1478570"/>
+            <a:off x="1141413" y="267360"/>
+            <a:ext cx="9905998" cy="781048"/>
           </a:xfrm>
         </p:spPr>
         <p:txBody>
@@ -17483,7 +18530,7 @@
             <a:pPr algn="ctr"/>
             <a:r>
               <a:rPr lang="en-US" dirty="0"/>
-              <a:t>Local Search: Random Walk</a:t>
+              <a:t>Technique 1: Random Walk</a:t>
             </a:r>
           </a:p>
         </p:txBody>
@@ -17501,45 +18548,25 @@
         <p:spPr>
           <a:xfrm>
             <a:off x="6689035" y="2010946"/>
-            <a:ext cx="4875211" cy="3541714"/>
+            <a:ext cx="4875211" cy="590364"/>
           </a:xfrm>
         </p:spPr>
         <p:txBody>
           <a:bodyPr>
-            <a:normAutofit fontScale="92500" lnSpcReduction="10000"/>
+            <a:normAutofit/>
           </a:bodyPr>
           <a:lstStyle/>
           <a:p>
-            <a:r>
-              <a:rPr lang="en-US" dirty="0"/>
-              <a:t>1. Pick a random point</a:t>
-            </a:r>
-          </a:p>
-          <a:p>
-            <a:endParaRPr lang="en-US" dirty="0"/>
-          </a:p>
-          <a:p>
-            <a:r>
-              <a:rPr lang="en-US" dirty="0"/>
-              <a:t>2. Pick random neighbor</a:t>
-            </a:r>
-          </a:p>
-          <a:p>
-            <a:endParaRPr lang="en-US" dirty="0"/>
-          </a:p>
-          <a:p>
-            <a:r>
-              <a:rPr lang="en-US" dirty="0"/>
-              <a:t>3. Move to neighbor (no matter what)</a:t>
-            </a:r>
-          </a:p>
-          <a:p>
-            <a:endParaRPr lang="en-US" dirty="0"/>
-          </a:p>
-          <a:p>
-            <a:r>
-              <a:rPr lang="en-US" dirty="0"/>
-              <a:t>Issues?</a:t>
+            <a:pPr marL="0" indent="0">
+              <a:buNone/>
+            </a:pPr>
+            <a:r>
+              <a:rPr lang="en-US" sz="1800" b="1" i="1" u="sng" dirty="0"/>
+              <a:t>IDEA</a:t>
+            </a:r>
+            <a:r>
+              <a:rPr lang="en-US" sz="1800" dirty="0"/>
+              <a:t>: Walk around the search space randomly</a:t>
             </a:r>
           </a:p>
         </p:txBody>
@@ -17574,6 +18601,436 @@
           </a:prstGeom>
         </p:spPr>
       </p:pic>
+      <p:sp>
+        <p:nvSpPr>
+          <p:cNvPr id="6" name="Content Placeholder 3">
+            <a:extLst>
+              <a:ext uri="{FF2B5EF4-FFF2-40B4-BE49-F238E27FC236}">
+                <a16:creationId xmlns:a16="http://schemas.microsoft.com/office/drawing/2014/main" id="{95BF5B20-05C6-E94F-B55F-B577D33515B8}"/>
+              </a:ext>
+            </a:extLst>
+          </p:cNvPr>
+          <p:cNvSpPr txBox="1">
+            <a:spLocks/>
+          </p:cNvSpPr>
+          <p:nvPr/>
+        </p:nvSpPr>
+        <p:spPr>
+          <a:xfrm>
+            <a:off x="6689034" y="2825496"/>
+            <a:ext cx="4875211" cy="2511131"/>
+          </a:xfrm>
+          <a:prstGeom prst="rect">
+            <a:avLst/>
+          </a:prstGeom>
+          <a:solidFill>
+            <a:schemeClr val="tx1">
+              <a:lumMod val="95000"/>
+            </a:schemeClr>
+          </a:solidFill>
+          <a:ln>
+            <a:solidFill>
+              <a:schemeClr val="bg1"/>
+            </a:solidFill>
+          </a:ln>
+        </p:spPr>
+        <p:txBody>
+          <a:bodyPr vert="horz" lIns="91440" tIns="45720" rIns="91440" bIns="45720" rtlCol="0">
+            <a:normAutofit/>
+          </a:bodyPr>
+          <a:lstStyle>
+            <a:lvl1pPr marL="228600" indent="-228600" algn="l" defTabSz="914400" rtl="0" eaLnBrk="1" latinLnBrk="0" hangingPunct="1">
+              <a:lnSpc>
+                <a:spcPct val="120000"/>
+              </a:lnSpc>
+              <a:spcBef>
+                <a:spcPts val="1000"/>
+              </a:spcBef>
+              <a:buSzPct val="125000"/>
+              <a:buFont typeface="Arial" panose="020B0604020202020204" pitchFamily="34" charset="0"/>
+              <a:buChar char="•"/>
+              <a:defRPr sz="2400" kern="1200">
+                <a:solidFill>
+                  <a:schemeClr val="tx1"/>
+                </a:solidFill>
+                <a:latin typeface="+mn-lt"/>
+                <a:ea typeface="+mn-ea"/>
+                <a:cs typeface="+mn-cs"/>
+              </a:defRPr>
+            </a:lvl1pPr>
+            <a:lvl2pPr marL="685800" indent="-228600" algn="l" defTabSz="914400" rtl="0" eaLnBrk="1" latinLnBrk="0" hangingPunct="1">
+              <a:lnSpc>
+                <a:spcPct val="120000"/>
+              </a:lnSpc>
+              <a:spcBef>
+                <a:spcPts val="500"/>
+              </a:spcBef>
+              <a:buSzPct val="125000"/>
+              <a:buFont typeface="Arial" panose="020B0604020202020204" pitchFamily="34" charset="0"/>
+              <a:buChar char="•"/>
+              <a:defRPr sz="2000" kern="1200">
+                <a:solidFill>
+                  <a:schemeClr val="tx1"/>
+                </a:solidFill>
+                <a:latin typeface="+mn-lt"/>
+                <a:ea typeface="+mn-ea"/>
+                <a:cs typeface="+mn-cs"/>
+              </a:defRPr>
+            </a:lvl2pPr>
+            <a:lvl3pPr marL="1143000" indent="-228600" algn="l" defTabSz="914400" rtl="0" eaLnBrk="1" latinLnBrk="0" hangingPunct="1">
+              <a:lnSpc>
+                <a:spcPct val="120000"/>
+              </a:lnSpc>
+              <a:spcBef>
+                <a:spcPts val="500"/>
+              </a:spcBef>
+              <a:buSzPct val="125000"/>
+              <a:buFont typeface="Arial" panose="020B0604020202020204" pitchFamily="34" charset="0"/>
+              <a:buChar char="•"/>
+              <a:defRPr sz="1800" kern="1200">
+                <a:solidFill>
+                  <a:schemeClr val="tx1"/>
+                </a:solidFill>
+                <a:latin typeface="+mn-lt"/>
+                <a:ea typeface="+mn-ea"/>
+                <a:cs typeface="+mn-cs"/>
+              </a:defRPr>
+            </a:lvl3pPr>
+            <a:lvl4pPr marL="1600200" indent="-228600" algn="l" defTabSz="914400" rtl="0" eaLnBrk="1" latinLnBrk="0" hangingPunct="1">
+              <a:lnSpc>
+                <a:spcPct val="120000"/>
+              </a:lnSpc>
+              <a:spcBef>
+                <a:spcPts val="500"/>
+              </a:spcBef>
+              <a:buSzPct val="125000"/>
+              <a:buFont typeface="Arial" panose="020B0604020202020204" pitchFamily="34" charset="0"/>
+              <a:buChar char="•"/>
+              <a:defRPr sz="1600" kern="1200">
+                <a:solidFill>
+                  <a:schemeClr val="tx1"/>
+                </a:solidFill>
+                <a:latin typeface="+mn-lt"/>
+                <a:ea typeface="+mn-ea"/>
+                <a:cs typeface="+mn-cs"/>
+              </a:defRPr>
+            </a:lvl4pPr>
+            <a:lvl5pPr marL="2057400" indent="-228600" algn="l" defTabSz="914400" rtl="0" eaLnBrk="1" latinLnBrk="0" hangingPunct="1">
+              <a:lnSpc>
+                <a:spcPct val="120000"/>
+              </a:lnSpc>
+              <a:spcBef>
+                <a:spcPts val="500"/>
+              </a:spcBef>
+              <a:buSzPct val="125000"/>
+              <a:buFont typeface="Arial" panose="020B0604020202020204" pitchFamily="34" charset="0"/>
+              <a:buChar char="•"/>
+              <a:defRPr sz="1600" kern="1200">
+                <a:solidFill>
+                  <a:schemeClr val="tx1"/>
+                </a:solidFill>
+                <a:latin typeface="+mn-lt"/>
+                <a:ea typeface="+mn-ea"/>
+                <a:cs typeface="+mn-cs"/>
+              </a:defRPr>
+            </a:lvl5pPr>
+            <a:lvl6pPr marL="2514600" indent="-228600" algn="l" defTabSz="914400" rtl="0" eaLnBrk="1" latinLnBrk="0" hangingPunct="1">
+              <a:lnSpc>
+                <a:spcPct val="120000"/>
+              </a:lnSpc>
+              <a:spcBef>
+                <a:spcPts val="500"/>
+              </a:spcBef>
+              <a:buSzPct val="125000"/>
+              <a:buFont typeface="Arial" panose="020B0604020202020204" pitchFamily="34" charset="0"/>
+              <a:buChar char="•"/>
+              <a:defRPr sz="1400" kern="1200">
+                <a:solidFill>
+                  <a:schemeClr val="tx1"/>
+                </a:solidFill>
+                <a:latin typeface="+mn-lt"/>
+                <a:ea typeface="+mn-ea"/>
+                <a:cs typeface="+mn-cs"/>
+              </a:defRPr>
+            </a:lvl6pPr>
+            <a:lvl7pPr marL="2971800" indent="-228600" algn="l" defTabSz="914400" rtl="0" eaLnBrk="1" latinLnBrk="0" hangingPunct="1">
+              <a:lnSpc>
+                <a:spcPct val="120000"/>
+              </a:lnSpc>
+              <a:spcBef>
+                <a:spcPts val="500"/>
+              </a:spcBef>
+              <a:buSzPct val="125000"/>
+              <a:buFont typeface="Arial" panose="020B0604020202020204" pitchFamily="34" charset="0"/>
+              <a:buChar char="•"/>
+              <a:defRPr sz="1400" kern="1200">
+                <a:solidFill>
+                  <a:schemeClr val="tx1"/>
+                </a:solidFill>
+                <a:latin typeface="+mn-lt"/>
+                <a:ea typeface="+mn-ea"/>
+                <a:cs typeface="+mn-cs"/>
+              </a:defRPr>
+            </a:lvl7pPr>
+            <a:lvl8pPr marL="3429000" indent="-228600" algn="l" defTabSz="914400" rtl="0" eaLnBrk="1" latinLnBrk="0" hangingPunct="1">
+              <a:lnSpc>
+                <a:spcPct val="120000"/>
+              </a:lnSpc>
+              <a:spcBef>
+                <a:spcPts val="500"/>
+              </a:spcBef>
+              <a:buSzPct val="125000"/>
+              <a:buFont typeface="Arial" panose="020B0604020202020204" pitchFamily="34" charset="0"/>
+              <a:buChar char="•"/>
+              <a:defRPr sz="1400" kern="1200">
+                <a:solidFill>
+                  <a:schemeClr val="tx1"/>
+                </a:solidFill>
+                <a:latin typeface="+mn-lt"/>
+                <a:ea typeface="+mn-ea"/>
+                <a:cs typeface="+mn-cs"/>
+              </a:defRPr>
+            </a:lvl8pPr>
+            <a:lvl9pPr marL="3886200" indent="-228600" algn="l" defTabSz="914400" rtl="0" eaLnBrk="1" latinLnBrk="0" hangingPunct="1">
+              <a:lnSpc>
+                <a:spcPct val="120000"/>
+              </a:lnSpc>
+              <a:spcBef>
+                <a:spcPts val="500"/>
+              </a:spcBef>
+              <a:buSzPct val="125000"/>
+              <a:buFont typeface="Arial" panose="020B0604020202020204" pitchFamily="34" charset="0"/>
+              <a:buChar char="•"/>
+              <a:defRPr sz="1400" kern="1200">
+                <a:solidFill>
+                  <a:schemeClr val="tx1"/>
+                </a:solidFill>
+                <a:latin typeface="+mn-lt"/>
+                <a:ea typeface="+mn-ea"/>
+                <a:cs typeface="+mn-cs"/>
+              </a:defRPr>
+            </a:lvl9pPr>
+          </a:lstStyle>
+          <a:p>
+            <a:pPr marL="0" indent="0">
+              <a:buNone/>
+            </a:pPr>
+            <a:r>
+              <a:rPr lang="en-US" sz="1800" dirty="0">
+                <a:solidFill>
+                  <a:schemeClr val="bg1"/>
+                </a:solidFill>
+              </a:rPr>
+              <a:t>start = cur = </a:t>
+            </a:r>
+            <a:r>
+              <a:rPr lang="en-US" sz="1800" dirty="0" err="1">
+                <a:solidFill>
+                  <a:schemeClr val="bg1"/>
+                </a:solidFill>
+              </a:rPr>
+              <a:t>randomSolution</a:t>
+            </a:r>
+            <a:r>
+              <a:rPr lang="en-US" sz="1800" dirty="0">
+                <a:solidFill>
+                  <a:schemeClr val="bg1"/>
+                </a:solidFill>
+              </a:rPr>
+              <a:t>();</a:t>
+            </a:r>
+            <a:br>
+              <a:rPr lang="en-US" sz="1800" dirty="0">
+                <a:solidFill>
+                  <a:schemeClr val="bg1"/>
+                </a:solidFill>
+              </a:rPr>
+            </a:br>
+            <a:r>
+              <a:rPr lang="en-US" sz="1800" dirty="0" err="1">
+                <a:solidFill>
+                  <a:schemeClr val="bg1"/>
+                </a:solidFill>
+              </a:rPr>
+              <a:t>bestVal</a:t>
+            </a:r>
+            <a:r>
+              <a:rPr lang="en-US" sz="1800" dirty="0">
+                <a:solidFill>
+                  <a:schemeClr val="bg1"/>
+                </a:solidFill>
+              </a:rPr>
+              <a:t> = v(start)</a:t>
+            </a:r>
+            <a:br>
+              <a:rPr lang="en-US" sz="1800" dirty="0">
+                <a:solidFill>
+                  <a:schemeClr val="bg1"/>
+                </a:solidFill>
+              </a:rPr>
+            </a:br>
+            <a:r>
+              <a:rPr lang="en-US" sz="1800" dirty="0">
+                <a:solidFill>
+                  <a:schemeClr val="bg1"/>
+                </a:solidFill>
+              </a:rPr>
+              <a:t>While (</a:t>
+            </a:r>
+            <a:r>
+              <a:rPr lang="en-US" sz="1800" dirty="0" err="1">
+                <a:solidFill>
+                  <a:schemeClr val="bg1"/>
+                </a:solidFill>
+              </a:rPr>
+              <a:t>i</a:t>
+            </a:r>
+            <a:r>
+              <a:rPr lang="en-US" sz="1800" dirty="0">
+                <a:solidFill>
+                  <a:schemeClr val="bg1"/>
+                </a:solidFill>
+              </a:rPr>
+              <a:t> &lt; </a:t>
+            </a:r>
+            <a:r>
+              <a:rPr lang="en-US" sz="1800" dirty="0" err="1">
+                <a:solidFill>
+                  <a:schemeClr val="bg1"/>
+                </a:solidFill>
+              </a:rPr>
+              <a:t>numIterations</a:t>
+            </a:r>
+            <a:r>
+              <a:rPr lang="en-US" sz="1800" dirty="0">
+                <a:solidFill>
+                  <a:schemeClr val="bg1"/>
+                </a:solidFill>
+              </a:rPr>
+              <a:t>):</a:t>
+            </a:r>
+            <a:br>
+              <a:rPr lang="en-US" sz="1800" dirty="0">
+                <a:solidFill>
+                  <a:schemeClr val="bg1"/>
+                </a:solidFill>
+              </a:rPr>
+            </a:br>
+            <a:r>
+              <a:rPr lang="en-US" sz="1800" dirty="0">
+                <a:solidFill>
+                  <a:schemeClr val="bg1"/>
+                </a:solidFill>
+              </a:rPr>
+              <a:t>   next = </a:t>
+            </a:r>
+            <a:r>
+              <a:rPr lang="en-US" sz="1800" dirty="0" err="1">
+                <a:solidFill>
+                  <a:schemeClr val="bg1"/>
+                </a:solidFill>
+              </a:rPr>
+              <a:t>getNeighbor</a:t>
+            </a:r>
+            <a:r>
+              <a:rPr lang="en-US" sz="1800" dirty="0">
+                <a:solidFill>
+                  <a:schemeClr val="bg1"/>
+                </a:solidFill>
+              </a:rPr>
+              <a:t>(cur)</a:t>
+            </a:r>
+            <a:br>
+              <a:rPr lang="en-US" sz="1800" dirty="0">
+                <a:solidFill>
+                  <a:schemeClr val="bg1"/>
+                </a:solidFill>
+              </a:rPr>
+            </a:br>
+            <a:r>
+              <a:rPr lang="en-US" sz="1800" dirty="0">
+                <a:solidFill>
+                  <a:schemeClr val="bg1"/>
+                </a:solidFill>
+              </a:rPr>
+              <a:t>   cur = next</a:t>
+            </a:r>
+            <a:br>
+              <a:rPr lang="en-US" sz="1800" dirty="0">
+                <a:solidFill>
+                  <a:schemeClr val="bg1"/>
+                </a:solidFill>
+              </a:rPr>
+            </a:br>
+            <a:r>
+              <a:rPr lang="en-US" sz="1800" dirty="0">
+                <a:solidFill>
+                  <a:schemeClr val="bg1"/>
+                </a:solidFill>
+              </a:rPr>
+              <a:t>   if(</a:t>
+            </a:r>
+            <a:r>
+              <a:rPr lang="en-US" sz="1800" dirty="0" err="1">
+                <a:solidFill>
+                  <a:schemeClr val="bg1"/>
+                </a:solidFill>
+              </a:rPr>
+              <a:t>bestVal</a:t>
+            </a:r>
+            <a:r>
+              <a:rPr lang="en-US" sz="1800" dirty="0">
+                <a:solidFill>
+                  <a:schemeClr val="bg1"/>
+                </a:solidFill>
+              </a:rPr>
+              <a:t> &lt; v(cur)) </a:t>
+            </a:r>
+            <a:r>
+              <a:rPr lang="en-US" sz="1800" dirty="0" err="1">
+                <a:solidFill>
+                  <a:schemeClr val="bg1"/>
+                </a:solidFill>
+              </a:rPr>
+              <a:t>bestVal</a:t>
+            </a:r>
+            <a:r>
+              <a:rPr lang="en-US" sz="1800" dirty="0">
+                <a:solidFill>
+                  <a:schemeClr val="bg1"/>
+                </a:solidFill>
+              </a:rPr>
+              <a:t> = v(cur)</a:t>
+            </a:r>
+          </a:p>
+          <a:p>
+            <a:pPr marL="0" indent="0">
+              <a:buNone/>
+            </a:pPr>
+            <a:r>
+              <a:rPr lang="en-US" sz="1800" dirty="0">
+                <a:solidFill>
+                  <a:schemeClr val="bg1"/>
+                </a:solidFill>
+              </a:rPr>
+              <a:t>return </a:t>
+            </a:r>
+            <a:r>
+              <a:rPr lang="en-US" sz="1800" dirty="0" err="1">
+                <a:solidFill>
+                  <a:schemeClr val="bg1"/>
+                </a:solidFill>
+              </a:rPr>
+              <a:t>bestVal</a:t>
+            </a:r>
+            <a:endParaRPr lang="en-US" sz="1800" dirty="0">
+              <a:solidFill>
+                <a:schemeClr val="bg1"/>
+              </a:solidFill>
+            </a:endParaRPr>
+          </a:p>
+        </p:txBody>
+      </p:sp>
     </p:spTree>
     <p:extLst>
       <p:ext uri="{BB962C8B-B14F-4D97-AF65-F5344CB8AC3E}">
@@ -17616,8 +19073,8 @@
         </p:nvSpPr>
         <p:spPr>
           <a:xfrm>
-            <a:off x="1141413" y="85778"/>
-            <a:ext cx="9905998" cy="1478570"/>
+            <a:off x="1141413" y="267083"/>
+            <a:ext cx="9905998" cy="812856"/>
           </a:xfrm>
         </p:spPr>
         <p:txBody>
@@ -17628,69 +19085,6 @@
             <a:r>
               <a:rPr lang="en-US" dirty="0"/>
               <a:t>Local Search: Random Walk Improvement</a:t>
-            </a:r>
-          </a:p>
-        </p:txBody>
-      </p:sp>
-      <p:sp>
-        <p:nvSpPr>
-          <p:cNvPr id="4" name="Content Placeholder 3"/>
-          <p:cNvSpPr>
-            <a:spLocks noGrp="1"/>
-          </p:cNvSpPr>
-          <p:nvPr>
-            <p:ph sz="half" idx="2"/>
-          </p:nvPr>
-        </p:nvSpPr>
-        <p:spPr>
-          <a:xfrm>
-            <a:off x="6887818" y="2058655"/>
-            <a:ext cx="4875211" cy="3541714"/>
-          </a:xfrm>
-        </p:spPr>
-        <p:txBody>
-          <a:bodyPr>
-            <a:normAutofit fontScale="85000" lnSpcReduction="10000"/>
-          </a:bodyPr>
-          <a:lstStyle/>
-          <a:p>
-            <a:r>
-              <a:rPr lang="en-US" dirty="0"/>
-              <a:t>1. Pick ‘x’ random points</a:t>
-            </a:r>
-          </a:p>
-          <a:p>
-            <a:pPr lvl="1"/>
-            <a:r>
-              <a:rPr lang="en-US" dirty="0"/>
-              <a:t>Maybe 1000 or more?</a:t>
-            </a:r>
-          </a:p>
-          <a:p>
-            <a:endParaRPr lang="en-US" dirty="0"/>
-          </a:p>
-          <a:p>
-            <a:r>
-              <a:rPr lang="en-US" dirty="0"/>
-              <a:t>2. Look at your neighbors of each</a:t>
-            </a:r>
-          </a:p>
-          <a:p>
-            <a:endParaRPr lang="en-US" dirty="0"/>
-          </a:p>
-          <a:p>
-            <a:r>
-              <a:rPr lang="en-US" dirty="0"/>
-              <a:t>3. Each moves in a random direction</a:t>
-            </a:r>
-          </a:p>
-          <a:p>
-            <a:endParaRPr lang="en-US" dirty="0"/>
-          </a:p>
-          <a:p>
-            <a:r>
-              <a:rPr lang="en-US" dirty="0"/>
-              <a:t>Issues?</a:t>
             </a:r>
           </a:p>
         </p:txBody>
@@ -17725,6 +19119,668 @@
           </a:prstGeom>
         </p:spPr>
       </p:pic>
+      <p:sp>
+        <p:nvSpPr>
+          <p:cNvPr id="7" name="Content Placeholder 3">
+            <a:extLst>
+              <a:ext uri="{FF2B5EF4-FFF2-40B4-BE49-F238E27FC236}">
+                <a16:creationId xmlns:a16="http://schemas.microsoft.com/office/drawing/2014/main" id="{3A1B7453-AEC7-7649-ADA6-C375E43B7F6A}"/>
+              </a:ext>
+            </a:extLst>
+          </p:cNvPr>
+          <p:cNvSpPr txBox="1">
+            <a:spLocks/>
+          </p:cNvSpPr>
+          <p:nvPr/>
+        </p:nvSpPr>
+        <p:spPr>
+          <a:xfrm>
+            <a:off x="6689035" y="2010946"/>
+            <a:ext cx="4875211" cy="590364"/>
+          </a:xfrm>
+          <a:prstGeom prst="rect">
+            <a:avLst/>
+          </a:prstGeom>
+        </p:spPr>
+        <p:txBody>
+          <a:bodyPr vert="horz" lIns="91440" tIns="45720" rIns="91440" bIns="45720" rtlCol="0">
+            <a:normAutofit fontScale="92500"/>
+          </a:bodyPr>
+          <a:lstStyle>
+            <a:lvl1pPr marL="228600" indent="-228600" algn="l" defTabSz="914400" rtl="0" eaLnBrk="1" latinLnBrk="0" hangingPunct="1">
+              <a:lnSpc>
+                <a:spcPct val="120000"/>
+              </a:lnSpc>
+              <a:spcBef>
+                <a:spcPts val="1000"/>
+              </a:spcBef>
+              <a:buSzPct val="125000"/>
+              <a:buFont typeface="Arial" panose="020B0604020202020204" pitchFamily="34" charset="0"/>
+              <a:buChar char="•"/>
+              <a:defRPr sz="2400" kern="1200">
+                <a:solidFill>
+                  <a:schemeClr val="tx1"/>
+                </a:solidFill>
+                <a:latin typeface="+mn-lt"/>
+                <a:ea typeface="+mn-ea"/>
+                <a:cs typeface="+mn-cs"/>
+              </a:defRPr>
+            </a:lvl1pPr>
+            <a:lvl2pPr marL="685800" indent="-228600" algn="l" defTabSz="914400" rtl="0" eaLnBrk="1" latinLnBrk="0" hangingPunct="1">
+              <a:lnSpc>
+                <a:spcPct val="120000"/>
+              </a:lnSpc>
+              <a:spcBef>
+                <a:spcPts val="500"/>
+              </a:spcBef>
+              <a:buSzPct val="125000"/>
+              <a:buFont typeface="Arial" panose="020B0604020202020204" pitchFamily="34" charset="0"/>
+              <a:buChar char="•"/>
+              <a:defRPr sz="2000" kern="1200">
+                <a:solidFill>
+                  <a:schemeClr val="tx1"/>
+                </a:solidFill>
+                <a:latin typeface="+mn-lt"/>
+                <a:ea typeface="+mn-ea"/>
+                <a:cs typeface="+mn-cs"/>
+              </a:defRPr>
+            </a:lvl2pPr>
+            <a:lvl3pPr marL="1143000" indent="-228600" algn="l" defTabSz="914400" rtl="0" eaLnBrk="1" latinLnBrk="0" hangingPunct="1">
+              <a:lnSpc>
+                <a:spcPct val="120000"/>
+              </a:lnSpc>
+              <a:spcBef>
+                <a:spcPts val="500"/>
+              </a:spcBef>
+              <a:buSzPct val="125000"/>
+              <a:buFont typeface="Arial" panose="020B0604020202020204" pitchFamily="34" charset="0"/>
+              <a:buChar char="•"/>
+              <a:defRPr sz="1800" kern="1200">
+                <a:solidFill>
+                  <a:schemeClr val="tx1"/>
+                </a:solidFill>
+                <a:latin typeface="+mn-lt"/>
+                <a:ea typeface="+mn-ea"/>
+                <a:cs typeface="+mn-cs"/>
+              </a:defRPr>
+            </a:lvl3pPr>
+            <a:lvl4pPr marL="1600200" indent="-228600" algn="l" defTabSz="914400" rtl="0" eaLnBrk="1" latinLnBrk="0" hangingPunct="1">
+              <a:lnSpc>
+                <a:spcPct val="120000"/>
+              </a:lnSpc>
+              <a:spcBef>
+                <a:spcPts val="500"/>
+              </a:spcBef>
+              <a:buSzPct val="125000"/>
+              <a:buFont typeface="Arial" panose="020B0604020202020204" pitchFamily="34" charset="0"/>
+              <a:buChar char="•"/>
+              <a:defRPr sz="1600" kern="1200">
+                <a:solidFill>
+                  <a:schemeClr val="tx1"/>
+                </a:solidFill>
+                <a:latin typeface="+mn-lt"/>
+                <a:ea typeface="+mn-ea"/>
+                <a:cs typeface="+mn-cs"/>
+              </a:defRPr>
+            </a:lvl4pPr>
+            <a:lvl5pPr marL="2057400" indent="-228600" algn="l" defTabSz="914400" rtl="0" eaLnBrk="1" latinLnBrk="0" hangingPunct="1">
+              <a:lnSpc>
+                <a:spcPct val="120000"/>
+              </a:lnSpc>
+              <a:spcBef>
+                <a:spcPts val="500"/>
+              </a:spcBef>
+              <a:buSzPct val="125000"/>
+              <a:buFont typeface="Arial" panose="020B0604020202020204" pitchFamily="34" charset="0"/>
+              <a:buChar char="•"/>
+              <a:defRPr sz="1600" kern="1200">
+                <a:solidFill>
+                  <a:schemeClr val="tx1"/>
+                </a:solidFill>
+                <a:latin typeface="+mn-lt"/>
+                <a:ea typeface="+mn-ea"/>
+                <a:cs typeface="+mn-cs"/>
+              </a:defRPr>
+            </a:lvl5pPr>
+            <a:lvl6pPr marL="2514600" indent="-228600" algn="l" defTabSz="914400" rtl="0" eaLnBrk="1" latinLnBrk="0" hangingPunct="1">
+              <a:lnSpc>
+                <a:spcPct val="120000"/>
+              </a:lnSpc>
+              <a:spcBef>
+                <a:spcPts val="500"/>
+              </a:spcBef>
+              <a:buSzPct val="125000"/>
+              <a:buFont typeface="Arial" panose="020B0604020202020204" pitchFamily="34" charset="0"/>
+              <a:buChar char="•"/>
+              <a:defRPr sz="1400" kern="1200">
+                <a:solidFill>
+                  <a:schemeClr val="tx1"/>
+                </a:solidFill>
+                <a:latin typeface="+mn-lt"/>
+                <a:ea typeface="+mn-ea"/>
+                <a:cs typeface="+mn-cs"/>
+              </a:defRPr>
+            </a:lvl6pPr>
+            <a:lvl7pPr marL="2971800" indent="-228600" algn="l" defTabSz="914400" rtl="0" eaLnBrk="1" latinLnBrk="0" hangingPunct="1">
+              <a:lnSpc>
+                <a:spcPct val="120000"/>
+              </a:lnSpc>
+              <a:spcBef>
+                <a:spcPts val="500"/>
+              </a:spcBef>
+              <a:buSzPct val="125000"/>
+              <a:buFont typeface="Arial" panose="020B0604020202020204" pitchFamily="34" charset="0"/>
+              <a:buChar char="•"/>
+              <a:defRPr sz="1400" kern="1200">
+                <a:solidFill>
+                  <a:schemeClr val="tx1"/>
+                </a:solidFill>
+                <a:latin typeface="+mn-lt"/>
+                <a:ea typeface="+mn-ea"/>
+                <a:cs typeface="+mn-cs"/>
+              </a:defRPr>
+            </a:lvl7pPr>
+            <a:lvl8pPr marL="3429000" indent="-228600" algn="l" defTabSz="914400" rtl="0" eaLnBrk="1" latinLnBrk="0" hangingPunct="1">
+              <a:lnSpc>
+                <a:spcPct val="120000"/>
+              </a:lnSpc>
+              <a:spcBef>
+                <a:spcPts val="500"/>
+              </a:spcBef>
+              <a:buSzPct val="125000"/>
+              <a:buFont typeface="Arial" panose="020B0604020202020204" pitchFamily="34" charset="0"/>
+              <a:buChar char="•"/>
+              <a:defRPr sz="1400" kern="1200">
+                <a:solidFill>
+                  <a:schemeClr val="tx1"/>
+                </a:solidFill>
+                <a:latin typeface="+mn-lt"/>
+                <a:ea typeface="+mn-ea"/>
+                <a:cs typeface="+mn-cs"/>
+              </a:defRPr>
+            </a:lvl8pPr>
+            <a:lvl9pPr marL="3886200" indent="-228600" algn="l" defTabSz="914400" rtl="0" eaLnBrk="1" latinLnBrk="0" hangingPunct="1">
+              <a:lnSpc>
+                <a:spcPct val="120000"/>
+              </a:lnSpc>
+              <a:spcBef>
+                <a:spcPts val="500"/>
+              </a:spcBef>
+              <a:buSzPct val="125000"/>
+              <a:buFont typeface="Arial" panose="020B0604020202020204" pitchFamily="34" charset="0"/>
+              <a:buChar char="•"/>
+              <a:defRPr sz="1400" kern="1200">
+                <a:solidFill>
+                  <a:schemeClr val="tx1"/>
+                </a:solidFill>
+                <a:latin typeface="+mn-lt"/>
+                <a:ea typeface="+mn-ea"/>
+                <a:cs typeface="+mn-cs"/>
+              </a:defRPr>
+            </a:lvl9pPr>
+          </a:lstStyle>
+          <a:p>
+            <a:pPr marL="0" indent="0">
+              <a:buFont typeface="Arial" panose="020B0604020202020204" pitchFamily="34" charset="0"/>
+              <a:buNone/>
+            </a:pPr>
+            <a:r>
+              <a:rPr lang="en-US" sz="1800" b="1" i="1" u="sng" dirty="0"/>
+              <a:t>IDEA</a:t>
+            </a:r>
+            <a:r>
+              <a:rPr lang="en-US" sz="1800" dirty="0"/>
+              <a:t>: Walk a whole bunch of points around randomly</a:t>
+            </a:r>
+          </a:p>
+        </p:txBody>
+      </p:sp>
+      <p:sp>
+        <p:nvSpPr>
+          <p:cNvPr id="8" name="Content Placeholder 3">
+            <a:extLst>
+              <a:ext uri="{FF2B5EF4-FFF2-40B4-BE49-F238E27FC236}">
+                <a16:creationId xmlns:a16="http://schemas.microsoft.com/office/drawing/2014/main" id="{569411E1-E692-7F45-963B-A27AB799AF95}"/>
+              </a:ext>
+            </a:extLst>
+          </p:cNvPr>
+          <p:cNvSpPr txBox="1">
+            <a:spLocks/>
+          </p:cNvSpPr>
+          <p:nvPr/>
+        </p:nvSpPr>
+        <p:spPr>
+          <a:xfrm>
+            <a:off x="6689034" y="2825496"/>
+            <a:ext cx="4875211" cy="2708201"/>
+          </a:xfrm>
+          <a:prstGeom prst="rect">
+            <a:avLst/>
+          </a:prstGeom>
+          <a:solidFill>
+            <a:schemeClr val="tx1">
+              <a:lumMod val="95000"/>
+            </a:schemeClr>
+          </a:solidFill>
+          <a:ln>
+            <a:solidFill>
+              <a:schemeClr val="bg1"/>
+            </a:solidFill>
+          </a:ln>
+        </p:spPr>
+        <p:txBody>
+          <a:bodyPr vert="horz" lIns="91440" tIns="45720" rIns="91440" bIns="45720" rtlCol="0">
+            <a:normAutofit/>
+          </a:bodyPr>
+          <a:lstStyle>
+            <a:lvl1pPr marL="228600" indent="-228600" algn="l" defTabSz="914400" rtl="0" eaLnBrk="1" latinLnBrk="0" hangingPunct="1">
+              <a:lnSpc>
+                <a:spcPct val="120000"/>
+              </a:lnSpc>
+              <a:spcBef>
+                <a:spcPts val="1000"/>
+              </a:spcBef>
+              <a:buSzPct val="125000"/>
+              <a:buFont typeface="Arial" panose="020B0604020202020204" pitchFamily="34" charset="0"/>
+              <a:buChar char="•"/>
+              <a:defRPr sz="2400" kern="1200">
+                <a:solidFill>
+                  <a:schemeClr val="tx1"/>
+                </a:solidFill>
+                <a:latin typeface="+mn-lt"/>
+                <a:ea typeface="+mn-ea"/>
+                <a:cs typeface="+mn-cs"/>
+              </a:defRPr>
+            </a:lvl1pPr>
+            <a:lvl2pPr marL="685800" indent="-228600" algn="l" defTabSz="914400" rtl="0" eaLnBrk="1" latinLnBrk="0" hangingPunct="1">
+              <a:lnSpc>
+                <a:spcPct val="120000"/>
+              </a:lnSpc>
+              <a:spcBef>
+                <a:spcPts val="500"/>
+              </a:spcBef>
+              <a:buSzPct val="125000"/>
+              <a:buFont typeface="Arial" panose="020B0604020202020204" pitchFamily="34" charset="0"/>
+              <a:buChar char="•"/>
+              <a:defRPr sz="2000" kern="1200">
+                <a:solidFill>
+                  <a:schemeClr val="tx1"/>
+                </a:solidFill>
+                <a:latin typeface="+mn-lt"/>
+                <a:ea typeface="+mn-ea"/>
+                <a:cs typeface="+mn-cs"/>
+              </a:defRPr>
+            </a:lvl2pPr>
+            <a:lvl3pPr marL="1143000" indent="-228600" algn="l" defTabSz="914400" rtl="0" eaLnBrk="1" latinLnBrk="0" hangingPunct="1">
+              <a:lnSpc>
+                <a:spcPct val="120000"/>
+              </a:lnSpc>
+              <a:spcBef>
+                <a:spcPts val="500"/>
+              </a:spcBef>
+              <a:buSzPct val="125000"/>
+              <a:buFont typeface="Arial" panose="020B0604020202020204" pitchFamily="34" charset="0"/>
+              <a:buChar char="•"/>
+              <a:defRPr sz="1800" kern="1200">
+                <a:solidFill>
+                  <a:schemeClr val="tx1"/>
+                </a:solidFill>
+                <a:latin typeface="+mn-lt"/>
+                <a:ea typeface="+mn-ea"/>
+                <a:cs typeface="+mn-cs"/>
+              </a:defRPr>
+            </a:lvl3pPr>
+            <a:lvl4pPr marL="1600200" indent="-228600" algn="l" defTabSz="914400" rtl="0" eaLnBrk="1" latinLnBrk="0" hangingPunct="1">
+              <a:lnSpc>
+                <a:spcPct val="120000"/>
+              </a:lnSpc>
+              <a:spcBef>
+                <a:spcPts val="500"/>
+              </a:spcBef>
+              <a:buSzPct val="125000"/>
+              <a:buFont typeface="Arial" panose="020B0604020202020204" pitchFamily="34" charset="0"/>
+              <a:buChar char="•"/>
+              <a:defRPr sz="1600" kern="1200">
+                <a:solidFill>
+                  <a:schemeClr val="tx1"/>
+                </a:solidFill>
+                <a:latin typeface="+mn-lt"/>
+                <a:ea typeface="+mn-ea"/>
+                <a:cs typeface="+mn-cs"/>
+              </a:defRPr>
+            </a:lvl4pPr>
+            <a:lvl5pPr marL="2057400" indent="-228600" algn="l" defTabSz="914400" rtl="0" eaLnBrk="1" latinLnBrk="0" hangingPunct="1">
+              <a:lnSpc>
+                <a:spcPct val="120000"/>
+              </a:lnSpc>
+              <a:spcBef>
+                <a:spcPts val="500"/>
+              </a:spcBef>
+              <a:buSzPct val="125000"/>
+              <a:buFont typeface="Arial" panose="020B0604020202020204" pitchFamily="34" charset="0"/>
+              <a:buChar char="•"/>
+              <a:defRPr sz="1600" kern="1200">
+                <a:solidFill>
+                  <a:schemeClr val="tx1"/>
+                </a:solidFill>
+                <a:latin typeface="+mn-lt"/>
+                <a:ea typeface="+mn-ea"/>
+                <a:cs typeface="+mn-cs"/>
+              </a:defRPr>
+            </a:lvl5pPr>
+            <a:lvl6pPr marL="2514600" indent="-228600" algn="l" defTabSz="914400" rtl="0" eaLnBrk="1" latinLnBrk="0" hangingPunct="1">
+              <a:lnSpc>
+                <a:spcPct val="120000"/>
+              </a:lnSpc>
+              <a:spcBef>
+                <a:spcPts val="500"/>
+              </a:spcBef>
+              <a:buSzPct val="125000"/>
+              <a:buFont typeface="Arial" panose="020B0604020202020204" pitchFamily="34" charset="0"/>
+              <a:buChar char="•"/>
+              <a:defRPr sz="1400" kern="1200">
+                <a:solidFill>
+                  <a:schemeClr val="tx1"/>
+                </a:solidFill>
+                <a:latin typeface="+mn-lt"/>
+                <a:ea typeface="+mn-ea"/>
+                <a:cs typeface="+mn-cs"/>
+              </a:defRPr>
+            </a:lvl6pPr>
+            <a:lvl7pPr marL="2971800" indent="-228600" algn="l" defTabSz="914400" rtl="0" eaLnBrk="1" latinLnBrk="0" hangingPunct="1">
+              <a:lnSpc>
+                <a:spcPct val="120000"/>
+              </a:lnSpc>
+              <a:spcBef>
+                <a:spcPts val="500"/>
+              </a:spcBef>
+              <a:buSzPct val="125000"/>
+              <a:buFont typeface="Arial" panose="020B0604020202020204" pitchFamily="34" charset="0"/>
+              <a:buChar char="•"/>
+              <a:defRPr sz="1400" kern="1200">
+                <a:solidFill>
+                  <a:schemeClr val="tx1"/>
+                </a:solidFill>
+                <a:latin typeface="+mn-lt"/>
+                <a:ea typeface="+mn-ea"/>
+                <a:cs typeface="+mn-cs"/>
+              </a:defRPr>
+            </a:lvl7pPr>
+            <a:lvl8pPr marL="3429000" indent="-228600" algn="l" defTabSz="914400" rtl="0" eaLnBrk="1" latinLnBrk="0" hangingPunct="1">
+              <a:lnSpc>
+                <a:spcPct val="120000"/>
+              </a:lnSpc>
+              <a:spcBef>
+                <a:spcPts val="500"/>
+              </a:spcBef>
+              <a:buSzPct val="125000"/>
+              <a:buFont typeface="Arial" panose="020B0604020202020204" pitchFamily="34" charset="0"/>
+              <a:buChar char="•"/>
+              <a:defRPr sz="1400" kern="1200">
+                <a:solidFill>
+                  <a:schemeClr val="tx1"/>
+                </a:solidFill>
+                <a:latin typeface="+mn-lt"/>
+                <a:ea typeface="+mn-ea"/>
+                <a:cs typeface="+mn-cs"/>
+              </a:defRPr>
+            </a:lvl8pPr>
+            <a:lvl9pPr marL="3886200" indent="-228600" algn="l" defTabSz="914400" rtl="0" eaLnBrk="1" latinLnBrk="0" hangingPunct="1">
+              <a:lnSpc>
+                <a:spcPct val="120000"/>
+              </a:lnSpc>
+              <a:spcBef>
+                <a:spcPts val="500"/>
+              </a:spcBef>
+              <a:buSzPct val="125000"/>
+              <a:buFont typeface="Arial" panose="020B0604020202020204" pitchFamily="34" charset="0"/>
+              <a:buChar char="•"/>
+              <a:defRPr sz="1400" kern="1200">
+                <a:solidFill>
+                  <a:schemeClr val="tx1"/>
+                </a:solidFill>
+                <a:latin typeface="+mn-lt"/>
+                <a:ea typeface="+mn-ea"/>
+                <a:cs typeface="+mn-cs"/>
+              </a:defRPr>
+            </a:lvl9pPr>
+          </a:lstStyle>
+          <a:p>
+            <a:pPr marL="0" indent="0">
+              <a:buNone/>
+            </a:pPr>
+            <a:r>
+              <a:rPr lang="en-US" sz="1800" dirty="0">
+                <a:solidFill>
+                  <a:schemeClr val="bg1"/>
+                </a:solidFill>
+              </a:rPr>
+              <a:t>cur[1000] = { </a:t>
+            </a:r>
+            <a:r>
+              <a:rPr lang="en-US" sz="1800" dirty="0" err="1">
+                <a:solidFill>
+                  <a:schemeClr val="bg1"/>
+                </a:solidFill>
+              </a:rPr>
+              <a:t>getRandom</a:t>
+            </a:r>
+            <a:r>
+              <a:rPr lang="en-US" sz="1800" dirty="0">
+                <a:solidFill>
+                  <a:schemeClr val="bg1"/>
+                </a:solidFill>
+              </a:rPr>
+              <a:t>() }</a:t>
+            </a:r>
+            <a:br>
+              <a:rPr lang="en-US" sz="1800" dirty="0">
+                <a:solidFill>
+                  <a:schemeClr val="bg1"/>
+                </a:solidFill>
+              </a:rPr>
+            </a:br>
+            <a:r>
+              <a:rPr lang="en-US" sz="1800" dirty="0" err="1">
+                <a:solidFill>
+                  <a:schemeClr val="bg1"/>
+                </a:solidFill>
+              </a:rPr>
+              <a:t>bestVal</a:t>
+            </a:r>
+            <a:r>
+              <a:rPr lang="en-US" sz="1800" dirty="0">
+                <a:solidFill>
+                  <a:schemeClr val="bg1"/>
+                </a:solidFill>
+              </a:rPr>
+              <a:t> = </a:t>
+            </a:r>
+            <a:r>
+              <a:rPr lang="en-US" sz="1800" dirty="0" err="1">
+                <a:solidFill>
+                  <a:schemeClr val="bg1"/>
+                </a:solidFill>
+              </a:rPr>
+              <a:t>maxVal</a:t>
+            </a:r>
+            <a:r>
+              <a:rPr lang="en-US" sz="1800" dirty="0">
+                <a:solidFill>
+                  <a:schemeClr val="bg1"/>
+                </a:solidFill>
+              </a:rPr>
+              <a:t>(cur)</a:t>
+            </a:r>
+            <a:br>
+              <a:rPr lang="en-US" sz="1800" dirty="0">
+                <a:solidFill>
+                  <a:schemeClr val="bg1"/>
+                </a:solidFill>
+              </a:rPr>
+            </a:br>
+            <a:r>
+              <a:rPr lang="en-US" sz="1800" dirty="0">
+                <a:solidFill>
+                  <a:schemeClr val="bg1"/>
+                </a:solidFill>
+              </a:rPr>
+              <a:t>While (</a:t>
+            </a:r>
+            <a:r>
+              <a:rPr lang="en-US" sz="1800" dirty="0" err="1">
+                <a:solidFill>
+                  <a:schemeClr val="bg1"/>
+                </a:solidFill>
+              </a:rPr>
+              <a:t>i</a:t>
+            </a:r>
+            <a:r>
+              <a:rPr lang="en-US" sz="1800" dirty="0">
+                <a:solidFill>
+                  <a:schemeClr val="bg1"/>
+                </a:solidFill>
+              </a:rPr>
+              <a:t> &lt; </a:t>
+            </a:r>
+            <a:r>
+              <a:rPr lang="en-US" sz="1800" dirty="0" err="1">
+                <a:solidFill>
+                  <a:schemeClr val="bg1"/>
+                </a:solidFill>
+              </a:rPr>
+              <a:t>numIterations</a:t>
+            </a:r>
+            <a:r>
+              <a:rPr lang="en-US" sz="1800" dirty="0">
+                <a:solidFill>
+                  <a:schemeClr val="bg1"/>
+                </a:solidFill>
+              </a:rPr>
+              <a:t>):</a:t>
+            </a:r>
+            <a:br>
+              <a:rPr lang="en-US" sz="1800" dirty="0">
+                <a:solidFill>
+                  <a:schemeClr val="bg1"/>
+                </a:solidFill>
+              </a:rPr>
+            </a:br>
+            <a:r>
+              <a:rPr lang="en-US" sz="1800" dirty="0">
+                <a:solidFill>
+                  <a:schemeClr val="bg1"/>
+                </a:solidFill>
+              </a:rPr>
+              <a:t>   for each s &lt; 1000:</a:t>
+            </a:r>
+            <a:br>
+              <a:rPr lang="en-US" sz="1800" dirty="0">
+                <a:solidFill>
+                  <a:schemeClr val="bg1"/>
+                </a:solidFill>
+              </a:rPr>
+            </a:br>
+            <a:r>
+              <a:rPr lang="en-US" sz="1800" dirty="0">
+                <a:solidFill>
+                  <a:schemeClr val="bg1"/>
+                </a:solidFill>
+              </a:rPr>
+              <a:t>      cur[s] = </a:t>
+            </a:r>
+            <a:r>
+              <a:rPr lang="en-US" sz="1800" dirty="0" err="1">
+                <a:solidFill>
+                  <a:schemeClr val="bg1"/>
+                </a:solidFill>
+              </a:rPr>
+              <a:t>getNeighbor</a:t>
+            </a:r>
+            <a:r>
+              <a:rPr lang="en-US" sz="1800" dirty="0">
+                <a:solidFill>
+                  <a:schemeClr val="bg1"/>
+                </a:solidFill>
+              </a:rPr>
+              <a:t>(cur[s])</a:t>
+            </a:r>
+            <a:br>
+              <a:rPr lang="en-US" sz="1800" dirty="0">
+                <a:solidFill>
+                  <a:schemeClr val="bg1"/>
+                </a:solidFill>
+              </a:rPr>
+            </a:br>
+            <a:r>
+              <a:rPr lang="en-US" sz="1800" dirty="0">
+                <a:solidFill>
+                  <a:schemeClr val="bg1"/>
+                </a:solidFill>
+              </a:rPr>
+              <a:t>      if(</a:t>
+            </a:r>
+            <a:r>
+              <a:rPr lang="en-US" sz="1800" dirty="0" err="1">
+                <a:solidFill>
+                  <a:schemeClr val="bg1"/>
+                </a:solidFill>
+              </a:rPr>
+              <a:t>bestVal</a:t>
+            </a:r>
+            <a:r>
+              <a:rPr lang="en-US" sz="1800" dirty="0">
+                <a:solidFill>
+                  <a:schemeClr val="bg1"/>
+                </a:solidFill>
+              </a:rPr>
+              <a:t> &lt; v(cur[s])) </a:t>
+            </a:r>
+            <a:r>
+              <a:rPr lang="en-US" sz="1800" dirty="0" err="1">
+                <a:solidFill>
+                  <a:schemeClr val="bg1"/>
+                </a:solidFill>
+              </a:rPr>
+              <a:t>bestVal</a:t>
+            </a:r>
+            <a:r>
+              <a:rPr lang="en-US" sz="1800" dirty="0">
+                <a:solidFill>
+                  <a:schemeClr val="bg1"/>
+                </a:solidFill>
+              </a:rPr>
+              <a:t> = v(cur[s])</a:t>
+            </a:r>
+          </a:p>
+          <a:p>
+            <a:pPr marL="0" indent="0">
+              <a:buNone/>
+            </a:pPr>
+            <a:r>
+              <a:rPr lang="en-US" sz="1800" dirty="0">
+                <a:solidFill>
+                  <a:schemeClr val="bg1"/>
+                </a:solidFill>
+              </a:rPr>
+              <a:t>return </a:t>
+            </a:r>
+            <a:r>
+              <a:rPr lang="en-US" sz="1800" dirty="0" err="1">
+                <a:solidFill>
+                  <a:schemeClr val="bg1"/>
+                </a:solidFill>
+              </a:rPr>
+              <a:t>bestVal</a:t>
+            </a:r>
+            <a:endParaRPr lang="en-US" sz="1800" dirty="0">
+              <a:solidFill>
+                <a:schemeClr val="bg1"/>
+              </a:solidFill>
+            </a:endParaRPr>
+          </a:p>
+        </p:txBody>
+      </p:sp>
     </p:spTree>
     <p:extLst>
       <p:ext uri="{BB962C8B-B14F-4D97-AF65-F5344CB8AC3E}">
@@ -17778,72 +19834,7 @@
             <a:pPr algn="ctr"/>
             <a:r>
               <a:rPr lang="en-US" dirty="0"/>
-              <a:t>Local Search: Greedy Algorithm</a:t>
-            </a:r>
-          </a:p>
-        </p:txBody>
-      </p:sp>
-      <p:sp>
-        <p:nvSpPr>
-          <p:cNvPr id="4" name="Content Placeholder 3"/>
-          <p:cNvSpPr>
-            <a:spLocks noGrp="1"/>
-          </p:cNvSpPr>
-          <p:nvPr>
-            <p:ph sz="half" idx="2"/>
-          </p:nvPr>
-        </p:nvSpPr>
-        <p:spPr>
-          <a:xfrm>
-            <a:off x="6903720" y="1947337"/>
-            <a:ext cx="4875211" cy="3541714"/>
-          </a:xfrm>
-        </p:spPr>
-        <p:txBody>
-          <a:bodyPr>
-            <a:normAutofit fontScale="70000" lnSpcReduction="20000"/>
-          </a:bodyPr>
-          <a:lstStyle/>
-          <a:p>
-            <a:r>
-              <a:rPr lang="en-US" dirty="0"/>
-              <a:t>1. Pick a random point</a:t>
-            </a:r>
-          </a:p>
-          <a:p>
-            <a:endParaRPr lang="en-US" dirty="0"/>
-          </a:p>
-          <a:p>
-            <a:r>
-              <a:rPr lang="en-US" dirty="0"/>
-              <a:t>2. Pick random neighbor</a:t>
-            </a:r>
-          </a:p>
-          <a:p>
-            <a:endParaRPr lang="en-US" dirty="0"/>
-          </a:p>
-          <a:p>
-            <a:r>
-              <a:rPr lang="en-US" dirty="0"/>
-              <a:t>3. Move only if neighbor is better </a:t>
-            </a:r>
-          </a:p>
-          <a:p>
-            <a:endParaRPr lang="en-US" dirty="0"/>
-          </a:p>
-          <a:p>
-            <a:r>
-              <a:rPr lang="en-US" dirty="0"/>
-              <a:t>4. Keep going up until you find the maximum</a:t>
-            </a:r>
-          </a:p>
-          <a:p>
-            <a:endParaRPr lang="en-US" dirty="0"/>
-          </a:p>
-          <a:p>
-            <a:r>
-              <a:rPr lang="en-US" dirty="0"/>
-              <a:t>Issues?</a:t>
+              <a:t>Technique 2: Hill Climbing</a:t>
             </a:r>
           </a:p>
         </p:txBody>
@@ -17878,6 +19869,683 @@
           </a:prstGeom>
         </p:spPr>
       </p:pic>
+      <p:sp>
+        <p:nvSpPr>
+          <p:cNvPr id="6" name="Content Placeholder 3">
+            <a:extLst>
+              <a:ext uri="{FF2B5EF4-FFF2-40B4-BE49-F238E27FC236}">
+                <a16:creationId xmlns:a16="http://schemas.microsoft.com/office/drawing/2014/main" id="{92AC7EA6-3242-7F46-956F-7EDA26D814EA}"/>
+              </a:ext>
+            </a:extLst>
+          </p:cNvPr>
+          <p:cNvSpPr txBox="1">
+            <a:spLocks/>
+          </p:cNvSpPr>
+          <p:nvPr/>
+        </p:nvSpPr>
+        <p:spPr>
+          <a:xfrm>
+            <a:off x="6689035" y="2010946"/>
+            <a:ext cx="4875211" cy="590364"/>
+          </a:xfrm>
+          <a:prstGeom prst="rect">
+            <a:avLst/>
+          </a:prstGeom>
+        </p:spPr>
+        <p:txBody>
+          <a:bodyPr vert="horz" lIns="91440" tIns="45720" rIns="91440" bIns="45720" rtlCol="0">
+            <a:normAutofit fontScale="85000" lnSpcReduction="10000"/>
+          </a:bodyPr>
+          <a:lstStyle>
+            <a:lvl1pPr marL="228600" indent="-228600" algn="l" defTabSz="914400" rtl="0" eaLnBrk="1" latinLnBrk="0" hangingPunct="1">
+              <a:lnSpc>
+                <a:spcPct val="120000"/>
+              </a:lnSpc>
+              <a:spcBef>
+                <a:spcPts val="1000"/>
+              </a:spcBef>
+              <a:buSzPct val="125000"/>
+              <a:buFont typeface="Arial" panose="020B0604020202020204" pitchFamily="34" charset="0"/>
+              <a:buChar char="•"/>
+              <a:defRPr sz="2400" kern="1200">
+                <a:solidFill>
+                  <a:schemeClr val="tx1"/>
+                </a:solidFill>
+                <a:latin typeface="+mn-lt"/>
+                <a:ea typeface="+mn-ea"/>
+                <a:cs typeface="+mn-cs"/>
+              </a:defRPr>
+            </a:lvl1pPr>
+            <a:lvl2pPr marL="685800" indent="-228600" algn="l" defTabSz="914400" rtl="0" eaLnBrk="1" latinLnBrk="0" hangingPunct="1">
+              <a:lnSpc>
+                <a:spcPct val="120000"/>
+              </a:lnSpc>
+              <a:spcBef>
+                <a:spcPts val="500"/>
+              </a:spcBef>
+              <a:buSzPct val="125000"/>
+              <a:buFont typeface="Arial" panose="020B0604020202020204" pitchFamily="34" charset="0"/>
+              <a:buChar char="•"/>
+              <a:defRPr sz="2000" kern="1200">
+                <a:solidFill>
+                  <a:schemeClr val="tx1"/>
+                </a:solidFill>
+                <a:latin typeface="+mn-lt"/>
+                <a:ea typeface="+mn-ea"/>
+                <a:cs typeface="+mn-cs"/>
+              </a:defRPr>
+            </a:lvl2pPr>
+            <a:lvl3pPr marL="1143000" indent="-228600" algn="l" defTabSz="914400" rtl="0" eaLnBrk="1" latinLnBrk="0" hangingPunct="1">
+              <a:lnSpc>
+                <a:spcPct val="120000"/>
+              </a:lnSpc>
+              <a:spcBef>
+                <a:spcPts val="500"/>
+              </a:spcBef>
+              <a:buSzPct val="125000"/>
+              <a:buFont typeface="Arial" panose="020B0604020202020204" pitchFamily="34" charset="0"/>
+              <a:buChar char="•"/>
+              <a:defRPr sz="1800" kern="1200">
+                <a:solidFill>
+                  <a:schemeClr val="tx1"/>
+                </a:solidFill>
+                <a:latin typeface="+mn-lt"/>
+                <a:ea typeface="+mn-ea"/>
+                <a:cs typeface="+mn-cs"/>
+              </a:defRPr>
+            </a:lvl3pPr>
+            <a:lvl4pPr marL="1600200" indent="-228600" algn="l" defTabSz="914400" rtl="0" eaLnBrk="1" latinLnBrk="0" hangingPunct="1">
+              <a:lnSpc>
+                <a:spcPct val="120000"/>
+              </a:lnSpc>
+              <a:spcBef>
+                <a:spcPts val="500"/>
+              </a:spcBef>
+              <a:buSzPct val="125000"/>
+              <a:buFont typeface="Arial" panose="020B0604020202020204" pitchFamily="34" charset="0"/>
+              <a:buChar char="•"/>
+              <a:defRPr sz="1600" kern="1200">
+                <a:solidFill>
+                  <a:schemeClr val="tx1"/>
+                </a:solidFill>
+                <a:latin typeface="+mn-lt"/>
+                <a:ea typeface="+mn-ea"/>
+                <a:cs typeface="+mn-cs"/>
+              </a:defRPr>
+            </a:lvl4pPr>
+            <a:lvl5pPr marL="2057400" indent="-228600" algn="l" defTabSz="914400" rtl="0" eaLnBrk="1" latinLnBrk="0" hangingPunct="1">
+              <a:lnSpc>
+                <a:spcPct val="120000"/>
+              </a:lnSpc>
+              <a:spcBef>
+                <a:spcPts val="500"/>
+              </a:spcBef>
+              <a:buSzPct val="125000"/>
+              <a:buFont typeface="Arial" panose="020B0604020202020204" pitchFamily="34" charset="0"/>
+              <a:buChar char="•"/>
+              <a:defRPr sz="1600" kern="1200">
+                <a:solidFill>
+                  <a:schemeClr val="tx1"/>
+                </a:solidFill>
+                <a:latin typeface="+mn-lt"/>
+                <a:ea typeface="+mn-ea"/>
+                <a:cs typeface="+mn-cs"/>
+              </a:defRPr>
+            </a:lvl5pPr>
+            <a:lvl6pPr marL="2514600" indent="-228600" algn="l" defTabSz="914400" rtl="0" eaLnBrk="1" latinLnBrk="0" hangingPunct="1">
+              <a:lnSpc>
+                <a:spcPct val="120000"/>
+              </a:lnSpc>
+              <a:spcBef>
+                <a:spcPts val="500"/>
+              </a:spcBef>
+              <a:buSzPct val="125000"/>
+              <a:buFont typeface="Arial" panose="020B0604020202020204" pitchFamily="34" charset="0"/>
+              <a:buChar char="•"/>
+              <a:defRPr sz="1400" kern="1200">
+                <a:solidFill>
+                  <a:schemeClr val="tx1"/>
+                </a:solidFill>
+                <a:latin typeface="+mn-lt"/>
+                <a:ea typeface="+mn-ea"/>
+                <a:cs typeface="+mn-cs"/>
+              </a:defRPr>
+            </a:lvl6pPr>
+            <a:lvl7pPr marL="2971800" indent="-228600" algn="l" defTabSz="914400" rtl="0" eaLnBrk="1" latinLnBrk="0" hangingPunct="1">
+              <a:lnSpc>
+                <a:spcPct val="120000"/>
+              </a:lnSpc>
+              <a:spcBef>
+                <a:spcPts val="500"/>
+              </a:spcBef>
+              <a:buSzPct val="125000"/>
+              <a:buFont typeface="Arial" panose="020B0604020202020204" pitchFamily="34" charset="0"/>
+              <a:buChar char="•"/>
+              <a:defRPr sz="1400" kern="1200">
+                <a:solidFill>
+                  <a:schemeClr val="tx1"/>
+                </a:solidFill>
+                <a:latin typeface="+mn-lt"/>
+                <a:ea typeface="+mn-ea"/>
+                <a:cs typeface="+mn-cs"/>
+              </a:defRPr>
+            </a:lvl7pPr>
+            <a:lvl8pPr marL="3429000" indent="-228600" algn="l" defTabSz="914400" rtl="0" eaLnBrk="1" latinLnBrk="0" hangingPunct="1">
+              <a:lnSpc>
+                <a:spcPct val="120000"/>
+              </a:lnSpc>
+              <a:spcBef>
+                <a:spcPts val="500"/>
+              </a:spcBef>
+              <a:buSzPct val="125000"/>
+              <a:buFont typeface="Arial" panose="020B0604020202020204" pitchFamily="34" charset="0"/>
+              <a:buChar char="•"/>
+              <a:defRPr sz="1400" kern="1200">
+                <a:solidFill>
+                  <a:schemeClr val="tx1"/>
+                </a:solidFill>
+                <a:latin typeface="+mn-lt"/>
+                <a:ea typeface="+mn-ea"/>
+                <a:cs typeface="+mn-cs"/>
+              </a:defRPr>
+            </a:lvl8pPr>
+            <a:lvl9pPr marL="3886200" indent="-228600" algn="l" defTabSz="914400" rtl="0" eaLnBrk="1" latinLnBrk="0" hangingPunct="1">
+              <a:lnSpc>
+                <a:spcPct val="120000"/>
+              </a:lnSpc>
+              <a:spcBef>
+                <a:spcPts val="500"/>
+              </a:spcBef>
+              <a:buSzPct val="125000"/>
+              <a:buFont typeface="Arial" panose="020B0604020202020204" pitchFamily="34" charset="0"/>
+              <a:buChar char="•"/>
+              <a:defRPr sz="1400" kern="1200">
+                <a:solidFill>
+                  <a:schemeClr val="tx1"/>
+                </a:solidFill>
+                <a:latin typeface="+mn-lt"/>
+                <a:ea typeface="+mn-ea"/>
+                <a:cs typeface="+mn-cs"/>
+              </a:defRPr>
+            </a:lvl9pPr>
+          </a:lstStyle>
+          <a:p>
+            <a:pPr marL="0" indent="0">
+              <a:buFont typeface="Arial" panose="020B0604020202020204" pitchFamily="34" charset="0"/>
+              <a:buNone/>
+            </a:pPr>
+            <a:r>
+              <a:rPr lang="en-US" sz="1800" b="1" i="1" u="sng" dirty="0"/>
+              <a:t>IDEA</a:t>
+            </a:r>
+            <a:r>
+              <a:rPr lang="en-US" sz="1800" dirty="0"/>
+              <a:t>: Only go to next state if it is better than current (variant with multiple points works too)</a:t>
+            </a:r>
+          </a:p>
+        </p:txBody>
+      </p:sp>
+      <p:sp>
+        <p:nvSpPr>
+          <p:cNvPr id="7" name="Content Placeholder 3">
+            <a:extLst>
+              <a:ext uri="{FF2B5EF4-FFF2-40B4-BE49-F238E27FC236}">
+                <a16:creationId xmlns:a16="http://schemas.microsoft.com/office/drawing/2014/main" id="{012A12ED-0683-1149-9A13-044187E1EEC9}"/>
+              </a:ext>
+            </a:extLst>
+          </p:cNvPr>
+          <p:cNvSpPr txBox="1">
+            <a:spLocks/>
+          </p:cNvSpPr>
+          <p:nvPr/>
+        </p:nvSpPr>
+        <p:spPr>
+          <a:xfrm>
+            <a:off x="6689034" y="2825496"/>
+            <a:ext cx="4875211" cy="2708201"/>
+          </a:xfrm>
+          <a:prstGeom prst="rect">
+            <a:avLst/>
+          </a:prstGeom>
+          <a:solidFill>
+            <a:schemeClr val="tx1">
+              <a:lumMod val="95000"/>
+            </a:schemeClr>
+          </a:solidFill>
+          <a:ln>
+            <a:solidFill>
+              <a:schemeClr val="bg1"/>
+            </a:solidFill>
+          </a:ln>
+        </p:spPr>
+        <p:txBody>
+          <a:bodyPr vert="horz" lIns="91440" tIns="45720" rIns="91440" bIns="45720" rtlCol="0">
+            <a:normAutofit lnSpcReduction="10000"/>
+          </a:bodyPr>
+          <a:lstStyle>
+            <a:lvl1pPr marL="228600" indent="-228600" algn="l" defTabSz="914400" rtl="0" eaLnBrk="1" latinLnBrk="0" hangingPunct="1">
+              <a:lnSpc>
+                <a:spcPct val="120000"/>
+              </a:lnSpc>
+              <a:spcBef>
+                <a:spcPts val="1000"/>
+              </a:spcBef>
+              <a:buSzPct val="125000"/>
+              <a:buFont typeface="Arial" panose="020B0604020202020204" pitchFamily="34" charset="0"/>
+              <a:buChar char="•"/>
+              <a:defRPr sz="2400" kern="1200">
+                <a:solidFill>
+                  <a:schemeClr val="tx1"/>
+                </a:solidFill>
+                <a:latin typeface="+mn-lt"/>
+                <a:ea typeface="+mn-ea"/>
+                <a:cs typeface="+mn-cs"/>
+              </a:defRPr>
+            </a:lvl1pPr>
+            <a:lvl2pPr marL="685800" indent="-228600" algn="l" defTabSz="914400" rtl="0" eaLnBrk="1" latinLnBrk="0" hangingPunct="1">
+              <a:lnSpc>
+                <a:spcPct val="120000"/>
+              </a:lnSpc>
+              <a:spcBef>
+                <a:spcPts val="500"/>
+              </a:spcBef>
+              <a:buSzPct val="125000"/>
+              <a:buFont typeface="Arial" panose="020B0604020202020204" pitchFamily="34" charset="0"/>
+              <a:buChar char="•"/>
+              <a:defRPr sz="2000" kern="1200">
+                <a:solidFill>
+                  <a:schemeClr val="tx1"/>
+                </a:solidFill>
+                <a:latin typeface="+mn-lt"/>
+                <a:ea typeface="+mn-ea"/>
+                <a:cs typeface="+mn-cs"/>
+              </a:defRPr>
+            </a:lvl2pPr>
+            <a:lvl3pPr marL="1143000" indent="-228600" algn="l" defTabSz="914400" rtl="0" eaLnBrk="1" latinLnBrk="0" hangingPunct="1">
+              <a:lnSpc>
+                <a:spcPct val="120000"/>
+              </a:lnSpc>
+              <a:spcBef>
+                <a:spcPts val="500"/>
+              </a:spcBef>
+              <a:buSzPct val="125000"/>
+              <a:buFont typeface="Arial" panose="020B0604020202020204" pitchFamily="34" charset="0"/>
+              <a:buChar char="•"/>
+              <a:defRPr sz="1800" kern="1200">
+                <a:solidFill>
+                  <a:schemeClr val="tx1"/>
+                </a:solidFill>
+                <a:latin typeface="+mn-lt"/>
+                <a:ea typeface="+mn-ea"/>
+                <a:cs typeface="+mn-cs"/>
+              </a:defRPr>
+            </a:lvl3pPr>
+            <a:lvl4pPr marL="1600200" indent="-228600" algn="l" defTabSz="914400" rtl="0" eaLnBrk="1" latinLnBrk="0" hangingPunct="1">
+              <a:lnSpc>
+                <a:spcPct val="120000"/>
+              </a:lnSpc>
+              <a:spcBef>
+                <a:spcPts val="500"/>
+              </a:spcBef>
+              <a:buSzPct val="125000"/>
+              <a:buFont typeface="Arial" panose="020B0604020202020204" pitchFamily="34" charset="0"/>
+              <a:buChar char="•"/>
+              <a:defRPr sz="1600" kern="1200">
+                <a:solidFill>
+                  <a:schemeClr val="tx1"/>
+                </a:solidFill>
+                <a:latin typeface="+mn-lt"/>
+                <a:ea typeface="+mn-ea"/>
+                <a:cs typeface="+mn-cs"/>
+              </a:defRPr>
+            </a:lvl4pPr>
+            <a:lvl5pPr marL="2057400" indent="-228600" algn="l" defTabSz="914400" rtl="0" eaLnBrk="1" latinLnBrk="0" hangingPunct="1">
+              <a:lnSpc>
+                <a:spcPct val="120000"/>
+              </a:lnSpc>
+              <a:spcBef>
+                <a:spcPts val="500"/>
+              </a:spcBef>
+              <a:buSzPct val="125000"/>
+              <a:buFont typeface="Arial" panose="020B0604020202020204" pitchFamily="34" charset="0"/>
+              <a:buChar char="•"/>
+              <a:defRPr sz="1600" kern="1200">
+                <a:solidFill>
+                  <a:schemeClr val="tx1"/>
+                </a:solidFill>
+                <a:latin typeface="+mn-lt"/>
+                <a:ea typeface="+mn-ea"/>
+                <a:cs typeface="+mn-cs"/>
+              </a:defRPr>
+            </a:lvl5pPr>
+            <a:lvl6pPr marL="2514600" indent="-228600" algn="l" defTabSz="914400" rtl="0" eaLnBrk="1" latinLnBrk="0" hangingPunct="1">
+              <a:lnSpc>
+                <a:spcPct val="120000"/>
+              </a:lnSpc>
+              <a:spcBef>
+                <a:spcPts val="500"/>
+              </a:spcBef>
+              <a:buSzPct val="125000"/>
+              <a:buFont typeface="Arial" panose="020B0604020202020204" pitchFamily="34" charset="0"/>
+              <a:buChar char="•"/>
+              <a:defRPr sz="1400" kern="1200">
+                <a:solidFill>
+                  <a:schemeClr val="tx1"/>
+                </a:solidFill>
+                <a:latin typeface="+mn-lt"/>
+                <a:ea typeface="+mn-ea"/>
+                <a:cs typeface="+mn-cs"/>
+              </a:defRPr>
+            </a:lvl6pPr>
+            <a:lvl7pPr marL="2971800" indent="-228600" algn="l" defTabSz="914400" rtl="0" eaLnBrk="1" latinLnBrk="0" hangingPunct="1">
+              <a:lnSpc>
+                <a:spcPct val="120000"/>
+              </a:lnSpc>
+              <a:spcBef>
+                <a:spcPts val="500"/>
+              </a:spcBef>
+              <a:buSzPct val="125000"/>
+              <a:buFont typeface="Arial" panose="020B0604020202020204" pitchFamily="34" charset="0"/>
+              <a:buChar char="•"/>
+              <a:defRPr sz="1400" kern="1200">
+                <a:solidFill>
+                  <a:schemeClr val="tx1"/>
+                </a:solidFill>
+                <a:latin typeface="+mn-lt"/>
+                <a:ea typeface="+mn-ea"/>
+                <a:cs typeface="+mn-cs"/>
+              </a:defRPr>
+            </a:lvl7pPr>
+            <a:lvl8pPr marL="3429000" indent="-228600" algn="l" defTabSz="914400" rtl="0" eaLnBrk="1" latinLnBrk="0" hangingPunct="1">
+              <a:lnSpc>
+                <a:spcPct val="120000"/>
+              </a:lnSpc>
+              <a:spcBef>
+                <a:spcPts val="500"/>
+              </a:spcBef>
+              <a:buSzPct val="125000"/>
+              <a:buFont typeface="Arial" panose="020B0604020202020204" pitchFamily="34" charset="0"/>
+              <a:buChar char="•"/>
+              <a:defRPr sz="1400" kern="1200">
+                <a:solidFill>
+                  <a:schemeClr val="tx1"/>
+                </a:solidFill>
+                <a:latin typeface="+mn-lt"/>
+                <a:ea typeface="+mn-ea"/>
+                <a:cs typeface="+mn-cs"/>
+              </a:defRPr>
+            </a:lvl8pPr>
+            <a:lvl9pPr marL="3886200" indent="-228600" algn="l" defTabSz="914400" rtl="0" eaLnBrk="1" latinLnBrk="0" hangingPunct="1">
+              <a:lnSpc>
+                <a:spcPct val="120000"/>
+              </a:lnSpc>
+              <a:spcBef>
+                <a:spcPts val="500"/>
+              </a:spcBef>
+              <a:buSzPct val="125000"/>
+              <a:buFont typeface="Arial" panose="020B0604020202020204" pitchFamily="34" charset="0"/>
+              <a:buChar char="•"/>
+              <a:defRPr sz="1400" kern="1200">
+                <a:solidFill>
+                  <a:schemeClr val="tx1"/>
+                </a:solidFill>
+                <a:latin typeface="+mn-lt"/>
+                <a:ea typeface="+mn-ea"/>
+                <a:cs typeface="+mn-cs"/>
+              </a:defRPr>
+            </a:lvl9pPr>
+          </a:lstStyle>
+          <a:p>
+            <a:pPr marL="0" indent="0">
+              <a:buNone/>
+            </a:pPr>
+            <a:r>
+              <a:rPr lang="en-US" sz="1800" dirty="0">
+                <a:solidFill>
+                  <a:schemeClr val="bg1"/>
+                </a:solidFill>
+              </a:rPr>
+              <a:t>cur[1000] = { </a:t>
+            </a:r>
+            <a:r>
+              <a:rPr lang="en-US" sz="1800" dirty="0" err="1">
+                <a:solidFill>
+                  <a:schemeClr val="bg1"/>
+                </a:solidFill>
+              </a:rPr>
+              <a:t>getRandom</a:t>
+            </a:r>
+            <a:r>
+              <a:rPr lang="en-US" sz="1800" dirty="0">
+                <a:solidFill>
+                  <a:schemeClr val="bg1"/>
+                </a:solidFill>
+              </a:rPr>
+              <a:t>() }</a:t>
+            </a:r>
+            <a:br>
+              <a:rPr lang="en-US" sz="1800" dirty="0">
+                <a:solidFill>
+                  <a:schemeClr val="bg1"/>
+                </a:solidFill>
+              </a:rPr>
+            </a:br>
+            <a:r>
+              <a:rPr lang="en-US" sz="1800" dirty="0" err="1">
+                <a:solidFill>
+                  <a:schemeClr val="bg1"/>
+                </a:solidFill>
+              </a:rPr>
+              <a:t>bestVal</a:t>
+            </a:r>
+            <a:r>
+              <a:rPr lang="en-US" sz="1800" dirty="0">
+                <a:solidFill>
+                  <a:schemeClr val="bg1"/>
+                </a:solidFill>
+              </a:rPr>
+              <a:t> = </a:t>
+            </a:r>
+            <a:r>
+              <a:rPr lang="en-US" sz="1800" dirty="0" err="1">
+                <a:solidFill>
+                  <a:schemeClr val="bg1"/>
+                </a:solidFill>
+              </a:rPr>
+              <a:t>maxVal</a:t>
+            </a:r>
+            <a:r>
+              <a:rPr lang="en-US" sz="1800" dirty="0">
+                <a:solidFill>
+                  <a:schemeClr val="bg1"/>
+                </a:solidFill>
+              </a:rPr>
+              <a:t>(cur)</a:t>
+            </a:r>
+            <a:br>
+              <a:rPr lang="en-US" sz="1800" dirty="0">
+                <a:solidFill>
+                  <a:schemeClr val="bg1"/>
+                </a:solidFill>
+              </a:rPr>
+            </a:br>
+            <a:r>
+              <a:rPr lang="en-US" sz="1800" dirty="0">
+                <a:solidFill>
+                  <a:schemeClr val="bg1"/>
+                </a:solidFill>
+              </a:rPr>
+              <a:t>While (</a:t>
+            </a:r>
+            <a:r>
+              <a:rPr lang="en-US" sz="1800" dirty="0" err="1">
+                <a:solidFill>
+                  <a:schemeClr val="bg1"/>
+                </a:solidFill>
+              </a:rPr>
+              <a:t>i</a:t>
+            </a:r>
+            <a:r>
+              <a:rPr lang="en-US" sz="1800" dirty="0">
+                <a:solidFill>
+                  <a:schemeClr val="bg1"/>
+                </a:solidFill>
+              </a:rPr>
+              <a:t> &lt; </a:t>
+            </a:r>
+            <a:r>
+              <a:rPr lang="en-US" sz="1800" dirty="0" err="1">
+                <a:solidFill>
+                  <a:schemeClr val="bg1"/>
+                </a:solidFill>
+              </a:rPr>
+              <a:t>numIterations</a:t>
+            </a:r>
+            <a:r>
+              <a:rPr lang="en-US" sz="1800" dirty="0">
+                <a:solidFill>
+                  <a:schemeClr val="bg1"/>
+                </a:solidFill>
+              </a:rPr>
+              <a:t>):</a:t>
+            </a:r>
+            <a:br>
+              <a:rPr lang="en-US" sz="1800" dirty="0">
+                <a:solidFill>
+                  <a:schemeClr val="bg1"/>
+                </a:solidFill>
+              </a:rPr>
+            </a:br>
+            <a:r>
+              <a:rPr lang="en-US" sz="1800" dirty="0">
+                <a:solidFill>
+                  <a:schemeClr val="bg1"/>
+                </a:solidFill>
+              </a:rPr>
+              <a:t>   for each s &lt; 1000:</a:t>
+            </a:r>
+            <a:br>
+              <a:rPr lang="en-US" sz="1800" dirty="0">
+                <a:solidFill>
+                  <a:schemeClr val="bg1"/>
+                </a:solidFill>
+              </a:rPr>
+            </a:br>
+            <a:r>
+              <a:rPr lang="en-US" sz="1800" dirty="0">
+                <a:solidFill>
+                  <a:schemeClr val="bg1"/>
+                </a:solidFill>
+              </a:rPr>
+              <a:t>      next = </a:t>
+            </a:r>
+            <a:r>
+              <a:rPr lang="en-US" sz="1800" dirty="0" err="1">
+                <a:solidFill>
+                  <a:schemeClr val="bg1"/>
+                </a:solidFill>
+              </a:rPr>
+              <a:t>getNeighbor</a:t>
+            </a:r>
+            <a:r>
+              <a:rPr lang="en-US" sz="1800" dirty="0">
+                <a:solidFill>
+                  <a:schemeClr val="bg1"/>
+                </a:solidFill>
+              </a:rPr>
+              <a:t>(cur[s])</a:t>
+            </a:r>
+            <a:br>
+              <a:rPr lang="en-US" sz="1800" dirty="0">
+                <a:solidFill>
+                  <a:schemeClr val="bg1"/>
+                </a:solidFill>
+              </a:rPr>
+            </a:br>
+            <a:r>
+              <a:rPr lang="en-US" sz="1800" b="1" dirty="0">
+                <a:solidFill>
+                  <a:schemeClr val="bg1"/>
+                </a:solidFill>
+              </a:rPr>
+              <a:t>      if(v(next) &gt; v(cur[s]) cur[s] = next</a:t>
+            </a:r>
+            <a:br>
+              <a:rPr lang="en-US" sz="1800" dirty="0">
+                <a:solidFill>
+                  <a:schemeClr val="bg1"/>
+                </a:solidFill>
+              </a:rPr>
+            </a:br>
+            <a:r>
+              <a:rPr lang="en-US" sz="1800" dirty="0">
+                <a:solidFill>
+                  <a:schemeClr val="bg1"/>
+                </a:solidFill>
+              </a:rPr>
+              <a:t>      if(</a:t>
+            </a:r>
+            <a:r>
+              <a:rPr lang="en-US" sz="1800" dirty="0" err="1">
+                <a:solidFill>
+                  <a:schemeClr val="bg1"/>
+                </a:solidFill>
+              </a:rPr>
+              <a:t>bestVal</a:t>
+            </a:r>
+            <a:r>
+              <a:rPr lang="en-US" sz="1800" dirty="0">
+                <a:solidFill>
+                  <a:schemeClr val="bg1"/>
+                </a:solidFill>
+              </a:rPr>
+              <a:t> &lt; v(cur[s])) </a:t>
+            </a:r>
+            <a:r>
+              <a:rPr lang="en-US" sz="1800" dirty="0" err="1">
+                <a:solidFill>
+                  <a:schemeClr val="bg1"/>
+                </a:solidFill>
+              </a:rPr>
+              <a:t>bestVal</a:t>
+            </a:r>
+            <a:r>
+              <a:rPr lang="en-US" sz="1800" dirty="0">
+                <a:solidFill>
+                  <a:schemeClr val="bg1"/>
+                </a:solidFill>
+              </a:rPr>
+              <a:t> = v(cur[s])</a:t>
+            </a:r>
+          </a:p>
+          <a:p>
+            <a:pPr marL="0" indent="0">
+              <a:buNone/>
+            </a:pPr>
+            <a:r>
+              <a:rPr lang="en-US" sz="1800" dirty="0">
+                <a:solidFill>
+                  <a:schemeClr val="bg1"/>
+                </a:solidFill>
+              </a:rPr>
+              <a:t>return </a:t>
+            </a:r>
+            <a:r>
+              <a:rPr lang="en-US" sz="1800" dirty="0" err="1">
+                <a:solidFill>
+                  <a:schemeClr val="bg1"/>
+                </a:solidFill>
+              </a:rPr>
+              <a:t>bestVal</a:t>
+            </a:r>
+            <a:endParaRPr lang="en-US" sz="1800" dirty="0">
+              <a:solidFill>
+                <a:schemeClr val="bg1"/>
+              </a:solidFill>
+            </a:endParaRPr>
+          </a:p>
+        </p:txBody>
+      </p:sp>
     </p:spTree>
     <p:extLst>
       <p:ext uri="{BB962C8B-B14F-4D97-AF65-F5344CB8AC3E}">

--- a/slides/Approx-02-SimulatedAnnealing.pptx
+++ b/slides/Approx-02-SimulatedAnnealing.pptx
@@ -5,7 +5,7 @@
     <p:sldMasterId id="2147484006" r:id="rId1"/>
   </p:sldMasterIdLst>
   <p:notesMasterIdLst>
-    <p:notesMasterId r:id="rId32"/>
+    <p:notesMasterId r:id="rId30"/>
   </p:notesMasterIdLst>
   <p:sldIdLst>
     <p:sldId id="256" r:id="rId2"/>
@@ -26,18 +26,16 @@
     <p:sldId id="486" r:id="rId17"/>
     <p:sldId id="543" r:id="rId18"/>
     <p:sldId id="532" r:id="rId19"/>
-    <p:sldId id="533" r:id="rId20"/>
-    <p:sldId id="544" r:id="rId21"/>
-    <p:sldId id="534" r:id="rId22"/>
-    <p:sldId id="545" r:id="rId23"/>
-    <p:sldId id="487" r:id="rId24"/>
-    <p:sldId id="488" r:id="rId25"/>
-    <p:sldId id="489" r:id="rId26"/>
-    <p:sldId id="535" r:id="rId27"/>
-    <p:sldId id="536" r:id="rId28"/>
-    <p:sldId id="537" r:id="rId29"/>
-    <p:sldId id="357" r:id="rId30"/>
-    <p:sldId id="333" r:id="rId31"/>
+    <p:sldId id="544" r:id="rId20"/>
+    <p:sldId id="545" r:id="rId21"/>
+    <p:sldId id="487" r:id="rId22"/>
+    <p:sldId id="488" r:id="rId23"/>
+    <p:sldId id="489" r:id="rId24"/>
+    <p:sldId id="535" r:id="rId25"/>
+    <p:sldId id="536" r:id="rId26"/>
+    <p:sldId id="537" r:id="rId27"/>
+    <p:sldId id="357" r:id="rId28"/>
+    <p:sldId id="333" r:id="rId29"/>
   </p:sldIdLst>
   <p:sldSz cx="12192000" cy="6858000"/>
   <p:notesSz cx="6858000" cy="9144000"/>
@@ -226,7 +224,7 @@
           <a:p>
             <a:fld id="{C5B45307-6ED4-B142-BD64-10F739779302}" type="datetimeFigureOut">
               <a:rPr lang="en-US" smtClean="0"/>
-              <a:t>3/31/25</a:t>
+              <a:t>4/2/25</a:t>
             </a:fld>
             <a:endParaRPr lang="en-US"/>
           </a:p>
@@ -634,7 +632,7 @@
           <a:noFill/>
           <a:extLst>
             <a:ext uri="{909E8E84-426E-40dd-AFC4-6F175D3DCCD1}">
-              <a14:hiddenFill xmlns:a14="http://schemas.microsoft.com/office/drawing/2010/main" xmlns="">
+              <a14:hiddenFill xmlns="" xmlns:a14="http://schemas.microsoft.com/office/drawing/2010/main">
                 <a:solidFill>
                   <a:srgbClr val="FFFFFF"/>
                 </a:solidFill>
@@ -693,7 +691,7 @@
             </a:ln>
             <a:extLst>
               <a:ext uri="{91240B29-F687-4f45-9708-019B960494DF}">
-                <a14:hiddenLine xmlns:a14="http://schemas.microsoft.com/office/drawing/2010/main" xmlns="" w="9525">
+                <a14:hiddenLine xmlns="" xmlns:a14="http://schemas.microsoft.com/office/drawing/2010/main" w="9525">
                   <a:solidFill>
                     <a:srgbClr val="000000"/>
                   </a:solidFill>
@@ -783,7 +781,7 @@
             </a:ln>
             <a:extLst>
               <a:ext uri="{91240B29-F687-4f45-9708-019B960494DF}">
-                <a14:hiddenLine xmlns:a14="http://schemas.microsoft.com/office/drawing/2010/main" xmlns="" w="9525">
+                <a14:hiddenLine xmlns="" xmlns:a14="http://schemas.microsoft.com/office/drawing/2010/main" w="9525">
                   <a:solidFill>
                     <a:srgbClr val="000000"/>
                   </a:solidFill>
@@ -873,7 +871,7 @@
             </a:ln>
             <a:extLst>
               <a:ext uri="{91240B29-F687-4f45-9708-019B960494DF}">
-                <a14:hiddenLine xmlns:a14="http://schemas.microsoft.com/office/drawing/2010/main" xmlns="" w="9525">
+                <a14:hiddenLine xmlns="" xmlns:a14="http://schemas.microsoft.com/office/drawing/2010/main" w="9525">
                   <a:solidFill>
                     <a:srgbClr val="000000"/>
                   </a:solidFill>
@@ -907,7 +905,7 @@
             </a:ln>
             <a:extLst>
               <a:ext uri="{91240B29-F687-4f45-9708-019B960494DF}">
-                <a14:hiddenLine xmlns:a14="http://schemas.microsoft.com/office/drawing/2010/main" xmlns="" w="9525">
+                <a14:hiddenLine xmlns="" xmlns:a14="http://schemas.microsoft.com/office/drawing/2010/main" w="9525">
                   <a:solidFill>
                     <a:srgbClr val="000000"/>
                   </a:solidFill>
@@ -997,7 +995,7 @@
             </a:ln>
             <a:extLst>
               <a:ext uri="{91240B29-F687-4f45-9708-019B960494DF}">
-                <a14:hiddenLine xmlns:a14="http://schemas.microsoft.com/office/drawing/2010/main" xmlns="" w="9525">
+                <a14:hiddenLine xmlns="" xmlns:a14="http://schemas.microsoft.com/office/drawing/2010/main" w="9525">
                   <a:solidFill>
                     <a:srgbClr val="000000"/>
                   </a:solidFill>
@@ -1059,7 +1057,7 @@
             </a:ln>
             <a:extLst>
               <a:ext uri="{91240B29-F687-4f45-9708-019B960494DF}">
-                <a14:hiddenLine xmlns:a14="http://schemas.microsoft.com/office/drawing/2010/main" xmlns="" w="9525">
+                <a14:hiddenLine xmlns="" xmlns:a14="http://schemas.microsoft.com/office/drawing/2010/main" w="9525">
                   <a:solidFill>
                     <a:srgbClr val="000000"/>
                   </a:solidFill>
@@ -1121,7 +1119,7 @@
             </a:ln>
             <a:extLst>
               <a:ext uri="{91240B29-F687-4f45-9708-019B960494DF}">
-                <a14:hiddenLine xmlns:a14="http://schemas.microsoft.com/office/drawing/2010/main" xmlns="" w="9525">
+                <a14:hiddenLine xmlns="" xmlns:a14="http://schemas.microsoft.com/office/drawing/2010/main" w="9525">
                   <a:solidFill>
                     <a:srgbClr val="000000"/>
                   </a:solidFill>
@@ -1211,7 +1209,7 @@
             </a:ln>
             <a:extLst>
               <a:ext uri="{91240B29-F687-4f45-9708-019B960494DF}">
-                <a14:hiddenLine xmlns:a14="http://schemas.microsoft.com/office/drawing/2010/main" xmlns="" w="9525">
+                <a14:hiddenLine xmlns="" xmlns:a14="http://schemas.microsoft.com/office/drawing/2010/main" w="9525">
                   <a:solidFill>
                     <a:srgbClr val="000000"/>
                   </a:solidFill>
@@ -1273,7 +1271,7 @@
             </a:ln>
             <a:extLst>
               <a:ext uri="{91240B29-F687-4f45-9708-019B960494DF}">
-                <a14:hiddenLine xmlns:a14="http://schemas.microsoft.com/office/drawing/2010/main" xmlns="" w="9525">
+                <a14:hiddenLine xmlns="" xmlns:a14="http://schemas.microsoft.com/office/drawing/2010/main" w="9525">
                   <a:solidFill>
                     <a:srgbClr val="000000"/>
                   </a:solidFill>
@@ -1335,7 +1333,7 @@
             </a:ln>
             <a:extLst>
               <a:ext uri="{91240B29-F687-4f45-9708-019B960494DF}">
-                <a14:hiddenLine xmlns:a14="http://schemas.microsoft.com/office/drawing/2010/main" xmlns="" w="9525">
+                <a14:hiddenLine xmlns="" xmlns:a14="http://schemas.microsoft.com/office/drawing/2010/main" w="9525">
                   <a:solidFill>
                     <a:srgbClr val="000000"/>
                   </a:solidFill>
@@ -1425,7 +1423,7 @@
             </a:ln>
             <a:extLst>
               <a:ext uri="{91240B29-F687-4f45-9708-019B960494DF}">
-                <a14:hiddenLine xmlns:a14="http://schemas.microsoft.com/office/drawing/2010/main" xmlns="" w="9525">
+                <a14:hiddenLine xmlns="" xmlns:a14="http://schemas.microsoft.com/office/drawing/2010/main" w="9525">
                   <a:solidFill>
                     <a:srgbClr val="000000"/>
                   </a:solidFill>
@@ -1515,7 +1513,7 @@
             </a:ln>
             <a:extLst>
               <a:ext uri="{91240B29-F687-4f45-9708-019B960494DF}">
-                <a14:hiddenLine xmlns:a14="http://schemas.microsoft.com/office/drawing/2010/main" xmlns="" w="9525">
+                <a14:hiddenLine xmlns="" xmlns:a14="http://schemas.microsoft.com/office/drawing/2010/main" w="9525">
                   <a:solidFill>
                     <a:srgbClr val="000000"/>
                   </a:solidFill>
@@ -1577,7 +1575,7 @@
             </a:ln>
             <a:extLst>
               <a:ext uri="{91240B29-F687-4f45-9708-019B960494DF}">
-                <a14:hiddenLine xmlns:a14="http://schemas.microsoft.com/office/drawing/2010/main" xmlns="" w="9525">
+                <a14:hiddenLine xmlns="" xmlns:a14="http://schemas.microsoft.com/office/drawing/2010/main" w="9525">
                   <a:solidFill>
                     <a:srgbClr val="000000"/>
                   </a:solidFill>
@@ -1687,7 +1685,7 @@
             </a:ln>
             <a:extLst>
               <a:ext uri="{91240B29-F687-4f45-9708-019B960494DF}">
-                <a14:hiddenLine xmlns:a14="http://schemas.microsoft.com/office/drawing/2010/main" xmlns="" w="9525">
+                <a14:hiddenLine xmlns="" xmlns:a14="http://schemas.microsoft.com/office/drawing/2010/main" w="9525">
                   <a:solidFill>
                     <a:srgbClr val="000000"/>
                   </a:solidFill>
@@ -1749,7 +1747,7 @@
             </a:ln>
             <a:extLst>
               <a:ext uri="{91240B29-F687-4f45-9708-019B960494DF}">
-                <a14:hiddenLine xmlns:a14="http://schemas.microsoft.com/office/drawing/2010/main" xmlns="" w="9525">
+                <a14:hiddenLine xmlns="" xmlns:a14="http://schemas.microsoft.com/office/drawing/2010/main" w="9525">
                   <a:solidFill>
                     <a:srgbClr val="000000"/>
                   </a:solidFill>
@@ -1839,7 +1837,7 @@
             </a:ln>
             <a:extLst>
               <a:ext uri="{91240B29-F687-4f45-9708-019B960494DF}">
-                <a14:hiddenLine xmlns:a14="http://schemas.microsoft.com/office/drawing/2010/main" xmlns="" w="9525">
+                <a14:hiddenLine xmlns="" xmlns:a14="http://schemas.microsoft.com/office/drawing/2010/main" w="9525">
                   <a:solidFill>
                     <a:srgbClr val="000000"/>
                   </a:solidFill>
@@ -1929,7 +1927,7 @@
             </a:ln>
             <a:extLst>
               <a:ext uri="{91240B29-F687-4f45-9708-019B960494DF}">
-                <a14:hiddenLine xmlns:a14="http://schemas.microsoft.com/office/drawing/2010/main" xmlns="" w="9525">
+                <a14:hiddenLine xmlns="" xmlns:a14="http://schemas.microsoft.com/office/drawing/2010/main" w="9525">
                   <a:solidFill>
                     <a:srgbClr val="000000"/>
                   </a:solidFill>
@@ -1991,7 +1989,7 @@
             </a:ln>
             <a:extLst>
               <a:ext uri="{91240B29-F687-4f45-9708-019B960494DF}">
-                <a14:hiddenLine xmlns:a14="http://schemas.microsoft.com/office/drawing/2010/main" xmlns="" w="9525">
+                <a14:hiddenLine xmlns="" xmlns:a14="http://schemas.microsoft.com/office/drawing/2010/main" w="9525">
                   <a:solidFill>
                     <a:srgbClr val="000000"/>
                   </a:solidFill>
@@ -2081,7 +2079,7 @@
             </a:ln>
             <a:extLst>
               <a:ext uri="{91240B29-F687-4f45-9708-019B960494DF}">
-                <a14:hiddenLine xmlns:a14="http://schemas.microsoft.com/office/drawing/2010/main" xmlns="" w="9525">
+                <a14:hiddenLine xmlns="" xmlns:a14="http://schemas.microsoft.com/office/drawing/2010/main" w="9525">
                   <a:solidFill>
                     <a:srgbClr val="000000"/>
                   </a:solidFill>
@@ -2171,7 +2169,7 @@
             </a:ln>
             <a:extLst>
               <a:ext uri="{91240B29-F687-4f45-9708-019B960494DF}">
-                <a14:hiddenLine xmlns:a14="http://schemas.microsoft.com/office/drawing/2010/main" xmlns="" w="9525">
+                <a14:hiddenLine xmlns="" xmlns:a14="http://schemas.microsoft.com/office/drawing/2010/main" w="9525">
                   <a:solidFill>
                     <a:srgbClr val="000000"/>
                   </a:solidFill>
@@ -2227,7 +2225,7 @@
             </a:ln>
             <a:extLst>
               <a:ext uri="{91240B29-F687-4f45-9708-019B960494DF}">
-                <a14:hiddenLine xmlns:a14="http://schemas.microsoft.com/office/drawing/2010/main" xmlns="" w="9525">
+                <a14:hiddenLine xmlns="" xmlns:a14="http://schemas.microsoft.com/office/drawing/2010/main" w="9525">
                   <a:solidFill>
                     <a:srgbClr val="000000"/>
                   </a:solidFill>
@@ -2317,7 +2315,7 @@
             </a:ln>
             <a:extLst>
               <a:ext uri="{91240B29-F687-4f45-9708-019B960494DF}">
-                <a14:hiddenLine xmlns:a14="http://schemas.microsoft.com/office/drawing/2010/main" xmlns="" w="9525">
+                <a14:hiddenLine xmlns="" xmlns:a14="http://schemas.microsoft.com/office/drawing/2010/main" w="9525">
                   <a:solidFill>
                     <a:srgbClr val="000000"/>
                   </a:solidFill>
@@ -2373,7 +2371,7 @@
             </a:ln>
             <a:extLst>
               <a:ext uri="{91240B29-F687-4f45-9708-019B960494DF}">
-                <a14:hiddenLine xmlns:a14="http://schemas.microsoft.com/office/drawing/2010/main" xmlns="" w="9525">
+                <a14:hiddenLine xmlns="" xmlns:a14="http://schemas.microsoft.com/office/drawing/2010/main" w="9525">
                   <a:solidFill>
                     <a:srgbClr val="000000"/>
                   </a:solidFill>
@@ -2463,7 +2461,7 @@
             </a:ln>
             <a:extLst>
               <a:ext uri="{91240B29-F687-4f45-9708-019B960494DF}">
-                <a14:hiddenLine xmlns:a14="http://schemas.microsoft.com/office/drawing/2010/main" xmlns="" w="9525">
+                <a14:hiddenLine xmlns="" xmlns:a14="http://schemas.microsoft.com/office/drawing/2010/main" w="9525">
                   <a:solidFill>
                     <a:srgbClr val="000000"/>
                   </a:solidFill>
@@ -2531,7 +2529,7 @@
             </a:ln>
             <a:extLst>
               <a:ext uri="{91240B29-F687-4f45-9708-019B960494DF}">
-                <a14:hiddenLine xmlns:a14="http://schemas.microsoft.com/office/drawing/2010/main" xmlns="" w="9525">
+                <a14:hiddenLine xmlns="" xmlns:a14="http://schemas.microsoft.com/office/drawing/2010/main" w="9525">
                   <a:solidFill>
                     <a:srgbClr val="000000"/>
                   </a:solidFill>
@@ -2621,7 +2619,7 @@
             </a:ln>
             <a:extLst>
               <a:ext uri="{91240B29-F687-4f45-9708-019B960494DF}">
-                <a14:hiddenLine xmlns:a14="http://schemas.microsoft.com/office/drawing/2010/main" xmlns="" w="9525">
+                <a14:hiddenLine xmlns="" xmlns:a14="http://schemas.microsoft.com/office/drawing/2010/main" w="9525">
                   <a:solidFill>
                     <a:srgbClr val="000000"/>
                   </a:solidFill>
@@ -2689,7 +2687,7 @@
             </a:ln>
             <a:extLst>
               <a:ext uri="{91240B29-F687-4f45-9708-019B960494DF}">
-                <a14:hiddenLine xmlns:a14="http://schemas.microsoft.com/office/drawing/2010/main" xmlns="" w="9525">
+                <a14:hiddenLine xmlns="" xmlns:a14="http://schemas.microsoft.com/office/drawing/2010/main" w="9525">
                   <a:solidFill>
                     <a:srgbClr val="000000"/>
                   </a:solidFill>
@@ -2779,7 +2777,7 @@
             </a:ln>
             <a:extLst>
               <a:ext uri="{91240B29-F687-4f45-9708-019B960494DF}">
-                <a14:hiddenLine xmlns:a14="http://schemas.microsoft.com/office/drawing/2010/main" xmlns="" w="9525">
+                <a14:hiddenLine xmlns="" xmlns:a14="http://schemas.microsoft.com/office/drawing/2010/main" w="9525">
                   <a:solidFill>
                     <a:srgbClr val="000000"/>
                   </a:solidFill>
@@ -2813,7 +2811,7 @@
             </a:ln>
             <a:extLst>
               <a:ext uri="{91240B29-F687-4f45-9708-019B960494DF}">
-                <a14:hiddenLine xmlns:a14="http://schemas.microsoft.com/office/drawing/2010/main" xmlns="" w="9525">
+                <a14:hiddenLine xmlns="" xmlns:a14="http://schemas.microsoft.com/office/drawing/2010/main" w="9525">
                   <a:solidFill>
                     <a:srgbClr val="000000"/>
                   </a:solidFill>
@@ -2903,7 +2901,7 @@
             </a:ln>
             <a:extLst>
               <a:ext uri="{91240B29-F687-4f45-9708-019B960494DF}">
-                <a14:hiddenLine xmlns:a14="http://schemas.microsoft.com/office/drawing/2010/main" xmlns="" w="9525">
+                <a14:hiddenLine xmlns="" xmlns:a14="http://schemas.microsoft.com/office/drawing/2010/main" w="9525">
                   <a:solidFill>
                     <a:srgbClr val="000000"/>
                   </a:solidFill>
@@ -2965,7 +2963,7 @@
             </a:ln>
             <a:extLst>
               <a:ext uri="{91240B29-F687-4f45-9708-019B960494DF}">
-                <a14:hiddenLine xmlns:a14="http://schemas.microsoft.com/office/drawing/2010/main" xmlns="" w="9525">
+                <a14:hiddenLine xmlns="" xmlns:a14="http://schemas.microsoft.com/office/drawing/2010/main" w="9525">
                   <a:solidFill>
                     <a:srgbClr val="000000"/>
                   </a:solidFill>
@@ -3027,7 +3025,7 @@
             </a:ln>
             <a:extLst>
               <a:ext uri="{91240B29-F687-4f45-9708-019B960494DF}">
-                <a14:hiddenLine xmlns:a14="http://schemas.microsoft.com/office/drawing/2010/main" xmlns="" w="9525">
+                <a14:hiddenLine xmlns="" xmlns:a14="http://schemas.microsoft.com/office/drawing/2010/main" w="9525">
                   <a:solidFill>
                     <a:srgbClr val="000000"/>
                   </a:solidFill>
@@ -3117,7 +3115,7 @@
             </a:ln>
             <a:extLst>
               <a:ext uri="{91240B29-F687-4f45-9708-019B960494DF}">
-                <a14:hiddenLine xmlns:a14="http://schemas.microsoft.com/office/drawing/2010/main" xmlns="" w="9525">
+                <a14:hiddenLine xmlns="" xmlns:a14="http://schemas.microsoft.com/office/drawing/2010/main" w="9525">
                   <a:solidFill>
                     <a:srgbClr val="000000"/>
                   </a:solidFill>
@@ -3185,7 +3183,7 @@
             </a:ln>
             <a:extLst>
               <a:ext uri="{91240B29-F687-4f45-9708-019B960494DF}">
-                <a14:hiddenLine xmlns:a14="http://schemas.microsoft.com/office/drawing/2010/main" xmlns="" w="9525">
+                <a14:hiddenLine xmlns="" xmlns:a14="http://schemas.microsoft.com/office/drawing/2010/main" w="9525">
                   <a:solidFill>
                     <a:srgbClr val="000000"/>
                   </a:solidFill>
@@ -3247,7 +3245,7 @@
             </a:ln>
             <a:extLst>
               <a:ext uri="{91240B29-F687-4f45-9708-019B960494DF}">
-                <a14:hiddenLine xmlns:a14="http://schemas.microsoft.com/office/drawing/2010/main" xmlns="" w="9525">
+                <a14:hiddenLine xmlns="" xmlns:a14="http://schemas.microsoft.com/office/drawing/2010/main" w="9525">
                   <a:solidFill>
                     <a:srgbClr val="000000"/>
                   </a:solidFill>
@@ -3337,7 +3335,7 @@
             </a:ln>
             <a:extLst>
               <a:ext uri="{91240B29-F687-4f45-9708-019B960494DF}">
-                <a14:hiddenLine xmlns:a14="http://schemas.microsoft.com/office/drawing/2010/main" xmlns="" w="9525">
+                <a14:hiddenLine xmlns="" xmlns:a14="http://schemas.microsoft.com/office/drawing/2010/main" w="9525">
                   <a:solidFill>
                     <a:srgbClr val="000000"/>
                   </a:solidFill>
@@ -3399,7 +3397,7 @@
             </a:ln>
             <a:extLst>
               <a:ext uri="{91240B29-F687-4f45-9708-019B960494DF}">
-                <a14:hiddenLine xmlns:a14="http://schemas.microsoft.com/office/drawing/2010/main" xmlns="" w="9525">
+                <a14:hiddenLine xmlns="" xmlns:a14="http://schemas.microsoft.com/office/drawing/2010/main" w="9525">
                   <a:solidFill>
                     <a:srgbClr val="000000"/>
                   </a:solidFill>
@@ -3489,7 +3487,7 @@
             </a:ln>
             <a:extLst>
               <a:ext uri="{91240B29-F687-4f45-9708-019B960494DF}">
-                <a14:hiddenLine xmlns:a14="http://schemas.microsoft.com/office/drawing/2010/main" xmlns="" w="9525">
+                <a14:hiddenLine xmlns="" xmlns:a14="http://schemas.microsoft.com/office/drawing/2010/main" w="9525">
                   <a:solidFill>
                     <a:srgbClr val="000000"/>
                   </a:solidFill>
@@ -3551,7 +3549,7 @@
             </a:ln>
             <a:extLst>
               <a:ext uri="{91240B29-F687-4f45-9708-019B960494DF}">
-                <a14:hiddenLine xmlns:a14="http://schemas.microsoft.com/office/drawing/2010/main" xmlns="" w="9525">
+                <a14:hiddenLine xmlns="" xmlns:a14="http://schemas.microsoft.com/office/drawing/2010/main" w="9525">
                   <a:solidFill>
                     <a:srgbClr val="000000"/>
                   </a:solidFill>
@@ -3641,7 +3639,7 @@
             </a:ln>
             <a:extLst>
               <a:ext uri="{91240B29-F687-4f45-9708-019B960494DF}">
-                <a14:hiddenLine xmlns:a14="http://schemas.microsoft.com/office/drawing/2010/main" xmlns="" w="9525">
+                <a14:hiddenLine xmlns="" xmlns:a14="http://schemas.microsoft.com/office/drawing/2010/main" w="9525">
                   <a:solidFill>
                     <a:srgbClr val="000000"/>
                   </a:solidFill>
@@ -3675,7 +3673,7 @@
             </a:ln>
             <a:extLst>
               <a:ext uri="{91240B29-F687-4f45-9708-019B960494DF}">
-                <a14:hiddenLine xmlns:a14="http://schemas.microsoft.com/office/drawing/2010/main" xmlns="" w="9525">
+                <a14:hiddenLine xmlns="" xmlns:a14="http://schemas.microsoft.com/office/drawing/2010/main" w="9525">
                   <a:solidFill>
                     <a:srgbClr val="000000"/>
                   </a:solidFill>
@@ -3740,7 +3738,7 @@
             </a:ln>
             <a:extLst>
               <a:ext uri="{91240B29-F687-4f45-9708-019B960494DF}">
-                <a14:hiddenLine xmlns:a14="http://schemas.microsoft.com/office/drawing/2010/main" xmlns="" w="9525">
+                <a14:hiddenLine xmlns="" xmlns:a14="http://schemas.microsoft.com/office/drawing/2010/main" w="9525">
                   <a:solidFill>
                     <a:srgbClr val="000000"/>
                   </a:solidFill>
@@ -3830,7 +3828,7 @@
             </a:ln>
             <a:extLst>
               <a:ext uri="{91240B29-F687-4f45-9708-019B960494DF}">
-                <a14:hiddenLine xmlns:a14="http://schemas.microsoft.com/office/drawing/2010/main" xmlns="" w="9525">
+                <a14:hiddenLine xmlns="" xmlns:a14="http://schemas.microsoft.com/office/drawing/2010/main" w="9525">
                   <a:solidFill>
                     <a:srgbClr val="000000"/>
                   </a:solidFill>
@@ -3892,7 +3890,7 @@
             </a:ln>
             <a:extLst>
               <a:ext uri="{91240B29-F687-4f45-9708-019B960494DF}">
-                <a14:hiddenLine xmlns:a14="http://schemas.microsoft.com/office/drawing/2010/main" xmlns="" w="9525">
+                <a14:hiddenLine xmlns="" xmlns:a14="http://schemas.microsoft.com/office/drawing/2010/main" w="9525">
                   <a:solidFill>
                     <a:srgbClr val="000000"/>
                   </a:solidFill>
@@ -3982,7 +3980,7 @@
             </a:ln>
             <a:extLst>
               <a:ext uri="{91240B29-F687-4f45-9708-019B960494DF}">
-                <a14:hiddenLine xmlns:a14="http://schemas.microsoft.com/office/drawing/2010/main" xmlns="" w="9525">
+                <a14:hiddenLine xmlns="" xmlns:a14="http://schemas.microsoft.com/office/drawing/2010/main" w="9525">
                   <a:solidFill>
                     <a:srgbClr val="000000"/>
                   </a:solidFill>
@@ -4072,7 +4070,7 @@
             </a:ln>
             <a:extLst>
               <a:ext uri="{91240B29-F687-4f45-9708-019B960494DF}">
-                <a14:hiddenLine xmlns:a14="http://schemas.microsoft.com/office/drawing/2010/main" xmlns="" w="9525">
+                <a14:hiddenLine xmlns="" xmlns:a14="http://schemas.microsoft.com/office/drawing/2010/main" w="9525">
                   <a:solidFill>
                     <a:srgbClr val="000000"/>
                   </a:solidFill>
@@ -4137,7 +4135,7 @@
             </a:ln>
             <a:extLst>
               <a:ext uri="{91240B29-F687-4f45-9708-019B960494DF}">
-                <a14:hiddenLine xmlns:a14="http://schemas.microsoft.com/office/drawing/2010/main" xmlns="" w="9525">
+                <a14:hiddenLine xmlns="" xmlns:a14="http://schemas.microsoft.com/office/drawing/2010/main" w="9525">
                   <a:solidFill>
                     <a:srgbClr val="000000"/>
                   </a:solidFill>
@@ -4199,7 +4197,7 @@
             </a:ln>
             <a:extLst>
               <a:ext uri="{91240B29-F687-4f45-9708-019B960494DF}">
-                <a14:hiddenLine xmlns:a14="http://schemas.microsoft.com/office/drawing/2010/main" xmlns="" w="9525">
+                <a14:hiddenLine xmlns="" xmlns:a14="http://schemas.microsoft.com/office/drawing/2010/main" w="9525">
                   <a:solidFill>
                     <a:srgbClr val="000000"/>
                   </a:solidFill>
@@ -4289,7 +4287,7 @@
             </a:ln>
             <a:extLst>
               <a:ext uri="{91240B29-F687-4f45-9708-019B960494DF}">
-                <a14:hiddenLine xmlns:a14="http://schemas.microsoft.com/office/drawing/2010/main" xmlns="" w="9525">
+                <a14:hiddenLine xmlns="" xmlns:a14="http://schemas.microsoft.com/office/drawing/2010/main" w="9525">
                   <a:solidFill>
                     <a:srgbClr val="000000"/>
                   </a:solidFill>
@@ -4379,7 +4377,7 @@
             </a:ln>
             <a:extLst>
               <a:ext uri="{91240B29-F687-4f45-9708-019B960494DF}">
-                <a14:hiddenLine xmlns:a14="http://schemas.microsoft.com/office/drawing/2010/main" xmlns="" w="9525">
+                <a14:hiddenLine xmlns="" xmlns:a14="http://schemas.microsoft.com/office/drawing/2010/main" w="9525">
                   <a:solidFill>
                     <a:srgbClr val="000000"/>
                   </a:solidFill>
@@ -4441,7 +4439,7 @@
             </a:ln>
             <a:extLst>
               <a:ext uri="{91240B29-F687-4f45-9708-019B960494DF}">
-                <a14:hiddenLine xmlns:a14="http://schemas.microsoft.com/office/drawing/2010/main" xmlns="" w="9525">
+                <a14:hiddenLine xmlns="" xmlns:a14="http://schemas.microsoft.com/office/drawing/2010/main" w="9525">
                   <a:solidFill>
                     <a:srgbClr val="000000"/>
                   </a:solidFill>
@@ -4561,7 +4559,7 @@
             </a:ln>
             <a:extLst>
               <a:ext uri="{91240B29-F687-4f45-9708-019B960494DF}">
-                <a14:hiddenLine xmlns:a14="http://schemas.microsoft.com/office/drawing/2010/main" xmlns="" w="9525">
+                <a14:hiddenLine xmlns="" xmlns:a14="http://schemas.microsoft.com/office/drawing/2010/main" w="9525">
                   <a:solidFill>
                     <a:srgbClr val="000000"/>
                   </a:solidFill>
@@ -4629,7 +4627,7 @@
             </a:ln>
             <a:extLst>
               <a:ext uri="{91240B29-F687-4f45-9708-019B960494DF}">
-                <a14:hiddenLine xmlns:a14="http://schemas.microsoft.com/office/drawing/2010/main" xmlns="" w="9525">
+                <a14:hiddenLine xmlns="" xmlns:a14="http://schemas.microsoft.com/office/drawing/2010/main" w="9525">
                   <a:solidFill>
                     <a:srgbClr val="000000"/>
                   </a:solidFill>
@@ -4719,7 +4717,7 @@
             </a:ln>
             <a:extLst>
               <a:ext uri="{91240B29-F687-4f45-9708-019B960494DF}">
-                <a14:hiddenLine xmlns:a14="http://schemas.microsoft.com/office/drawing/2010/main" xmlns="" w="9525">
+                <a14:hiddenLine xmlns="" xmlns:a14="http://schemas.microsoft.com/office/drawing/2010/main" w="9525">
                   <a:solidFill>
                     <a:srgbClr val="000000"/>
                   </a:solidFill>
@@ -4859,7 +4857,7 @@
           <a:p>
             <a:fld id="{EC4347D3-4C9A-C240-8F14-750059DFEEB0}" type="datetimeFigureOut">
               <a:rPr lang="en-US" smtClean="0"/>
-              <a:t>3/31/25</a:t>
+              <a:t>4/2/25</a:t>
             </a:fld>
             <a:endParaRPr lang="en-US"/>
           </a:p>
@@ -5126,7 +5124,7 @@
           <a:p>
             <a:fld id="{EC4347D3-4C9A-C240-8F14-750059DFEEB0}" type="datetimeFigureOut">
               <a:rPr lang="en-US" smtClean="0"/>
-              <a:t>3/31/25</a:t>
+              <a:t>4/2/25</a:t>
             </a:fld>
             <a:endParaRPr lang="en-US"/>
           </a:p>
@@ -5322,7 +5320,7 @@
           <a:p>
             <a:fld id="{EC4347D3-4C9A-C240-8F14-750059DFEEB0}" type="datetimeFigureOut">
               <a:rPr lang="en-US" smtClean="0"/>
-              <a:t>3/31/25</a:t>
+              <a:t>4/2/25</a:t>
             </a:fld>
             <a:endParaRPr lang="en-US"/>
           </a:p>
@@ -5585,7 +5583,7 @@
           <a:p>
             <a:fld id="{EC4347D3-4C9A-C240-8F14-750059DFEEB0}" type="datetimeFigureOut">
               <a:rPr lang="en-US" smtClean="0"/>
-              <a:t>3/31/25</a:t>
+              <a:t>4/2/25</a:t>
             </a:fld>
             <a:endParaRPr lang="en-US"/>
           </a:p>
@@ -6019,7 +6017,7 @@
           <a:p>
             <a:fld id="{EC4347D3-4C9A-C240-8F14-750059DFEEB0}" type="datetimeFigureOut">
               <a:rPr lang="en-US" smtClean="0"/>
-              <a:t>3/31/25</a:t>
+              <a:t>4/2/25</a:t>
             </a:fld>
             <a:endParaRPr lang="en-US"/>
           </a:p>
@@ -6565,7 +6563,7 @@
           <a:p>
             <a:fld id="{EC4347D3-4C9A-C240-8F14-750059DFEEB0}" type="datetimeFigureOut">
               <a:rPr lang="en-US" smtClean="0"/>
-              <a:t>3/31/25</a:t>
+              <a:t>4/2/25</a:t>
             </a:fld>
             <a:endParaRPr lang="en-US"/>
           </a:p>
@@ -7285,7 +7283,7 @@
           <a:p>
             <a:fld id="{EC4347D3-4C9A-C240-8F14-750059DFEEB0}" type="datetimeFigureOut">
               <a:rPr lang="en-US" smtClean="0"/>
-              <a:t>3/31/25</a:t>
+              <a:t>4/2/25</a:t>
             </a:fld>
             <a:endParaRPr lang="en-US"/>
           </a:p>
@@ -7455,7 +7453,7 @@
           <a:p>
             <a:fld id="{EC4347D3-4C9A-C240-8F14-750059DFEEB0}" type="datetimeFigureOut">
               <a:rPr lang="en-US" smtClean="0"/>
-              <a:t>3/31/25</a:t>
+              <a:t>4/2/25</a:t>
             </a:fld>
             <a:endParaRPr lang="en-US"/>
           </a:p>
@@ -7635,7 +7633,7 @@
           <a:p>
             <a:fld id="{EC4347D3-4C9A-C240-8F14-750059DFEEB0}" type="datetimeFigureOut">
               <a:rPr lang="en-US" smtClean="0"/>
-              <a:t>3/31/25</a:t>
+              <a:t>4/2/25</a:t>
             </a:fld>
             <a:endParaRPr lang="en-US"/>
           </a:p>
@@ -7805,7 +7803,7 @@
           <a:p>
             <a:fld id="{EC4347D3-4C9A-C240-8F14-750059DFEEB0}" type="datetimeFigureOut">
               <a:rPr lang="en-US" smtClean="0"/>
-              <a:t>3/31/25</a:t>
+              <a:t>4/2/25</a:t>
             </a:fld>
             <a:endParaRPr lang="en-US"/>
           </a:p>
@@ -8055,7 +8053,7 @@
           <a:p>
             <a:fld id="{EC4347D3-4C9A-C240-8F14-750059DFEEB0}" type="datetimeFigureOut">
               <a:rPr lang="en-US" smtClean="0"/>
-              <a:t>3/31/25</a:t>
+              <a:t>4/2/25</a:t>
             </a:fld>
             <a:endParaRPr lang="en-US"/>
           </a:p>
@@ -8287,7 +8285,7 @@
           <a:p>
             <a:fld id="{EC4347D3-4C9A-C240-8F14-750059DFEEB0}" type="datetimeFigureOut">
               <a:rPr lang="en-US" smtClean="0"/>
-              <a:t>3/31/25</a:t>
+              <a:t>4/2/25</a:t>
             </a:fld>
             <a:endParaRPr lang="en-US"/>
           </a:p>
@@ -8673,7 +8671,7 @@
           <a:p>
             <a:fld id="{EC4347D3-4C9A-C240-8F14-750059DFEEB0}" type="datetimeFigureOut">
               <a:rPr lang="en-US" smtClean="0"/>
-              <a:t>3/31/25</a:t>
+              <a:t>4/2/25</a:t>
             </a:fld>
             <a:endParaRPr lang="en-US"/>
           </a:p>
@@ -8796,7 +8794,7 @@
           <a:p>
             <a:fld id="{EC4347D3-4C9A-C240-8F14-750059DFEEB0}" type="datetimeFigureOut">
               <a:rPr lang="en-US" smtClean="0"/>
-              <a:t>3/31/25</a:t>
+              <a:t>4/2/25</a:t>
             </a:fld>
             <a:endParaRPr lang="en-US"/>
           </a:p>
@@ -8891,7 +8889,7 @@
           <a:p>
             <a:fld id="{EC4347D3-4C9A-C240-8F14-750059DFEEB0}" type="datetimeFigureOut">
               <a:rPr lang="en-US" smtClean="0"/>
-              <a:t>3/31/25</a:t>
+              <a:t>4/2/25</a:t>
             </a:fld>
             <a:endParaRPr lang="en-US"/>
           </a:p>
@@ -9140,7 +9138,7 @@
           <a:p>
             <a:fld id="{EC4347D3-4C9A-C240-8F14-750059DFEEB0}" type="datetimeFigureOut">
               <a:rPr lang="en-US" smtClean="0"/>
-              <a:t>3/31/25</a:t>
+              <a:t>4/2/25</a:t>
             </a:fld>
             <a:endParaRPr lang="en-US"/>
           </a:p>
@@ -9425,7 +9423,7 @@
           <a:p>
             <a:fld id="{EC4347D3-4C9A-C240-8F14-750059DFEEB0}" type="datetimeFigureOut">
               <a:rPr lang="en-US" smtClean="0"/>
-              <a:t>3/31/25</a:t>
+              <a:t>4/2/25</a:t>
             </a:fld>
             <a:endParaRPr lang="en-US"/>
           </a:p>
@@ -9548,7 +9546,7 @@
           <a:noFill/>
           <a:extLst>
             <a:ext uri="{909E8E84-426E-40dd-AFC4-6F175D3DCCD1}">
-              <a14:hiddenFill xmlns:a14="http://schemas.microsoft.com/office/drawing/2010/main" xmlns="">
+              <a14:hiddenFill xmlns="" xmlns:a14="http://schemas.microsoft.com/office/drawing/2010/main">
                 <a:solidFill>
                   <a:srgbClr val="FFFFFF"/>
                 </a:solidFill>
@@ -9622,7 +9620,7 @@
               </a:ln>
               <a:extLst>
                 <a:ext uri="{91240B29-F687-4f45-9708-019B960494DF}">
-                  <a14:hiddenLine xmlns:a14="http://schemas.microsoft.com/office/drawing/2010/main" xmlns="" w="9525">
+                  <a14:hiddenLine xmlns="" xmlns:a14="http://schemas.microsoft.com/office/drawing/2010/main" w="9525">
                     <a:solidFill>
                       <a:srgbClr val="000000"/>
                     </a:solidFill>
@@ -9712,7 +9710,7 @@
               </a:ln>
               <a:extLst>
                 <a:ext uri="{91240B29-F687-4f45-9708-019B960494DF}">
-                  <a14:hiddenLine xmlns:a14="http://schemas.microsoft.com/office/drawing/2010/main" xmlns="" w="9525">
+                  <a14:hiddenLine xmlns="" xmlns:a14="http://schemas.microsoft.com/office/drawing/2010/main" w="9525">
                     <a:solidFill>
                       <a:srgbClr val="000000"/>
                     </a:solidFill>
@@ -9802,7 +9800,7 @@
               </a:ln>
               <a:extLst>
                 <a:ext uri="{91240B29-F687-4f45-9708-019B960494DF}">
-                  <a14:hiddenLine xmlns:a14="http://schemas.microsoft.com/office/drawing/2010/main" xmlns="" w="9525">
+                  <a14:hiddenLine xmlns="" xmlns:a14="http://schemas.microsoft.com/office/drawing/2010/main" w="9525">
                     <a:solidFill>
                       <a:srgbClr val="000000"/>
                     </a:solidFill>
@@ -9864,7 +9862,7 @@
               </a:ln>
               <a:extLst>
                 <a:ext uri="{91240B29-F687-4f45-9708-019B960494DF}">
-                  <a14:hiddenLine xmlns:a14="http://schemas.microsoft.com/office/drawing/2010/main" xmlns="" w="9525">
+                  <a14:hiddenLine xmlns="" xmlns:a14="http://schemas.microsoft.com/office/drawing/2010/main" w="9525">
                     <a:solidFill>
                       <a:srgbClr val="000000"/>
                     </a:solidFill>
@@ -9954,7 +9952,7 @@
               </a:ln>
               <a:extLst>
                 <a:ext uri="{91240B29-F687-4f45-9708-019B960494DF}">
-                  <a14:hiddenLine xmlns:a14="http://schemas.microsoft.com/office/drawing/2010/main" xmlns="" w="9525">
+                  <a14:hiddenLine xmlns="" xmlns:a14="http://schemas.microsoft.com/office/drawing/2010/main" w="9525">
                     <a:solidFill>
                       <a:srgbClr val="000000"/>
                     </a:solidFill>
@@ -10016,7 +10014,7 @@
               </a:ln>
               <a:extLst>
                 <a:ext uri="{91240B29-F687-4f45-9708-019B960494DF}">
-                  <a14:hiddenLine xmlns:a14="http://schemas.microsoft.com/office/drawing/2010/main" xmlns="" w="9525">
+                  <a14:hiddenLine xmlns="" xmlns:a14="http://schemas.microsoft.com/office/drawing/2010/main" w="9525">
                     <a:solidFill>
                       <a:srgbClr val="000000"/>
                     </a:solidFill>
@@ -10078,7 +10076,7 @@
               </a:ln>
               <a:extLst>
                 <a:ext uri="{91240B29-F687-4f45-9708-019B960494DF}">
-                  <a14:hiddenLine xmlns:a14="http://schemas.microsoft.com/office/drawing/2010/main" xmlns="" w="9525">
+                  <a14:hiddenLine xmlns="" xmlns:a14="http://schemas.microsoft.com/office/drawing/2010/main" w="9525">
                     <a:solidFill>
                       <a:srgbClr val="000000"/>
                     </a:solidFill>
@@ -10168,7 +10166,7 @@
               </a:ln>
               <a:extLst>
                 <a:ext uri="{91240B29-F687-4f45-9708-019B960494DF}">
-                  <a14:hiddenLine xmlns:a14="http://schemas.microsoft.com/office/drawing/2010/main" xmlns="" w="9525">
+                  <a14:hiddenLine xmlns="" xmlns:a14="http://schemas.microsoft.com/office/drawing/2010/main" w="9525">
                     <a:solidFill>
                       <a:srgbClr val="000000"/>
                     </a:solidFill>
@@ -10258,7 +10256,7 @@
               </a:ln>
               <a:extLst>
                 <a:ext uri="{91240B29-F687-4f45-9708-019B960494DF}">
-                  <a14:hiddenLine xmlns:a14="http://schemas.microsoft.com/office/drawing/2010/main" xmlns="" w="9525">
+                  <a14:hiddenLine xmlns="" xmlns:a14="http://schemas.microsoft.com/office/drawing/2010/main" w="9525">
                     <a:solidFill>
                       <a:srgbClr val="000000"/>
                     </a:solidFill>
@@ -10320,7 +10318,7 @@
               </a:ln>
               <a:extLst>
                 <a:ext uri="{91240B29-F687-4f45-9708-019B960494DF}">
-                  <a14:hiddenLine xmlns:a14="http://schemas.microsoft.com/office/drawing/2010/main" xmlns="" w="9525">
+                  <a14:hiddenLine xmlns="" xmlns:a14="http://schemas.microsoft.com/office/drawing/2010/main" w="9525">
                     <a:solidFill>
                       <a:srgbClr val="000000"/>
                     </a:solidFill>
@@ -10430,7 +10428,7 @@
               </a:ln>
               <a:extLst>
                 <a:ext uri="{91240B29-F687-4f45-9708-019B960494DF}">
-                  <a14:hiddenLine xmlns:a14="http://schemas.microsoft.com/office/drawing/2010/main" xmlns="" w="9525">
+                  <a14:hiddenLine xmlns="" xmlns:a14="http://schemas.microsoft.com/office/drawing/2010/main" w="9525">
                     <a:solidFill>
                       <a:srgbClr val="000000"/>
                     </a:solidFill>
@@ -10514,7 +10512,7 @@
               </a:ln>
               <a:extLst>
                 <a:ext uri="{91240B29-F687-4f45-9708-019B960494DF}">
-                  <a14:hiddenLine xmlns:a14="http://schemas.microsoft.com/office/drawing/2010/main" xmlns="" w="9525">
+                  <a14:hiddenLine xmlns="" xmlns:a14="http://schemas.microsoft.com/office/drawing/2010/main" w="9525">
                     <a:solidFill>
                       <a:srgbClr val="000000"/>
                     </a:solidFill>
@@ -10576,7 +10574,7 @@
               </a:ln>
               <a:extLst>
                 <a:ext uri="{91240B29-F687-4f45-9708-019B960494DF}">
-                  <a14:hiddenLine xmlns:a14="http://schemas.microsoft.com/office/drawing/2010/main" xmlns="" w="9525">
+                  <a14:hiddenLine xmlns="" xmlns:a14="http://schemas.microsoft.com/office/drawing/2010/main" w="9525">
                     <a:solidFill>
                       <a:srgbClr val="000000"/>
                     </a:solidFill>
@@ -10638,7 +10636,7 @@
               </a:ln>
               <a:extLst>
                 <a:ext uri="{91240B29-F687-4f45-9708-019B960494DF}">
-                  <a14:hiddenLine xmlns:a14="http://schemas.microsoft.com/office/drawing/2010/main" xmlns="" w="9525">
+                  <a14:hiddenLine xmlns="" xmlns:a14="http://schemas.microsoft.com/office/drawing/2010/main" w="9525">
                     <a:solidFill>
                       <a:srgbClr val="000000"/>
                     </a:solidFill>
@@ -10728,7 +10726,7 @@
               </a:ln>
               <a:extLst>
                 <a:ext uri="{91240B29-F687-4f45-9708-019B960494DF}">
-                  <a14:hiddenLine xmlns:a14="http://schemas.microsoft.com/office/drawing/2010/main" xmlns="" w="9525">
+                  <a14:hiddenLine xmlns="" xmlns:a14="http://schemas.microsoft.com/office/drawing/2010/main" w="9525">
                     <a:solidFill>
                       <a:srgbClr val="000000"/>
                     </a:solidFill>
@@ -10762,7 +10760,7 @@
               </a:ln>
               <a:extLst>
                 <a:ext uri="{91240B29-F687-4f45-9708-019B960494DF}">
-                  <a14:hiddenLine xmlns:a14="http://schemas.microsoft.com/office/drawing/2010/main" xmlns="" w="9525">
+                  <a14:hiddenLine xmlns="" xmlns:a14="http://schemas.microsoft.com/office/drawing/2010/main" w="9525">
                     <a:solidFill>
                       <a:srgbClr val="000000"/>
                     </a:solidFill>
@@ -10827,7 +10825,7 @@
               </a:ln>
               <a:extLst>
                 <a:ext uri="{91240B29-F687-4f45-9708-019B960494DF}">
-                  <a14:hiddenLine xmlns:a14="http://schemas.microsoft.com/office/drawing/2010/main" xmlns="" w="9525">
+                  <a14:hiddenLine xmlns="" xmlns:a14="http://schemas.microsoft.com/office/drawing/2010/main" w="9525">
                     <a:solidFill>
                       <a:srgbClr val="000000"/>
                     </a:solidFill>
@@ -10917,7 +10915,7 @@
               </a:ln>
               <a:extLst>
                 <a:ext uri="{91240B29-F687-4f45-9708-019B960494DF}">
-                  <a14:hiddenLine xmlns:a14="http://schemas.microsoft.com/office/drawing/2010/main" xmlns="" w="9525">
+                  <a14:hiddenLine xmlns="" xmlns:a14="http://schemas.microsoft.com/office/drawing/2010/main" w="9525">
                     <a:solidFill>
                       <a:srgbClr val="000000"/>
                     </a:solidFill>
@@ -10979,7 +10977,7 @@
               </a:ln>
               <a:extLst>
                 <a:ext uri="{91240B29-F687-4f45-9708-019B960494DF}">
-                  <a14:hiddenLine xmlns:a14="http://schemas.microsoft.com/office/drawing/2010/main" xmlns="" w="9525">
+                  <a14:hiddenLine xmlns="" xmlns:a14="http://schemas.microsoft.com/office/drawing/2010/main" w="9525">
                     <a:solidFill>
                       <a:srgbClr val="000000"/>
                     </a:solidFill>
@@ -11069,7 +11067,7 @@
               </a:ln>
               <a:extLst>
                 <a:ext uri="{91240B29-F687-4f45-9708-019B960494DF}">
-                  <a14:hiddenLine xmlns:a14="http://schemas.microsoft.com/office/drawing/2010/main" xmlns="" w="9525">
+                  <a14:hiddenLine xmlns="" xmlns:a14="http://schemas.microsoft.com/office/drawing/2010/main" w="9525">
                     <a:solidFill>
                       <a:srgbClr val="000000"/>
                     </a:solidFill>
@@ -11134,7 +11132,7 @@
               </a:ln>
               <a:extLst>
                 <a:ext uri="{91240B29-F687-4f45-9708-019B960494DF}">
-                  <a14:hiddenLine xmlns:a14="http://schemas.microsoft.com/office/drawing/2010/main" xmlns="" w="9525">
+                  <a14:hiddenLine xmlns="" xmlns:a14="http://schemas.microsoft.com/office/drawing/2010/main" w="9525">
                     <a:solidFill>
                       <a:srgbClr val="000000"/>
                     </a:solidFill>
@@ -11196,7 +11194,7 @@
               </a:ln>
               <a:extLst>
                 <a:ext uri="{91240B29-F687-4f45-9708-019B960494DF}">
-                  <a14:hiddenLine xmlns:a14="http://schemas.microsoft.com/office/drawing/2010/main" xmlns="" w="9525">
+                  <a14:hiddenLine xmlns="" xmlns:a14="http://schemas.microsoft.com/office/drawing/2010/main" w="9525">
                     <a:solidFill>
                       <a:srgbClr val="000000"/>
                     </a:solidFill>
@@ -11286,7 +11284,7 @@
               </a:ln>
               <a:extLst>
                 <a:ext uri="{91240B29-F687-4f45-9708-019B960494DF}">
-                  <a14:hiddenLine xmlns:a14="http://schemas.microsoft.com/office/drawing/2010/main" xmlns="" w="9525">
+                  <a14:hiddenLine xmlns="" xmlns:a14="http://schemas.microsoft.com/office/drawing/2010/main" w="9525">
                     <a:solidFill>
                       <a:srgbClr val="000000"/>
                     </a:solidFill>
@@ -11376,7 +11374,7 @@
               </a:ln>
               <a:extLst>
                 <a:ext uri="{91240B29-F687-4f45-9708-019B960494DF}">
-                  <a14:hiddenLine xmlns:a14="http://schemas.microsoft.com/office/drawing/2010/main" xmlns="" w="9525">
+                  <a14:hiddenLine xmlns="" xmlns:a14="http://schemas.microsoft.com/office/drawing/2010/main" w="9525">
                     <a:solidFill>
                       <a:srgbClr val="000000"/>
                     </a:solidFill>
@@ -11441,7 +11439,7 @@
               </a:ln>
               <a:extLst>
                 <a:ext uri="{91240B29-F687-4f45-9708-019B960494DF}">
-                  <a14:hiddenLine xmlns:a14="http://schemas.microsoft.com/office/drawing/2010/main" xmlns="" w="9525">
+                  <a14:hiddenLine xmlns="" xmlns:a14="http://schemas.microsoft.com/office/drawing/2010/main" w="9525">
                     <a:solidFill>
                       <a:srgbClr val="000000"/>
                     </a:solidFill>
@@ -11561,7 +11559,7 @@
               </a:ln>
               <a:extLst>
                 <a:ext uri="{91240B29-F687-4f45-9708-019B960494DF}">
-                  <a14:hiddenLine xmlns:a14="http://schemas.microsoft.com/office/drawing/2010/main" xmlns="" w="9525">
+                  <a14:hiddenLine xmlns="" xmlns:a14="http://schemas.microsoft.com/office/drawing/2010/main" w="9525">
                     <a:solidFill>
                       <a:srgbClr val="000000"/>
                     </a:solidFill>
@@ -11642,7 +11640,7 @@
               </a:ln>
               <a:extLst>
                 <a:ext uri="{91240B29-F687-4f45-9708-019B960494DF}">
-                  <a14:hiddenLine xmlns:a14="http://schemas.microsoft.com/office/drawing/2010/main" xmlns="" w="9525">
+                  <a14:hiddenLine xmlns="" xmlns:a14="http://schemas.microsoft.com/office/drawing/2010/main" w="9525">
                     <a:solidFill>
                       <a:srgbClr val="000000"/>
                     </a:solidFill>
@@ -11757,7 +11755,7 @@
               </a:ln>
               <a:extLst>
                 <a:ext uri="{91240B29-F687-4f45-9708-019B960494DF}">
-                  <a14:hiddenLine xmlns:a14="http://schemas.microsoft.com/office/drawing/2010/main" xmlns="" w="9525">
+                  <a14:hiddenLine xmlns="" xmlns:a14="http://schemas.microsoft.com/office/drawing/2010/main" w="9525">
                     <a:solidFill>
                       <a:srgbClr val="000000"/>
                     </a:solidFill>
@@ -11847,7 +11845,7 @@
               </a:ln>
               <a:extLst>
                 <a:ext uri="{91240B29-F687-4f45-9708-019B960494DF}">
-                  <a14:hiddenLine xmlns:a14="http://schemas.microsoft.com/office/drawing/2010/main" xmlns="" w="9525">
+                  <a14:hiddenLine xmlns="" xmlns:a14="http://schemas.microsoft.com/office/drawing/2010/main" w="9525">
                     <a:solidFill>
                       <a:srgbClr val="000000"/>
                     </a:solidFill>
@@ -11912,7 +11910,7 @@
               </a:ln>
               <a:extLst>
                 <a:ext uri="{91240B29-F687-4f45-9708-019B960494DF}">
-                  <a14:hiddenLine xmlns:a14="http://schemas.microsoft.com/office/drawing/2010/main" xmlns="" w="9525">
+                  <a14:hiddenLine xmlns="" xmlns:a14="http://schemas.microsoft.com/office/drawing/2010/main" w="9525">
                     <a:solidFill>
                       <a:srgbClr val="000000"/>
                     </a:solidFill>
@@ -12002,7 +12000,7 @@
               </a:ln>
               <a:extLst>
                 <a:ext uri="{91240B29-F687-4f45-9708-019B960494DF}">
-                  <a14:hiddenLine xmlns:a14="http://schemas.microsoft.com/office/drawing/2010/main" xmlns="" w="9525">
+                  <a14:hiddenLine xmlns="" xmlns:a14="http://schemas.microsoft.com/office/drawing/2010/main" w="9525">
                     <a:solidFill>
                       <a:srgbClr val="000000"/>
                     </a:solidFill>
@@ -12070,7 +12068,7 @@
               </a:ln>
               <a:extLst>
                 <a:ext uri="{91240B29-F687-4f45-9708-019B960494DF}">
-                  <a14:hiddenLine xmlns:a14="http://schemas.microsoft.com/office/drawing/2010/main" xmlns="" w="9525">
+                  <a14:hiddenLine xmlns="" xmlns:a14="http://schemas.microsoft.com/office/drawing/2010/main" w="9525">
                     <a:solidFill>
                       <a:srgbClr val="000000"/>
                     </a:solidFill>
@@ -12160,7 +12158,7 @@
               </a:ln>
               <a:extLst>
                 <a:ext uri="{91240B29-F687-4f45-9708-019B960494DF}">
-                  <a14:hiddenLine xmlns:a14="http://schemas.microsoft.com/office/drawing/2010/main" xmlns="" w="9525">
+                  <a14:hiddenLine xmlns="" xmlns:a14="http://schemas.microsoft.com/office/drawing/2010/main" w="9525">
                     <a:solidFill>
                       <a:srgbClr val="000000"/>
                     </a:solidFill>
@@ -12228,7 +12226,7 @@
               </a:ln>
               <a:extLst>
                 <a:ext uri="{91240B29-F687-4f45-9708-019B960494DF}">
-                  <a14:hiddenLine xmlns:a14="http://schemas.microsoft.com/office/drawing/2010/main" xmlns="" w="9525">
+                  <a14:hiddenLine xmlns="" xmlns:a14="http://schemas.microsoft.com/office/drawing/2010/main" w="9525">
                     <a:solidFill>
                       <a:srgbClr val="000000"/>
                     </a:solidFill>
@@ -12318,7 +12316,7 @@
               </a:ln>
               <a:extLst>
                 <a:ext uri="{91240B29-F687-4f45-9708-019B960494DF}">
-                  <a14:hiddenLine xmlns:a14="http://schemas.microsoft.com/office/drawing/2010/main" xmlns="" w="9525">
+                  <a14:hiddenLine xmlns="" xmlns:a14="http://schemas.microsoft.com/office/drawing/2010/main" w="9525">
                     <a:solidFill>
                       <a:srgbClr val="000000"/>
                     </a:solidFill>
@@ -12352,7 +12350,7 @@
               </a:ln>
               <a:extLst>
                 <a:ext uri="{91240B29-F687-4f45-9708-019B960494DF}">
-                  <a14:hiddenLine xmlns:a14="http://schemas.microsoft.com/office/drawing/2010/main" xmlns="" w="9525">
+                  <a14:hiddenLine xmlns="" xmlns:a14="http://schemas.microsoft.com/office/drawing/2010/main" w="9525">
                     <a:solidFill>
                       <a:srgbClr val="000000"/>
                     </a:solidFill>
@@ -12492,7 +12490,7 @@
           <a:p>
             <a:fld id="{EC4347D3-4C9A-C240-8F14-750059DFEEB0}" type="datetimeFigureOut">
               <a:rPr lang="en-US" smtClean="0"/>
-              <a:t>3/31/25</a:t>
+              <a:t>4/2/25</a:t>
             </a:fld>
             <a:endParaRPr lang="en-US"/>
           </a:p>
@@ -13293,8 +13291,8 @@
         </p:nvSpPr>
         <p:spPr>
           <a:xfrm>
-            <a:off x="1290076" y="1556129"/>
-            <a:ext cx="9601200" cy="3236180"/>
+            <a:off x="3147890" y="1515489"/>
+            <a:ext cx="5893044" cy="3236180"/>
           </a:xfrm>
           <a:solidFill>
             <a:schemeClr val="tx1">
@@ -14119,8 +14117,8 @@
         </p:blipFill>
         <p:spPr>
           <a:xfrm>
-            <a:off x="1985401" y="1668880"/>
-            <a:ext cx="8210550" cy="4543425"/>
+            <a:off x="1729705" y="1483360"/>
+            <a:ext cx="8729413" cy="4830545"/>
           </a:xfrm>
           <a:prstGeom prst="rect">
             <a:avLst/>
@@ -14480,7 +14478,7 @@
         </p:nvSpPr>
         <p:spPr>
           <a:xfrm>
-            <a:off x="1141413" y="61926"/>
+            <a:off x="1141413" y="61925"/>
             <a:ext cx="9905998" cy="1478570"/>
           </a:xfrm>
         </p:spPr>
@@ -14496,8 +14494,8 @@
           </a:p>
         </p:txBody>
       </p:sp>
-      <mc:AlternateContent xmlns:mc="http://schemas.openxmlformats.org/markup-compatibility/2006" xmlns:a14="http://schemas.microsoft.com/office/drawing/2010/main">
-        <mc:Choice Requires="a14">
+      <mc:AlternateContent xmlns:mc="http://schemas.openxmlformats.org/markup-compatibility/2006">
+        <mc:Choice xmlns:a14="http://schemas.microsoft.com/office/drawing/2010/main" Requires="a14">
           <p:sp>
             <p:nvSpPr>
               <p:cNvPr id="4" name="Content Placeholder 3"/>
@@ -14510,125 +14508,108 @@
             </p:nvSpPr>
             <p:spPr>
               <a:xfrm>
-                <a:off x="6338064" y="1379320"/>
-                <a:ext cx="5064665" cy="4304411"/>
+                <a:off x="7316546" y="1357615"/>
+                <a:ext cx="3617758" cy="1857176"/>
               </a:xfrm>
             </p:spPr>
             <p:txBody>
               <a:bodyPr>
-                <a:normAutofit lnSpcReduction="10000"/>
+                <a:normAutofit/>
               </a:bodyPr>
               <a:lstStyle/>
-              <a:p>
-                <a:pPr marL="494100" indent="-457200"/>
-                <a:endParaRPr lang="en-US" sz="3800" dirty="0"/>
-              </a:p>
-              <a:p>
-                <a:pPr marL="494100" indent="-457200"/>
-                <a14:m>
-                  <m:oMath xmlns:m="http://schemas.openxmlformats.org/officeDocument/2006/math">
-                    <m:r>
-                      <a:rPr lang="en-US" sz="3800" b="0" i="1" smtClean="0">
-                        <a:latin typeface="Cambria Math" panose="02040503050406030204" pitchFamily="18" charset="0"/>
-                      </a:rPr>
-                      <m:t>𝑦</m:t>
-                    </m:r>
-                    <m:r>
-                      <a:rPr lang="en-US" sz="3800" b="0" i="1" smtClean="0">
-                        <a:latin typeface="Cambria Math" panose="02040503050406030204" pitchFamily="18" charset="0"/>
-                      </a:rPr>
-                      <m:t>=</m:t>
-                    </m:r>
-                    <m:f>
-                      <m:fPr>
-                        <m:ctrlPr>
-                          <a:rPr lang="en-US" sz="3800" b="0" i="1" smtClean="0">
-                            <a:latin typeface="Cambria Math" panose="02040503050406030204" pitchFamily="18" charset="0"/>
-                          </a:rPr>
-                        </m:ctrlPr>
-                      </m:fPr>
-                      <m:num>
-                        <m:r>
-                          <a:rPr lang="en-US" sz="3800" b="0" i="1" smtClean="0">
-                            <a:latin typeface="Cambria Math" panose="02040503050406030204" pitchFamily="18" charset="0"/>
-                          </a:rPr>
-                          <m:t>1</m:t>
-                        </m:r>
-                      </m:num>
-                      <m:den>
-                        <m:r>
-                          <a:rPr lang="en-US" sz="3800" b="0" i="1" smtClean="0">
-                            <a:latin typeface="Cambria Math" panose="02040503050406030204" pitchFamily="18" charset="0"/>
-                          </a:rPr>
-                          <m:t>(1+</m:t>
-                        </m:r>
-                        <m:sSup>
-                          <m:sSupPr>
-                            <m:ctrlPr>
-                              <a:rPr lang="en-US" sz="3800" b="0" i="1" smtClean="0">
-                                <a:latin typeface="Cambria Math" panose="02040503050406030204" pitchFamily="18" charset="0"/>
-                              </a:rPr>
-                            </m:ctrlPr>
-                          </m:sSupPr>
-                          <m:e>
-                            <m:r>
-                              <a:rPr lang="en-US" sz="3800" b="0" i="1" smtClean="0">
-                                <a:latin typeface="Cambria Math" panose="02040503050406030204" pitchFamily="18" charset="0"/>
-                              </a:rPr>
-                              <m:t>𝑒</m:t>
-                            </m:r>
-                          </m:e>
-                          <m:sup>
-                            <m:r>
-                              <a:rPr lang="en-US" sz="3800" b="0" i="1" smtClean="0">
-                                <a:latin typeface="Cambria Math" panose="02040503050406030204" pitchFamily="18" charset="0"/>
-                              </a:rPr>
-                              <m:t>−</m:t>
-                            </m:r>
-                            <m:r>
-                              <a:rPr lang="en-US" sz="3800" b="0" i="1" smtClean="0">
-                                <a:latin typeface="Cambria Math" panose="02040503050406030204" pitchFamily="18" charset="0"/>
-                              </a:rPr>
-                              <m:t>𝑥</m:t>
-                            </m:r>
-                          </m:sup>
-                        </m:sSup>
-                        <m:r>
-                          <a:rPr lang="en-US" sz="3800" b="0" i="1" smtClean="0">
-                            <a:latin typeface="Cambria Math" panose="02040503050406030204" pitchFamily="18" charset="0"/>
-                          </a:rPr>
-                          <m:t>)</m:t>
-                        </m:r>
-                      </m:den>
-                    </m:f>
-                  </m:oMath>
-                </a14:m>
-                <a:endParaRPr lang="en-US" sz="3800" dirty="0"/>
-              </a:p>
               <a:p>
                 <a:pPr marL="36900" indent="0">
                   <a:buNone/>
                 </a:pPr>
+                <a14:m>
+                  <m:oMathPara xmlns:m="http://schemas.openxmlformats.org/officeDocument/2006/math">
+                    <m:oMathParaPr>
+                      <m:jc m:val="center"/>
+                    </m:oMathParaPr>
+                    <m:oMath xmlns:m="http://schemas.openxmlformats.org/officeDocument/2006/math">
+                      <m:r>
+                        <a:rPr lang="en-US" sz="3800" b="0" i="1" smtClean="0">
+                          <a:latin typeface="Cambria Math" panose="02040503050406030204" pitchFamily="18" charset="0"/>
+                        </a:rPr>
+                        <m:t>𝑦</m:t>
+                      </m:r>
+                      <m:r>
+                        <a:rPr lang="en-US" sz="3800" b="0" i="1" smtClean="0">
+                          <a:latin typeface="Cambria Math" panose="02040503050406030204" pitchFamily="18" charset="0"/>
+                        </a:rPr>
+                        <m:t>=</m:t>
+                      </m:r>
+                      <m:f>
+                        <m:fPr>
+                          <m:ctrlPr>
+                            <a:rPr lang="en-US" sz="3800" b="0" i="1" smtClean="0">
+                              <a:latin typeface="Cambria Math" panose="02040503050406030204" pitchFamily="18" charset="0"/>
+                            </a:rPr>
+                          </m:ctrlPr>
+                        </m:fPr>
+                        <m:num>
+                          <m:r>
+                            <a:rPr lang="en-US" sz="3800" b="0" i="1" smtClean="0">
+                              <a:latin typeface="Cambria Math" panose="02040503050406030204" pitchFamily="18" charset="0"/>
+                            </a:rPr>
+                            <m:t>1</m:t>
+                          </m:r>
+                        </m:num>
+                        <m:den>
+                          <m:r>
+                            <a:rPr lang="en-US" sz="3800" b="0" i="1" smtClean="0">
+                              <a:latin typeface="Cambria Math" panose="02040503050406030204" pitchFamily="18" charset="0"/>
+                            </a:rPr>
+                            <m:t>(1+</m:t>
+                          </m:r>
+                          <m:sSup>
+                            <m:sSupPr>
+                              <m:ctrlPr>
+                                <a:rPr lang="en-US" sz="3800" b="0" i="1" smtClean="0">
+                                  <a:latin typeface="Cambria Math" panose="02040503050406030204" pitchFamily="18" charset="0"/>
+                                </a:rPr>
+                              </m:ctrlPr>
+                            </m:sSupPr>
+                            <m:e>
+                              <m:r>
+                                <a:rPr lang="en-US" sz="3800" b="0" i="1" smtClean="0">
+                                  <a:latin typeface="Cambria Math" panose="02040503050406030204" pitchFamily="18" charset="0"/>
+                                </a:rPr>
+                                <m:t>𝑒</m:t>
+                              </m:r>
+                            </m:e>
+                            <m:sup>
+                              <m:r>
+                                <a:rPr lang="en-US" sz="3800" b="0" i="1" smtClean="0">
+                                  <a:latin typeface="Cambria Math" panose="02040503050406030204" pitchFamily="18" charset="0"/>
+                                </a:rPr>
+                                <m:t>−</m:t>
+                              </m:r>
+                              <m:r>
+                                <a:rPr lang="en-US" sz="3800" b="0" i="1" smtClean="0">
+                                  <a:latin typeface="Cambria Math" panose="02040503050406030204" pitchFamily="18" charset="0"/>
+                                </a:rPr>
+                                <m:t>𝑥</m:t>
+                              </m:r>
+                            </m:sup>
+                          </m:sSup>
+                          <m:r>
+                            <a:rPr lang="en-US" sz="3800" b="0" i="1" smtClean="0">
+                              <a:latin typeface="Cambria Math" panose="02040503050406030204" pitchFamily="18" charset="0"/>
+                            </a:rPr>
+                            <m:t>)</m:t>
+                          </m:r>
+                        </m:den>
+                      </m:f>
+                    </m:oMath>
+                  </m:oMathPara>
+                </a14:m>
                 <a:endParaRPr lang="en-US" sz="3800" dirty="0"/>
-              </a:p>
-              <a:p>
-                <a:pPr marL="494100" indent="-457200"/>
-                <a:r>
-                  <a:rPr lang="en-US" sz="3800" dirty="0"/>
-                  <a:t>First attempt:</a:t>
-                </a:r>
-              </a:p>
-              <a:p>
-                <a:pPr marL="871200" lvl="1" indent="-457200"/>
-                <a:r>
-                  <a:rPr lang="en-US" sz="3600" dirty="0"/>
-                  <a:t>x = ΔE</a:t>
-                </a:r>
               </a:p>
             </p:txBody>
           </p:sp>
         </mc:Choice>
-        <mc:Fallback xmlns="">
+        <mc:Fallback>
           <p:sp>
             <p:nvSpPr>
               <p:cNvPr id="4" name="Content Placeholder 3"/>
@@ -14641,13 +14622,13 @@
             </p:nvSpPr>
             <p:spPr>
               <a:xfrm>
-                <a:off x="6338064" y="1379320"/>
-                <a:ext cx="5064665" cy="4304411"/>
+                <a:off x="7316546" y="1357615"/>
+                <a:ext cx="3617758" cy="1857176"/>
               </a:xfrm>
               <a:blipFill>
                 <a:blip r:embed="rId2"/>
                 <a:stretch>
-                  <a:fillRect l="-4000" b="-1471"/>
+                  <a:fillRect/>
                 </a:stretch>
               </a:blipFill>
             </p:spPr>
@@ -14668,7 +14649,13 @@
       </mc:AlternateContent>
       <p:pic>
         <p:nvPicPr>
-          <p:cNvPr id="1028" name="Picture 4" descr="http://upload.wikimedia.org/wikipedia/commons/thumb/b/b5/SigmoidFunction.png/400px-SigmoidFunction.png"/>
+          <p:cNvPr id="5" name="Picture 4" descr="http://upload.wikimedia.org/wikipedia/commons/thumb/b/b5/SigmoidFunction.png/400px-SigmoidFunction.png">
+            <a:extLst>
+              <a:ext uri="{FF2B5EF4-FFF2-40B4-BE49-F238E27FC236}">
+                <a16:creationId xmlns:a16="http://schemas.microsoft.com/office/drawing/2014/main" id="{FC4569A4-4A95-FA43-A9FF-761B327309C9}"/>
+              </a:ext>
+            </a:extLst>
+          </p:cNvPr>
           <p:cNvPicPr>
             <a:picLocks noChangeAspect="1" noChangeArrowheads="1"/>
           </p:cNvPicPr>
@@ -14689,8 +14676,8 @@
         </p:blipFill>
         <p:spPr bwMode="auto">
           <a:xfrm>
-            <a:off x="1279141" y="1783242"/>
-            <a:ext cx="4953000" cy="3900489"/>
+            <a:off x="1406362" y="1560815"/>
+            <a:ext cx="5797077" cy="4565200"/>
           </a:xfrm>
           <a:prstGeom prst="rect">
             <a:avLst/>
@@ -14707,10 +14694,418 @@
           </a:extLst>
         </p:spPr>
       </p:pic>
+      <mc:AlternateContent xmlns:mc="http://schemas.openxmlformats.org/markup-compatibility/2006">
+        <mc:Choice xmlns:a14="http://schemas.microsoft.com/office/drawing/2010/main" Requires="a14">
+          <p:sp>
+            <p:nvSpPr>
+              <p:cNvPr id="6" name="Content Placeholder 3">
+                <a:extLst>
+                  <a:ext uri="{FF2B5EF4-FFF2-40B4-BE49-F238E27FC236}">
+                    <a16:creationId xmlns:a16="http://schemas.microsoft.com/office/drawing/2014/main" id="{24C59575-4DA5-9A45-AD13-64725171D879}"/>
+                  </a:ext>
+                </a:extLst>
+              </p:cNvPr>
+              <p:cNvSpPr txBox="1">
+                <a:spLocks/>
+              </p:cNvSpPr>
+              <p:nvPr/>
+            </p:nvSpPr>
+            <p:spPr>
+              <a:xfrm>
+                <a:off x="9276080" y="3124463"/>
+                <a:ext cx="1976170" cy="1704776"/>
+              </a:xfrm>
+              <a:prstGeom prst="rect">
+                <a:avLst/>
+              </a:prstGeom>
+            </p:spPr>
+            <p:txBody>
+              <a:bodyPr vert="horz" lIns="91440" tIns="45720" rIns="91440" bIns="45720" rtlCol="0">
+                <a:normAutofit/>
+              </a:bodyPr>
+              <a:lstStyle>
+                <a:lvl1pPr marL="228600" indent="-228600" algn="l" defTabSz="914400" rtl="0" eaLnBrk="1" latinLnBrk="0" hangingPunct="1">
+                  <a:lnSpc>
+                    <a:spcPct val="120000"/>
+                  </a:lnSpc>
+                  <a:spcBef>
+                    <a:spcPts val="1000"/>
+                  </a:spcBef>
+                  <a:buSzPct val="125000"/>
+                  <a:buFont typeface="Arial" panose="020B0604020202020204" pitchFamily="34" charset="0"/>
+                  <a:buChar char="•"/>
+                  <a:defRPr sz="2400" kern="1200">
+                    <a:solidFill>
+                      <a:schemeClr val="tx1"/>
+                    </a:solidFill>
+                    <a:latin typeface="+mn-lt"/>
+                    <a:ea typeface="+mn-ea"/>
+                    <a:cs typeface="+mn-cs"/>
+                  </a:defRPr>
+                </a:lvl1pPr>
+                <a:lvl2pPr marL="685800" indent="-228600" algn="l" defTabSz="914400" rtl="0" eaLnBrk="1" latinLnBrk="0" hangingPunct="1">
+                  <a:lnSpc>
+                    <a:spcPct val="120000"/>
+                  </a:lnSpc>
+                  <a:spcBef>
+                    <a:spcPts val="500"/>
+                  </a:spcBef>
+                  <a:buSzPct val="125000"/>
+                  <a:buFont typeface="Arial" panose="020B0604020202020204" pitchFamily="34" charset="0"/>
+                  <a:buChar char="•"/>
+                  <a:defRPr sz="2000" kern="1200">
+                    <a:solidFill>
+                      <a:schemeClr val="tx1"/>
+                    </a:solidFill>
+                    <a:latin typeface="+mn-lt"/>
+                    <a:ea typeface="+mn-ea"/>
+                    <a:cs typeface="+mn-cs"/>
+                  </a:defRPr>
+                </a:lvl2pPr>
+                <a:lvl3pPr marL="1143000" indent="-228600" algn="l" defTabSz="914400" rtl="0" eaLnBrk="1" latinLnBrk="0" hangingPunct="1">
+                  <a:lnSpc>
+                    <a:spcPct val="120000"/>
+                  </a:lnSpc>
+                  <a:spcBef>
+                    <a:spcPts val="500"/>
+                  </a:spcBef>
+                  <a:buSzPct val="125000"/>
+                  <a:buFont typeface="Arial" panose="020B0604020202020204" pitchFamily="34" charset="0"/>
+                  <a:buChar char="•"/>
+                  <a:defRPr sz="1800" kern="1200">
+                    <a:solidFill>
+                      <a:schemeClr val="tx1"/>
+                    </a:solidFill>
+                    <a:latin typeface="+mn-lt"/>
+                    <a:ea typeface="+mn-ea"/>
+                    <a:cs typeface="+mn-cs"/>
+                  </a:defRPr>
+                </a:lvl3pPr>
+                <a:lvl4pPr marL="1600200" indent="-228600" algn="l" defTabSz="914400" rtl="0" eaLnBrk="1" latinLnBrk="0" hangingPunct="1">
+                  <a:lnSpc>
+                    <a:spcPct val="120000"/>
+                  </a:lnSpc>
+                  <a:spcBef>
+                    <a:spcPts val="500"/>
+                  </a:spcBef>
+                  <a:buSzPct val="125000"/>
+                  <a:buFont typeface="Arial" panose="020B0604020202020204" pitchFamily="34" charset="0"/>
+                  <a:buChar char="•"/>
+                  <a:defRPr sz="1600" kern="1200">
+                    <a:solidFill>
+                      <a:schemeClr val="tx1"/>
+                    </a:solidFill>
+                    <a:latin typeface="+mn-lt"/>
+                    <a:ea typeface="+mn-ea"/>
+                    <a:cs typeface="+mn-cs"/>
+                  </a:defRPr>
+                </a:lvl4pPr>
+                <a:lvl5pPr marL="2057400" indent="-228600" algn="l" defTabSz="914400" rtl="0" eaLnBrk="1" latinLnBrk="0" hangingPunct="1">
+                  <a:lnSpc>
+                    <a:spcPct val="120000"/>
+                  </a:lnSpc>
+                  <a:spcBef>
+                    <a:spcPts val="500"/>
+                  </a:spcBef>
+                  <a:buSzPct val="125000"/>
+                  <a:buFont typeface="Arial" panose="020B0604020202020204" pitchFamily="34" charset="0"/>
+                  <a:buChar char="•"/>
+                  <a:defRPr sz="1600" kern="1200">
+                    <a:solidFill>
+                      <a:schemeClr val="tx1"/>
+                    </a:solidFill>
+                    <a:latin typeface="+mn-lt"/>
+                    <a:ea typeface="+mn-ea"/>
+                    <a:cs typeface="+mn-cs"/>
+                  </a:defRPr>
+                </a:lvl5pPr>
+                <a:lvl6pPr marL="2514600" indent="-228600" algn="l" defTabSz="914400" rtl="0" eaLnBrk="1" latinLnBrk="0" hangingPunct="1">
+                  <a:lnSpc>
+                    <a:spcPct val="120000"/>
+                  </a:lnSpc>
+                  <a:spcBef>
+                    <a:spcPts val="500"/>
+                  </a:spcBef>
+                  <a:buSzPct val="125000"/>
+                  <a:buFont typeface="Arial" panose="020B0604020202020204" pitchFamily="34" charset="0"/>
+                  <a:buChar char="•"/>
+                  <a:defRPr sz="1400" kern="1200">
+                    <a:solidFill>
+                      <a:schemeClr val="tx1"/>
+                    </a:solidFill>
+                    <a:latin typeface="+mn-lt"/>
+                    <a:ea typeface="+mn-ea"/>
+                    <a:cs typeface="+mn-cs"/>
+                  </a:defRPr>
+                </a:lvl6pPr>
+                <a:lvl7pPr marL="2971800" indent="-228600" algn="l" defTabSz="914400" rtl="0" eaLnBrk="1" latinLnBrk="0" hangingPunct="1">
+                  <a:lnSpc>
+                    <a:spcPct val="120000"/>
+                  </a:lnSpc>
+                  <a:spcBef>
+                    <a:spcPts val="500"/>
+                  </a:spcBef>
+                  <a:buSzPct val="125000"/>
+                  <a:buFont typeface="Arial" panose="020B0604020202020204" pitchFamily="34" charset="0"/>
+                  <a:buChar char="•"/>
+                  <a:defRPr sz="1400" kern="1200">
+                    <a:solidFill>
+                      <a:schemeClr val="tx1"/>
+                    </a:solidFill>
+                    <a:latin typeface="+mn-lt"/>
+                    <a:ea typeface="+mn-ea"/>
+                    <a:cs typeface="+mn-cs"/>
+                  </a:defRPr>
+                </a:lvl7pPr>
+                <a:lvl8pPr marL="3429000" indent="-228600" algn="l" defTabSz="914400" rtl="0" eaLnBrk="1" latinLnBrk="0" hangingPunct="1">
+                  <a:lnSpc>
+                    <a:spcPct val="120000"/>
+                  </a:lnSpc>
+                  <a:spcBef>
+                    <a:spcPts val="500"/>
+                  </a:spcBef>
+                  <a:buSzPct val="125000"/>
+                  <a:buFont typeface="Arial" panose="020B0604020202020204" pitchFamily="34" charset="0"/>
+                  <a:buChar char="•"/>
+                  <a:defRPr sz="1400" kern="1200">
+                    <a:solidFill>
+                      <a:schemeClr val="tx1"/>
+                    </a:solidFill>
+                    <a:latin typeface="+mn-lt"/>
+                    <a:ea typeface="+mn-ea"/>
+                    <a:cs typeface="+mn-cs"/>
+                  </a:defRPr>
+                </a:lvl8pPr>
+                <a:lvl9pPr marL="3886200" indent="-228600" algn="l" defTabSz="914400" rtl="0" eaLnBrk="1" latinLnBrk="0" hangingPunct="1">
+                  <a:lnSpc>
+                    <a:spcPct val="120000"/>
+                  </a:lnSpc>
+                  <a:spcBef>
+                    <a:spcPts val="500"/>
+                  </a:spcBef>
+                  <a:buSzPct val="125000"/>
+                  <a:buFont typeface="Arial" panose="020B0604020202020204" pitchFamily="34" charset="0"/>
+                  <a:buChar char="•"/>
+                  <a:defRPr sz="1400" kern="1200">
+                    <a:solidFill>
+                      <a:schemeClr val="tx1"/>
+                    </a:solidFill>
+                    <a:latin typeface="+mn-lt"/>
+                    <a:ea typeface="+mn-ea"/>
+                    <a:cs typeface="+mn-cs"/>
+                  </a:defRPr>
+                </a:lvl9pPr>
+              </a:lstStyle>
+              <a:p>
+                <a:pPr marL="414000" lvl="1" indent="0">
+                  <a:buNone/>
+                </a:pPr>
+                <a14:m>
+                  <m:oMathPara xmlns:m="http://schemas.openxmlformats.org/officeDocument/2006/math">
+                    <m:oMathParaPr>
+                      <m:jc m:val="center"/>
+                    </m:oMathParaPr>
+                    <m:oMath xmlns:m="http://schemas.openxmlformats.org/officeDocument/2006/math">
+                      <m:r>
+                        <a:rPr lang="en-US" sz="3600" b="0" i="1" smtClean="0">
+                          <a:latin typeface="Cambria Math" panose="02040503050406030204" pitchFamily="18" charset="0"/>
+                        </a:rPr>
+                        <m:t>𝑥</m:t>
+                      </m:r>
+                      <m:r>
+                        <a:rPr lang="en-US" sz="3600" b="0" i="1" smtClean="0">
+                          <a:latin typeface="Cambria Math" panose="02040503050406030204" pitchFamily="18" charset="0"/>
+                        </a:rPr>
+                        <m:t>=</m:t>
+                      </m:r>
+                      <m:f>
+                        <m:fPr>
+                          <m:ctrlPr>
+                            <a:rPr lang="en-US" sz="3600" b="0" i="1" smtClean="0">
+                              <a:latin typeface="Cambria Math" panose="02040503050406030204" pitchFamily="18" charset="0"/>
+                            </a:rPr>
+                          </m:ctrlPr>
+                        </m:fPr>
+                        <m:num>
+                          <m:sSub>
+                            <m:sSubPr>
+                              <m:ctrlPr>
+                                <a:rPr lang="en-US" sz="3600" b="0" i="1" smtClean="0">
+                                  <a:latin typeface="Cambria Math" panose="02040503050406030204" pitchFamily="18" charset="0"/>
+                                </a:rPr>
+                              </m:ctrlPr>
+                            </m:sSubPr>
+                            <m:e>
+                              <m:r>
+                                <a:rPr lang="en-US" sz="3600" b="0" i="1" smtClean="0">
+                                  <a:latin typeface="Cambria Math" panose="02040503050406030204" pitchFamily="18" charset="0"/>
+                                </a:rPr>
+                                <m:t>𝛿</m:t>
+                              </m:r>
+                            </m:e>
+                            <m:sub>
+                              <m:r>
+                                <a:rPr lang="en-US" sz="3600" b="0" i="1" smtClean="0">
+                                  <a:latin typeface="Cambria Math" panose="02040503050406030204" pitchFamily="18" charset="0"/>
+                                </a:rPr>
+                                <m:t>𝑒</m:t>
+                              </m:r>
+                            </m:sub>
+                          </m:sSub>
+                        </m:num>
+                        <m:den>
+                          <m:r>
+                            <a:rPr lang="en-US" sz="3600" b="0" i="1" smtClean="0">
+                              <a:latin typeface="Cambria Math" panose="02040503050406030204" pitchFamily="18" charset="0"/>
+                            </a:rPr>
+                            <m:t>𝑇</m:t>
+                          </m:r>
+                        </m:den>
+                      </m:f>
+                    </m:oMath>
+                  </m:oMathPara>
+                </a14:m>
+                <a:endParaRPr lang="en-US" sz="3600" dirty="0"/>
+              </a:p>
+            </p:txBody>
+          </p:sp>
+        </mc:Choice>
+        <mc:Fallback>
+          <p:sp>
+            <p:nvSpPr>
+              <p:cNvPr id="6" name="Content Placeholder 3">
+                <a:extLst>
+                  <a:ext uri="{FF2B5EF4-FFF2-40B4-BE49-F238E27FC236}">
+                    <a16:creationId xmlns:a16="http://schemas.microsoft.com/office/drawing/2014/main" id="{24C59575-4DA5-9A45-AD13-64725171D879}"/>
+                  </a:ext>
+                </a:extLst>
+              </p:cNvPr>
+              <p:cNvSpPr txBox="1">
+                <a:spLocks noRot="1" noChangeAspect="1" noMove="1" noResize="1" noEditPoints="1" noAdjustHandles="1" noChangeArrowheads="1" noChangeShapeType="1" noTextEdit="1"/>
+              </p:cNvSpPr>
+              <p:nvPr/>
+            </p:nvSpPr>
+            <p:spPr>
+              <a:xfrm>
+                <a:off x="9276080" y="3124463"/>
+                <a:ext cx="1976170" cy="1704776"/>
+              </a:xfrm>
+              <a:prstGeom prst="rect">
+                <a:avLst/>
+              </a:prstGeom>
+              <a:blipFill>
+                <a:blip r:embed="rId4"/>
+                <a:stretch>
+                  <a:fillRect/>
+                </a:stretch>
+              </a:blipFill>
+            </p:spPr>
+            <p:txBody>
+              <a:bodyPr/>
+              <a:lstStyle/>
+              <a:p>
+                <a:r>
+                  <a:rPr lang="en-US">
+                    <a:noFill/>
+                  </a:rPr>
+                  <a:t> </a:t>
+                </a:r>
+              </a:p>
+            </p:txBody>
+          </p:sp>
+        </mc:Fallback>
+      </mc:AlternateContent>
+      <p:cxnSp>
+        <p:nvCxnSpPr>
+          <p:cNvPr id="7" name="Straight Connector 6">
+            <a:extLst>
+              <a:ext uri="{FF2B5EF4-FFF2-40B4-BE49-F238E27FC236}">
+                <a16:creationId xmlns:a16="http://schemas.microsoft.com/office/drawing/2014/main" id="{FB80B4A8-F539-264C-BAE3-A98E9A4C9D5F}"/>
+              </a:ext>
+            </a:extLst>
+          </p:cNvPr>
+          <p:cNvCxnSpPr>
+            <a:cxnSpLocks/>
+          </p:cNvCxnSpPr>
+          <p:nvPr/>
+        </p:nvCxnSpPr>
+        <p:spPr>
+          <a:xfrm flipH="1" flipV="1">
+            <a:off x="10148198" y="2794001"/>
+            <a:ext cx="154042" cy="846214"/>
+          </a:xfrm>
+          <a:prstGeom prst="line">
+            <a:avLst/>
+          </a:prstGeom>
+          <a:ln>
+            <a:solidFill>
+              <a:schemeClr val="tx1">
+                <a:lumMod val="95000"/>
+              </a:schemeClr>
+            </a:solidFill>
+          </a:ln>
+        </p:spPr>
+        <p:style>
+          <a:lnRef idx="1">
+            <a:schemeClr val="accent1"/>
+          </a:lnRef>
+          <a:fillRef idx="0">
+            <a:schemeClr val="accent1"/>
+          </a:fillRef>
+          <a:effectRef idx="0">
+            <a:schemeClr val="accent1"/>
+          </a:effectRef>
+          <a:fontRef idx="minor">
+            <a:schemeClr val="tx1"/>
+          </a:fontRef>
+        </p:style>
+      </p:cxnSp>
+      <p:sp>
+        <p:nvSpPr>
+          <p:cNvPr id="10" name="TextBox 9">
+            <a:extLst>
+              <a:ext uri="{FF2B5EF4-FFF2-40B4-BE49-F238E27FC236}">
+                <a16:creationId xmlns:a16="http://schemas.microsoft.com/office/drawing/2014/main" id="{95A4D7A6-663F-3A44-BBB9-DEF47957F7AA}"/>
+              </a:ext>
+            </a:extLst>
+          </p:cNvPr>
+          <p:cNvSpPr txBox="1"/>
+          <p:nvPr/>
+        </p:nvSpPr>
+        <p:spPr>
+          <a:xfrm>
+            <a:off x="7857014" y="5059680"/>
+            <a:ext cx="2838131" cy="1477328"/>
+          </a:xfrm>
+          <a:prstGeom prst="rect">
+            <a:avLst/>
+          </a:prstGeom>
+          <a:noFill/>
+          <a:ln>
+            <a:solidFill>
+              <a:schemeClr val="tx1">
+                <a:lumMod val="95000"/>
+              </a:schemeClr>
+            </a:solidFill>
+          </a:ln>
+        </p:spPr>
+        <p:txBody>
+          <a:bodyPr wrap="square" rtlCol="0">
+            <a:spAutoFit/>
+          </a:bodyPr>
+          <a:lstStyle/>
+          <a:p>
+            <a:r>
+              <a:rPr lang="en-US" dirty="0"/>
+              <a:t>Why does this make sense? What happens as temperature cools? What happens as energy difference changes?</a:t>
+            </a:r>
+          </a:p>
+        </p:txBody>
+      </p:sp>
     </p:spTree>
     <p:extLst>
       <p:ext uri="{BB962C8B-B14F-4D97-AF65-F5344CB8AC3E}">
-        <p14:creationId xmlns:p14="http://schemas.microsoft.com/office/powerpoint/2010/main" val="2928424003"/>
+        <p14:creationId xmlns:p14="http://schemas.microsoft.com/office/powerpoint/2010/main" val="2751906521"/>
       </p:ext>
     </p:extLst>
   </p:cSld>
@@ -15065,559 +15460,6 @@
         </p:nvSpPr>
         <p:spPr>
           <a:xfrm>
-            <a:off x="1141413" y="61925"/>
-            <a:ext cx="9905998" cy="1478570"/>
-          </a:xfrm>
-        </p:spPr>
-        <p:txBody>
-          <a:bodyPr/>
-          <a:lstStyle/>
-          <a:p>
-            <a:pPr algn="ctr"/>
-            <a:r>
-              <a:rPr lang="en-US" dirty="0"/>
-              <a:t>Simulated Annealing: Sigmoid Function</a:t>
-            </a:r>
-          </a:p>
-        </p:txBody>
-      </p:sp>
-      <mc:AlternateContent xmlns:mc="http://schemas.openxmlformats.org/markup-compatibility/2006" xmlns:a14="http://schemas.microsoft.com/office/drawing/2010/main">
-        <mc:Choice Requires="a14">
-          <p:sp>
-            <p:nvSpPr>
-              <p:cNvPr id="4" name="Content Placeholder 3"/>
-              <p:cNvSpPr>
-                <a:spLocks noGrp="1"/>
-              </p:cNvSpPr>
-              <p:nvPr>
-                <p:ph sz="half" idx="2"/>
-              </p:nvPr>
-            </p:nvSpPr>
-            <p:spPr>
-              <a:xfrm>
-                <a:off x="6481188" y="1088393"/>
-                <a:ext cx="5064665" cy="4527983"/>
-              </a:xfrm>
-            </p:spPr>
-            <p:txBody>
-              <a:bodyPr>
-                <a:normAutofit/>
-              </a:bodyPr>
-              <a:lstStyle/>
-              <a:p>
-                <a:pPr marL="494100" indent="-457200"/>
-                <a:endParaRPr lang="en-US" sz="3800" dirty="0"/>
-              </a:p>
-              <a:p>
-                <a:pPr marL="494100" indent="-457200"/>
-                <a14:m>
-                  <m:oMath xmlns:m="http://schemas.openxmlformats.org/officeDocument/2006/math">
-                    <m:r>
-                      <a:rPr lang="en-US" sz="3800" b="0" i="1" smtClean="0">
-                        <a:latin typeface="Cambria Math" panose="02040503050406030204" pitchFamily="18" charset="0"/>
-                      </a:rPr>
-                      <m:t>𝑦</m:t>
-                    </m:r>
-                    <m:r>
-                      <a:rPr lang="en-US" sz="3800" b="0" i="1" smtClean="0">
-                        <a:latin typeface="Cambria Math" panose="02040503050406030204" pitchFamily="18" charset="0"/>
-                      </a:rPr>
-                      <m:t>=</m:t>
-                    </m:r>
-                    <m:f>
-                      <m:fPr>
-                        <m:ctrlPr>
-                          <a:rPr lang="en-US" sz="3800" b="0" i="1" smtClean="0">
-                            <a:latin typeface="Cambria Math" panose="02040503050406030204" pitchFamily="18" charset="0"/>
-                          </a:rPr>
-                        </m:ctrlPr>
-                      </m:fPr>
-                      <m:num>
-                        <m:r>
-                          <a:rPr lang="en-US" sz="3800" b="0" i="1" smtClean="0">
-                            <a:latin typeface="Cambria Math" panose="02040503050406030204" pitchFamily="18" charset="0"/>
-                          </a:rPr>
-                          <m:t>1</m:t>
-                        </m:r>
-                      </m:num>
-                      <m:den>
-                        <m:r>
-                          <a:rPr lang="en-US" sz="3800" b="0" i="1" smtClean="0">
-                            <a:latin typeface="Cambria Math" panose="02040503050406030204" pitchFamily="18" charset="0"/>
-                          </a:rPr>
-                          <m:t>(1+</m:t>
-                        </m:r>
-                        <m:sSup>
-                          <m:sSupPr>
-                            <m:ctrlPr>
-                              <a:rPr lang="en-US" sz="3800" b="0" i="1" smtClean="0">
-                                <a:latin typeface="Cambria Math" panose="02040503050406030204" pitchFamily="18" charset="0"/>
-                              </a:rPr>
-                            </m:ctrlPr>
-                          </m:sSupPr>
-                          <m:e>
-                            <m:r>
-                              <a:rPr lang="en-US" sz="3800" b="0" i="1" smtClean="0">
-                                <a:latin typeface="Cambria Math" panose="02040503050406030204" pitchFamily="18" charset="0"/>
-                              </a:rPr>
-                              <m:t>𝑒</m:t>
-                            </m:r>
-                          </m:e>
-                          <m:sup>
-                            <m:r>
-                              <a:rPr lang="en-US" sz="3800" b="0" i="1" smtClean="0">
-                                <a:latin typeface="Cambria Math" panose="02040503050406030204" pitchFamily="18" charset="0"/>
-                              </a:rPr>
-                              <m:t>−</m:t>
-                            </m:r>
-                            <m:r>
-                              <a:rPr lang="en-US" sz="3800" b="0" i="1" smtClean="0">
-                                <a:latin typeface="Cambria Math" panose="02040503050406030204" pitchFamily="18" charset="0"/>
-                              </a:rPr>
-                              <m:t>𝑥</m:t>
-                            </m:r>
-                          </m:sup>
-                        </m:sSup>
-                        <m:r>
-                          <a:rPr lang="en-US" sz="3800" b="0" i="1" smtClean="0">
-                            <a:latin typeface="Cambria Math" panose="02040503050406030204" pitchFamily="18" charset="0"/>
-                          </a:rPr>
-                          <m:t>)</m:t>
-                        </m:r>
-                      </m:den>
-                    </m:f>
-                  </m:oMath>
-                </a14:m>
-                <a:endParaRPr lang="en-US" sz="3800" dirty="0"/>
-              </a:p>
-              <a:p>
-                <a:pPr marL="494100" indent="-457200"/>
-                <a:endParaRPr lang="en-US" sz="3800" dirty="0"/>
-              </a:p>
-              <a:p>
-                <a:pPr marL="494100" indent="-457200"/>
-                <a:r>
-                  <a:rPr lang="en-US" sz="3800" dirty="0"/>
-                  <a:t>Second attempt:</a:t>
-                </a:r>
-              </a:p>
-              <a:p>
-                <a:pPr marL="871200" lvl="1" indent="-457200"/>
-                <a:r>
-                  <a:rPr lang="en-US" sz="3600" dirty="0"/>
-                  <a:t>x = ΔE / T</a:t>
-                </a:r>
-              </a:p>
-            </p:txBody>
-          </p:sp>
-        </mc:Choice>
-        <mc:Fallback xmlns="">
-          <p:sp>
-            <p:nvSpPr>
-              <p:cNvPr id="4" name="Content Placeholder 3"/>
-              <p:cNvSpPr>
-                <a:spLocks noGrp="1" noRot="1" noChangeAspect="1" noMove="1" noResize="1" noEditPoints="1" noAdjustHandles="1" noChangeArrowheads="1" noChangeShapeType="1" noTextEdit="1"/>
-              </p:cNvSpPr>
-              <p:nvPr>
-                <p:ph sz="half" idx="2"/>
-              </p:nvPr>
-            </p:nvSpPr>
-            <p:spPr>
-              <a:xfrm>
-                <a:off x="6481188" y="1088393"/>
-                <a:ext cx="5064665" cy="4527983"/>
-              </a:xfrm>
-              <a:blipFill>
-                <a:blip r:embed="rId2"/>
-                <a:stretch>
-                  <a:fillRect l="-4000" b="-1401"/>
-                </a:stretch>
-              </a:blipFill>
-            </p:spPr>
-            <p:txBody>
-              <a:bodyPr/>
-              <a:lstStyle/>
-              <a:p>
-                <a:r>
-                  <a:rPr lang="en-US">
-                    <a:noFill/>
-                  </a:rPr>
-                  <a:t> </a:t>
-                </a:r>
-              </a:p>
-            </p:txBody>
-          </p:sp>
-        </mc:Fallback>
-      </mc:AlternateContent>
-      <p:pic>
-        <p:nvPicPr>
-          <p:cNvPr id="5" name="Picture 4" descr="http://upload.wikimedia.org/wikipedia/commons/thumb/b/b5/SigmoidFunction.png/400px-SigmoidFunction.png">
-            <a:extLst>
-              <a:ext uri="{FF2B5EF4-FFF2-40B4-BE49-F238E27FC236}">
-                <a16:creationId xmlns:a16="http://schemas.microsoft.com/office/drawing/2014/main" id="{FC4569A4-4A95-FA43-A9FF-761B327309C9}"/>
-              </a:ext>
-            </a:extLst>
-          </p:cNvPr>
-          <p:cNvPicPr>
-            <a:picLocks noChangeAspect="1" noChangeArrowheads="1"/>
-          </p:cNvPicPr>
-          <p:nvPr/>
-        </p:nvPicPr>
-        <p:blipFill>
-          <a:blip r:embed="rId3">
-            <a:extLst>
-              <a:ext uri="{28A0092B-C50C-407E-A947-70E740481C1C}">
-                <a14:useLocalDpi xmlns:a14="http://schemas.microsoft.com/office/drawing/2010/main" val="0"/>
-              </a:ext>
-            </a:extLst>
-          </a:blip>
-          <a:srcRect/>
-          <a:stretch>
-            <a:fillRect/>
-          </a:stretch>
-        </p:blipFill>
-        <p:spPr bwMode="auto">
-          <a:xfrm>
-            <a:off x="1279141" y="1783242"/>
-            <a:ext cx="4953000" cy="3900489"/>
-          </a:xfrm>
-          <a:prstGeom prst="rect">
-            <a:avLst/>
-          </a:prstGeom>
-          <a:noFill/>
-          <a:extLst>
-            <a:ext uri="{909E8E84-426E-40DD-AFC4-6F175D3DCCD1}">
-              <a14:hiddenFill xmlns:a14="http://schemas.microsoft.com/office/drawing/2010/main">
-                <a:solidFill>
-                  <a:srgbClr val="FFFFFF"/>
-                </a:solidFill>
-              </a14:hiddenFill>
-            </a:ext>
-          </a:extLst>
-        </p:spPr>
-      </p:pic>
-    </p:spTree>
-    <p:extLst>
-      <p:ext uri="{BB962C8B-B14F-4D97-AF65-F5344CB8AC3E}">
-        <p14:creationId xmlns:p14="http://schemas.microsoft.com/office/powerpoint/2010/main" val="2751906521"/>
-      </p:ext>
-    </p:extLst>
-  </p:cSld>
-  <p:clrMapOvr>
-    <a:masterClrMapping/>
-  </p:clrMapOvr>
-</p:sld>
-</file>
-
-<file path=ppt/slides/slide21.xml><?xml version="1.0" encoding="utf-8"?>
-<p:sld xmlns:a="http://schemas.openxmlformats.org/drawingml/2006/main" xmlns:r="http://schemas.openxmlformats.org/officeDocument/2006/relationships" xmlns:p="http://schemas.openxmlformats.org/presentationml/2006/main">
-  <p:cSld>
-    <p:spTree>
-      <p:nvGrpSpPr>
-        <p:cNvPr id="1" name=""/>
-        <p:cNvGrpSpPr/>
-        <p:nvPr/>
-      </p:nvGrpSpPr>
-      <p:grpSpPr>
-        <a:xfrm>
-          <a:off x="0" y="0"/>
-          <a:ext cx="0" cy="0"/>
-          <a:chOff x="0" y="0"/>
-          <a:chExt cx="0" cy="0"/>
-        </a:xfrm>
-      </p:grpSpPr>
-      <p:sp>
-        <p:nvSpPr>
-          <p:cNvPr id="2" name="Title 1"/>
-          <p:cNvSpPr>
-            <a:spLocks noGrp="1"/>
-          </p:cNvSpPr>
-          <p:nvPr>
-            <p:ph type="title"/>
-          </p:nvPr>
-        </p:nvSpPr>
-        <p:spPr>
-          <a:xfrm>
-            <a:off x="1141413" y="149390"/>
-            <a:ext cx="9905998" cy="1478570"/>
-          </a:xfrm>
-        </p:spPr>
-        <p:txBody>
-          <a:bodyPr/>
-          <a:lstStyle/>
-          <a:p>
-            <a:pPr algn="ctr"/>
-            <a:r>
-              <a:rPr lang="en-US" dirty="0"/>
-              <a:t>Simulated Annealing: Sigmoid Function</a:t>
-            </a:r>
-          </a:p>
-        </p:txBody>
-      </p:sp>
-      <mc:AlternateContent xmlns:mc="http://schemas.openxmlformats.org/markup-compatibility/2006" xmlns:a14="http://schemas.microsoft.com/office/drawing/2010/main">
-        <mc:Choice Requires="a14">
-          <p:sp>
-            <p:nvSpPr>
-              <p:cNvPr id="4" name="Content Placeholder 3"/>
-              <p:cNvSpPr>
-                <a:spLocks noGrp="1"/>
-              </p:cNvSpPr>
-              <p:nvPr>
-                <p:ph sz="half" idx="2"/>
-              </p:nvPr>
-            </p:nvSpPr>
-            <p:spPr>
-              <a:xfrm>
-                <a:off x="6457334" y="1684741"/>
-                <a:ext cx="5379508" cy="4527983"/>
-              </a:xfrm>
-            </p:spPr>
-            <p:txBody>
-              <a:bodyPr>
-                <a:normAutofit fontScale="92500" lnSpcReduction="20000"/>
-              </a:bodyPr>
-              <a:lstStyle/>
-              <a:p>
-                <a:pPr marL="494100" indent="-457200"/>
-                <a14:m>
-                  <m:oMath xmlns:m="http://schemas.openxmlformats.org/officeDocument/2006/math">
-                    <m:r>
-                      <a:rPr lang="en-US" sz="3800" b="0" i="1" smtClean="0">
-                        <a:latin typeface="Cambria Math" panose="02040503050406030204" pitchFamily="18" charset="0"/>
-                      </a:rPr>
-                      <m:t>𝑦</m:t>
-                    </m:r>
-                    <m:r>
-                      <a:rPr lang="en-US" sz="3800" b="0" i="1" smtClean="0">
-                        <a:latin typeface="Cambria Math" panose="02040503050406030204" pitchFamily="18" charset="0"/>
-                      </a:rPr>
-                      <m:t>=</m:t>
-                    </m:r>
-                    <m:f>
-                      <m:fPr>
-                        <m:ctrlPr>
-                          <a:rPr lang="en-US" sz="3800" b="0" i="1" smtClean="0">
-                            <a:latin typeface="Cambria Math" panose="02040503050406030204" pitchFamily="18" charset="0"/>
-                          </a:rPr>
-                        </m:ctrlPr>
-                      </m:fPr>
-                      <m:num>
-                        <m:r>
-                          <a:rPr lang="en-US" sz="3800" b="0" i="1" smtClean="0">
-                            <a:latin typeface="Cambria Math" panose="02040503050406030204" pitchFamily="18" charset="0"/>
-                          </a:rPr>
-                          <m:t>1</m:t>
-                        </m:r>
-                      </m:num>
-                      <m:den>
-                        <m:r>
-                          <a:rPr lang="en-US" sz="3800" b="0" i="1" smtClean="0">
-                            <a:latin typeface="Cambria Math" panose="02040503050406030204" pitchFamily="18" charset="0"/>
-                          </a:rPr>
-                          <m:t>(1+</m:t>
-                        </m:r>
-                        <m:sSup>
-                          <m:sSupPr>
-                            <m:ctrlPr>
-                              <a:rPr lang="en-US" sz="3800" b="0" i="1" smtClean="0">
-                                <a:latin typeface="Cambria Math" panose="02040503050406030204" pitchFamily="18" charset="0"/>
-                              </a:rPr>
-                            </m:ctrlPr>
-                          </m:sSupPr>
-                          <m:e>
-                            <m:r>
-                              <a:rPr lang="en-US" sz="3800" b="0" i="1" smtClean="0">
-                                <a:latin typeface="Cambria Math" panose="02040503050406030204" pitchFamily="18" charset="0"/>
-                              </a:rPr>
-                              <m:t>𝑒</m:t>
-                            </m:r>
-                          </m:e>
-                          <m:sup>
-                            <m:r>
-                              <a:rPr lang="en-US" sz="3800" b="0" i="1" smtClean="0">
-                                <a:latin typeface="Cambria Math" panose="02040503050406030204" pitchFamily="18" charset="0"/>
-                              </a:rPr>
-                              <m:t>−</m:t>
-                            </m:r>
-                            <m:r>
-                              <a:rPr lang="en-US" sz="3800" b="0" i="1" smtClean="0">
-                                <a:latin typeface="Cambria Math" panose="02040503050406030204" pitchFamily="18" charset="0"/>
-                              </a:rPr>
-                              <m:t>𝑥</m:t>
-                            </m:r>
-                          </m:sup>
-                        </m:sSup>
-                        <m:r>
-                          <a:rPr lang="en-US" sz="3800" b="0" i="1" smtClean="0">
-                            <a:latin typeface="Cambria Math" panose="02040503050406030204" pitchFamily="18" charset="0"/>
-                          </a:rPr>
-                          <m:t>)</m:t>
-                        </m:r>
-                      </m:den>
-                    </m:f>
-                  </m:oMath>
-                </a14:m>
-                <a:endParaRPr lang="en-US" sz="3800" dirty="0"/>
-              </a:p>
-              <a:p>
-                <a:pPr marL="494100" indent="-457200"/>
-                <a:endParaRPr lang="en-US" sz="3800" dirty="0"/>
-              </a:p>
-              <a:p>
-                <a:pPr marL="494100" indent="-457200"/>
-                <a:r>
-                  <a:rPr lang="en-US" sz="3800" dirty="0"/>
-                  <a:t>X = ΔE / T</a:t>
-                </a:r>
-              </a:p>
-              <a:p>
-                <a:pPr marL="494100" indent="-457200"/>
-                <a:endParaRPr lang="en-US" sz="3800" dirty="0"/>
-              </a:p>
-              <a:p>
-                <a:pPr marL="494100" indent="-457200"/>
-                <a:r>
-                  <a:rPr lang="en-US" sz="3800" dirty="0"/>
-                  <a:t>How does ΔE affect P?</a:t>
-                </a:r>
-              </a:p>
-              <a:p>
-                <a:pPr marL="494100" indent="-457200"/>
-                <a:r>
-                  <a:rPr lang="en-US" sz="3800" dirty="0"/>
-                  <a:t>How does T affect P?</a:t>
-                </a:r>
-              </a:p>
-            </p:txBody>
-          </p:sp>
-        </mc:Choice>
-        <mc:Fallback xmlns="">
-          <p:sp>
-            <p:nvSpPr>
-              <p:cNvPr id="4" name="Content Placeholder 3"/>
-              <p:cNvSpPr>
-                <a:spLocks noGrp="1" noRot="1" noChangeAspect="1" noMove="1" noResize="1" noEditPoints="1" noAdjustHandles="1" noChangeArrowheads="1" noChangeShapeType="1" noTextEdit="1"/>
-              </p:cNvSpPr>
-              <p:nvPr>
-                <p:ph sz="half" idx="2"/>
-              </p:nvPr>
-            </p:nvSpPr>
-            <p:spPr>
-              <a:xfrm>
-                <a:off x="6457334" y="1684741"/>
-                <a:ext cx="5379508" cy="4527983"/>
-              </a:xfrm>
-              <a:blipFill>
-                <a:blip r:embed="rId2"/>
-                <a:stretch>
-                  <a:fillRect l="-3294" b="-2801"/>
-                </a:stretch>
-              </a:blipFill>
-            </p:spPr>
-            <p:txBody>
-              <a:bodyPr/>
-              <a:lstStyle/>
-              <a:p>
-                <a:r>
-                  <a:rPr lang="en-US">
-                    <a:noFill/>
-                  </a:rPr>
-                  <a:t> </a:t>
-                </a:r>
-              </a:p>
-            </p:txBody>
-          </p:sp>
-        </mc:Fallback>
-      </mc:AlternateContent>
-      <p:pic>
-        <p:nvPicPr>
-          <p:cNvPr id="5" name="Picture 4" descr="http://upload.wikimedia.org/wikipedia/commons/thumb/b/b5/SigmoidFunction.png/400px-SigmoidFunction.png">
-            <a:extLst>
-              <a:ext uri="{FF2B5EF4-FFF2-40B4-BE49-F238E27FC236}">
-                <a16:creationId xmlns:a16="http://schemas.microsoft.com/office/drawing/2014/main" id="{FA7F3BFE-D320-3642-A140-4600E41F83CE}"/>
-              </a:ext>
-            </a:extLst>
-          </p:cNvPr>
-          <p:cNvPicPr>
-            <a:picLocks noChangeAspect="1" noChangeArrowheads="1"/>
-          </p:cNvPicPr>
-          <p:nvPr/>
-        </p:nvPicPr>
-        <p:blipFill>
-          <a:blip r:embed="rId3">
-            <a:extLst>
-              <a:ext uri="{28A0092B-C50C-407E-A947-70E740481C1C}">
-                <a14:useLocalDpi xmlns:a14="http://schemas.microsoft.com/office/drawing/2010/main" val="0"/>
-              </a:ext>
-            </a:extLst>
-          </a:blip>
-          <a:srcRect/>
-          <a:stretch>
-            <a:fillRect/>
-          </a:stretch>
-        </p:blipFill>
-        <p:spPr bwMode="auto">
-          <a:xfrm>
-            <a:off x="1279141" y="1783242"/>
-            <a:ext cx="4953000" cy="3900489"/>
-          </a:xfrm>
-          <a:prstGeom prst="rect">
-            <a:avLst/>
-          </a:prstGeom>
-          <a:noFill/>
-          <a:extLst>
-            <a:ext uri="{909E8E84-426E-40DD-AFC4-6F175D3DCCD1}">
-              <a14:hiddenFill xmlns:a14="http://schemas.microsoft.com/office/drawing/2010/main">
-                <a:solidFill>
-                  <a:srgbClr val="FFFFFF"/>
-                </a:solidFill>
-              </a14:hiddenFill>
-            </a:ext>
-          </a:extLst>
-        </p:spPr>
-      </p:pic>
-    </p:spTree>
-    <p:extLst>
-      <p:ext uri="{BB962C8B-B14F-4D97-AF65-F5344CB8AC3E}">
-        <p14:creationId xmlns:p14="http://schemas.microsoft.com/office/powerpoint/2010/main" val="375174991"/>
-      </p:ext>
-    </p:extLst>
-  </p:cSld>
-  <p:clrMapOvr>
-    <a:masterClrMapping/>
-  </p:clrMapOvr>
-</p:sld>
-</file>
-
-<file path=ppt/slides/slide22.xml><?xml version="1.0" encoding="utf-8"?>
-<p:sld xmlns:a="http://schemas.openxmlformats.org/drawingml/2006/main" xmlns:r="http://schemas.openxmlformats.org/officeDocument/2006/relationships" xmlns:p="http://schemas.openxmlformats.org/presentationml/2006/main">
-  <p:cSld>
-    <p:spTree>
-      <p:nvGrpSpPr>
-        <p:cNvPr id="1" name=""/>
-        <p:cNvGrpSpPr/>
-        <p:nvPr/>
-      </p:nvGrpSpPr>
-      <p:grpSpPr>
-        <a:xfrm>
-          <a:off x="0" y="0"/>
-          <a:ext cx="0" cy="0"/>
-          <a:chOff x="0" y="0"/>
-          <a:chExt cx="0" cy="0"/>
-        </a:xfrm>
-      </p:grpSpPr>
-      <p:sp>
-        <p:nvSpPr>
-          <p:cNvPr id="2" name="Title 1"/>
-          <p:cNvSpPr>
-            <a:spLocks noGrp="1"/>
-          </p:cNvSpPr>
-          <p:nvPr>
-            <p:ph type="title"/>
-          </p:nvPr>
-        </p:nvSpPr>
-        <p:spPr>
-          <a:xfrm>
             <a:off x="1141413" y="117586"/>
             <a:ext cx="9905998" cy="1478570"/>
           </a:xfrm>
@@ -15671,7 +15513,7 @@
 </p:sld>
 </file>
 
-<file path=ppt/slides/slide23.xml><?xml version="1.0" encoding="utf-8"?>
+<file path=ppt/slides/slide21.xml><?xml version="1.0" encoding="utf-8"?>
 <p:sld xmlns:a="http://schemas.openxmlformats.org/drawingml/2006/main" xmlns:r="http://schemas.openxmlformats.org/officeDocument/2006/relationships" xmlns:p="http://schemas.openxmlformats.org/presentationml/2006/main">
   <p:cSld>
     <p:spTree>
@@ -15789,7 +15631,7 @@
 </p:sld>
 </file>
 
-<file path=ppt/slides/slide24.xml><?xml version="1.0" encoding="utf-8"?>
+<file path=ppt/slides/slide22.xml><?xml version="1.0" encoding="utf-8"?>
 <p:sld xmlns:a="http://schemas.openxmlformats.org/drawingml/2006/main" xmlns:r="http://schemas.openxmlformats.org/officeDocument/2006/relationships" xmlns:p="http://schemas.openxmlformats.org/presentationml/2006/main">
   <p:cSld>
     <p:spTree>
@@ -15927,7 +15769,7 @@
 </p:sld>
 </file>
 
-<file path=ppt/slides/slide25.xml><?xml version="1.0" encoding="utf-8"?>
+<file path=ppt/slides/slide23.xml><?xml version="1.0" encoding="utf-8"?>
 <p:sld xmlns:a="http://schemas.openxmlformats.org/drawingml/2006/main" xmlns:r="http://schemas.openxmlformats.org/officeDocument/2006/relationships" xmlns:p="http://schemas.openxmlformats.org/presentationml/2006/main">
   <p:cSld>
     <p:spTree>
@@ -16060,7 +15902,7 @@
 </p:sld>
 </file>
 
-<file path=ppt/slides/slide26.xml><?xml version="1.0" encoding="utf-8"?>
+<file path=ppt/slides/slide24.xml><?xml version="1.0" encoding="utf-8"?>
 <p:sld xmlns:a="http://schemas.openxmlformats.org/drawingml/2006/main" xmlns:r="http://schemas.openxmlformats.org/officeDocument/2006/relationships" xmlns:p="http://schemas.openxmlformats.org/presentationml/2006/main">
   <p:cSld>
     <p:spTree>
@@ -16215,7 +16057,7 @@
 </p:sld>
 </file>
 
-<file path=ppt/slides/slide27.xml><?xml version="1.0" encoding="utf-8"?>
+<file path=ppt/slides/slide25.xml><?xml version="1.0" encoding="utf-8"?>
 <p:sld xmlns:a="http://schemas.openxmlformats.org/drawingml/2006/main" xmlns:r="http://schemas.openxmlformats.org/officeDocument/2006/relationships" xmlns:p="http://schemas.openxmlformats.org/presentationml/2006/main">
   <p:cSld>
     <p:spTree>
@@ -16357,7 +16199,7 @@
 </p:sld>
 </file>
 
-<file path=ppt/slides/slide28.xml><?xml version="1.0" encoding="utf-8"?>
+<file path=ppt/slides/slide26.xml><?xml version="1.0" encoding="utf-8"?>
 <p:sld xmlns:a="http://schemas.openxmlformats.org/drawingml/2006/main" xmlns:r="http://schemas.openxmlformats.org/officeDocument/2006/relationships" xmlns:p="http://schemas.openxmlformats.org/presentationml/2006/main">
   <p:cSld>
     <p:spTree>
@@ -16443,7 +16285,7 @@
 </p:sld>
 </file>
 
-<file path=ppt/slides/slide29.xml><?xml version="1.0" encoding="utf-8"?>
+<file path=ppt/slides/slide27.xml><?xml version="1.0" encoding="utf-8"?>
 <p:sld xmlns:a="http://schemas.openxmlformats.org/drawingml/2006/main" xmlns:r="http://schemas.openxmlformats.org/officeDocument/2006/relationships" xmlns:p="http://schemas.openxmlformats.org/presentationml/2006/main">
   <p:cSld>
     <p:spTree>
@@ -16493,6 +16335,317 @@
     <p:extLst>
       <p:ext uri="{BB962C8B-B14F-4D97-AF65-F5344CB8AC3E}">
         <p14:creationId xmlns:p14="http://schemas.microsoft.com/office/powerpoint/2010/main" val="3917589813"/>
+      </p:ext>
+    </p:extLst>
+  </p:cSld>
+  <p:clrMapOvr>
+    <a:masterClrMapping/>
+  </p:clrMapOvr>
+</p:sld>
+</file>
+
+<file path=ppt/slides/slide28.xml><?xml version="1.0" encoding="utf-8"?>
+<p:sld xmlns:a="http://schemas.openxmlformats.org/drawingml/2006/main" xmlns:r="http://schemas.openxmlformats.org/officeDocument/2006/relationships" xmlns:p="http://schemas.openxmlformats.org/presentationml/2006/main">
+  <p:cSld>
+    <p:spTree>
+      <p:nvGrpSpPr>
+        <p:cNvPr id="1" name=""/>
+        <p:cNvGrpSpPr/>
+        <p:nvPr/>
+      </p:nvGrpSpPr>
+      <p:grpSpPr>
+        <a:xfrm>
+          <a:off x="0" y="0"/>
+          <a:ext cx="0" cy="0"/>
+          <a:chOff x="0" y="0"/>
+          <a:chExt cx="0" cy="0"/>
+        </a:xfrm>
+      </p:grpSpPr>
+      <p:sp>
+        <p:nvSpPr>
+          <p:cNvPr id="2" name="Title 1">
+            <a:extLst>
+              <a:ext uri="{FF2B5EF4-FFF2-40B4-BE49-F238E27FC236}">
+                <a16:creationId xmlns:a16="http://schemas.microsoft.com/office/drawing/2014/main" id="{D63C04CD-2329-4D47-84D9-12CB3EDD9F46}"/>
+              </a:ext>
+            </a:extLst>
+          </p:cNvPr>
+          <p:cNvSpPr>
+            <a:spLocks noGrp="1"/>
+          </p:cNvSpPr>
+          <p:nvPr>
+            <p:ph type="title"/>
+          </p:nvPr>
+        </p:nvSpPr>
+        <p:spPr>
+          <a:xfrm>
+            <a:off x="1141412" y="228903"/>
+            <a:ext cx="9905998" cy="860425"/>
+          </a:xfrm>
+        </p:spPr>
+        <p:txBody>
+          <a:bodyPr/>
+          <a:lstStyle/>
+          <a:p>
+            <a:pPr algn="ctr"/>
+            <a:r>
+              <a:rPr lang="en-US" dirty="0"/>
+              <a:t>Conclusions</a:t>
+            </a:r>
+          </a:p>
+        </p:txBody>
+      </p:sp>
+      <p:sp>
+        <p:nvSpPr>
+          <p:cNvPr id="5" name="Content Placeholder 2">
+            <a:extLst>
+              <a:ext uri="{FF2B5EF4-FFF2-40B4-BE49-F238E27FC236}">
+                <a16:creationId xmlns:a16="http://schemas.microsoft.com/office/drawing/2014/main" id="{A36B35A7-33B4-2246-9592-F0BBDFD568CC}"/>
+              </a:ext>
+            </a:extLst>
+          </p:cNvPr>
+          <p:cNvSpPr txBox="1">
+            <a:spLocks/>
+          </p:cNvSpPr>
+          <p:nvPr/>
+        </p:nvSpPr>
+        <p:spPr>
+          <a:xfrm>
+            <a:off x="2618509" y="1805152"/>
+            <a:ext cx="8198632" cy="4744932"/>
+          </a:xfrm>
+          <a:prstGeom prst="rect">
+            <a:avLst/>
+          </a:prstGeom>
+        </p:spPr>
+        <p:txBody>
+          <a:bodyPr vert="horz" lIns="91440" tIns="45720" rIns="91440" bIns="45720" rtlCol="0">
+            <a:normAutofit/>
+          </a:bodyPr>
+          <a:lstStyle>
+            <a:lvl1pPr marL="228600" indent="-228600" algn="l" defTabSz="914400" rtl="0" eaLnBrk="1" latinLnBrk="0" hangingPunct="1">
+              <a:lnSpc>
+                <a:spcPct val="120000"/>
+              </a:lnSpc>
+              <a:spcBef>
+                <a:spcPts val="1000"/>
+              </a:spcBef>
+              <a:buSzPct val="125000"/>
+              <a:buFont typeface="Arial" panose="020B0604020202020204" pitchFamily="34" charset="0"/>
+              <a:buChar char="•"/>
+              <a:defRPr sz="2400" kern="1200">
+                <a:solidFill>
+                  <a:schemeClr val="tx1"/>
+                </a:solidFill>
+                <a:latin typeface="+mn-lt"/>
+                <a:ea typeface="+mn-ea"/>
+                <a:cs typeface="+mn-cs"/>
+              </a:defRPr>
+            </a:lvl1pPr>
+            <a:lvl2pPr marL="685800" indent="-228600" algn="l" defTabSz="914400" rtl="0" eaLnBrk="1" latinLnBrk="0" hangingPunct="1">
+              <a:lnSpc>
+                <a:spcPct val="120000"/>
+              </a:lnSpc>
+              <a:spcBef>
+                <a:spcPts val="500"/>
+              </a:spcBef>
+              <a:buSzPct val="125000"/>
+              <a:buFont typeface="Arial" panose="020B0604020202020204" pitchFamily="34" charset="0"/>
+              <a:buChar char="•"/>
+              <a:defRPr sz="2000" kern="1200">
+                <a:solidFill>
+                  <a:schemeClr val="tx1"/>
+                </a:solidFill>
+                <a:latin typeface="+mn-lt"/>
+                <a:ea typeface="+mn-ea"/>
+                <a:cs typeface="+mn-cs"/>
+              </a:defRPr>
+            </a:lvl2pPr>
+            <a:lvl3pPr marL="1143000" indent="-228600" algn="l" defTabSz="914400" rtl="0" eaLnBrk="1" latinLnBrk="0" hangingPunct="1">
+              <a:lnSpc>
+                <a:spcPct val="120000"/>
+              </a:lnSpc>
+              <a:spcBef>
+                <a:spcPts val="500"/>
+              </a:spcBef>
+              <a:buSzPct val="125000"/>
+              <a:buFont typeface="Arial" panose="020B0604020202020204" pitchFamily="34" charset="0"/>
+              <a:buChar char="•"/>
+              <a:defRPr sz="1800" kern="1200">
+                <a:solidFill>
+                  <a:schemeClr val="tx1"/>
+                </a:solidFill>
+                <a:latin typeface="+mn-lt"/>
+                <a:ea typeface="+mn-ea"/>
+                <a:cs typeface="+mn-cs"/>
+              </a:defRPr>
+            </a:lvl3pPr>
+            <a:lvl4pPr marL="1600200" indent="-228600" algn="l" defTabSz="914400" rtl="0" eaLnBrk="1" latinLnBrk="0" hangingPunct="1">
+              <a:lnSpc>
+                <a:spcPct val="120000"/>
+              </a:lnSpc>
+              <a:spcBef>
+                <a:spcPts val="500"/>
+              </a:spcBef>
+              <a:buSzPct val="125000"/>
+              <a:buFont typeface="Arial" panose="020B0604020202020204" pitchFamily="34" charset="0"/>
+              <a:buChar char="•"/>
+              <a:defRPr sz="1600" kern="1200">
+                <a:solidFill>
+                  <a:schemeClr val="tx1"/>
+                </a:solidFill>
+                <a:latin typeface="+mn-lt"/>
+                <a:ea typeface="+mn-ea"/>
+                <a:cs typeface="+mn-cs"/>
+              </a:defRPr>
+            </a:lvl4pPr>
+            <a:lvl5pPr marL="2057400" indent="-228600" algn="l" defTabSz="914400" rtl="0" eaLnBrk="1" latinLnBrk="0" hangingPunct="1">
+              <a:lnSpc>
+                <a:spcPct val="120000"/>
+              </a:lnSpc>
+              <a:spcBef>
+                <a:spcPts val="500"/>
+              </a:spcBef>
+              <a:buSzPct val="125000"/>
+              <a:buFont typeface="Arial" panose="020B0604020202020204" pitchFamily="34" charset="0"/>
+              <a:buChar char="•"/>
+              <a:defRPr sz="1600" kern="1200">
+                <a:solidFill>
+                  <a:schemeClr val="tx1"/>
+                </a:solidFill>
+                <a:latin typeface="+mn-lt"/>
+                <a:ea typeface="+mn-ea"/>
+                <a:cs typeface="+mn-cs"/>
+              </a:defRPr>
+            </a:lvl5pPr>
+            <a:lvl6pPr marL="2514600" indent="-228600" algn="l" defTabSz="914400" rtl="0" eaLnBrk="1" latinLnBrk="0" hangingPunct="1">
+              <a:lnSpc>
+                <a:spcPct val="120000"/>
+              </a:lnSpc>
+              <a:spcBef>
+                <a:spcPts val="500"/>
+              </a:spcBef>
+              <a:buSzPct val="125000"/>
+              <a:buFont typeface="Arial" panose="020B0604020202020204" pitchFamily="34" charset="0"/>
+              <a:buChar char="•"/>
+              <a:defRPr sz="1400" kern="1200">
+                <a:solidFill>
+                  <a:schemeClr val="tx1"/>
+                </a:solidFill>
+                <a:latin typeface="+mn-lt"/>
+                <a:ea typeface="+mn-ea"/>
+                <a:cs typeface="+mn-cs"/>
+              </a:defRPr>
+            </a:lvl6pPr>
+            <a:lvl7pPr marL="2971800" indent="-228600" algn="l" defTabSz="914400" rtl="0" eaLnBrk="1" latinLnBrk="0" hangingPunct="1">
+              <a:lnSpc>
+                <a:spcPct val="120000"/>
+              </a:lnSpc>
+              <a:spcBef>
+                <a:spcPts val="500"/>
+              </a:spcBef>
+              <a:buSzPct val="125000"/>
+              <a:buFont typeface="Arial" panose="020B0604020202020204" pitchFamily="34" charset="0"/>
+              <a:buChar char="•"/>
+              <a:defRPr sz="1400" kern="1200">
+                <a:solidFill>
+                  <a:schemeClr val="tx1"/>
+                </a:solidFill>
+                <a:latin typeface="+mn-lt"/>
+                <a:ea typeface="+mn-ea"/>
+                <a:cs typeface="+mn-cs"/>
+              </a:defRPr>
+            </a:lvl7pPr>
+            <a:lvl8pPr marL="3429000" indent="-228600" algn="l" defTabSz="914400" rtl="0" eaLnBrk="1" latinLnBrk="0" hangingPunct="1">
+              <a:lnSpc>
+                <a:spcPct val="120000"/>
+              </a:lnSpc>
+              <a:spcBef>
+                <a:spcPts val="500"/>
+              </a:spcBef>
+              <a:buSzPct val="125000"/>
+              <a:buFont typeface="Arial" panose="020B0604020202020204" pitchFamily="34" charset="0"/>
+              <a:buChar char="•"/>
+              <a:defRPr sz="1400" kern="1200">
+                <a:solidFill>
+                  <a:schemeClr val="tx1"/>
+                </a:solidFill>
+                <a:latin typeface="+mn-lt"/>
+                <a:ea typeface="+mn-ea"/>
+                <a:cs typeface="+mn-cs"/>
+              </a:defRPr>
+            </a:lvl8pPr>
+            <a:lvl9pPr marL="3886200" indent="-228600" algn="l" defTabSz="914400" rtl="0" eaLnBrk="1" latinLnBrk="0" hangingPunct="1">
+              <a:lnSpc>
+                <a:spcPct val="120000"/>
+              </a:lnSpc>
+              <a:spcBef>
+                <a:spcPts val="500"/>
+              </a:spcBef>
+              <a:buSzPct val="125000"/>
+              <a:buFont typeface="Arial" panose="020B0604020202020204" pitchFamily="34" charset="0"/>
+              <a:buChar char="•"/>
+              <a:defRPr sz="1400" kern="1200">
+                <a:solidFill>
+                  <a:schemeClr val="tx1"/>
+                </a:solidFill>
+                <a:latin typeface="+mn-lt"/>
+                <a:ea typeface="+mn-ea"/>
+                <a:cs typeface="+mn-cs"/>
+              </a:defRPr>
+            </a:lvl9pPr>
+          </a:lstStyle>
+          <a:p>
+            <a:pPr marL="0" indent="0">
+              <a:buNone/>
+            </a:pPr>
+            <a:r>
+              <a:rPr lang="en-US" sz="2000" b="1" i="1" u="sng" dirty="0"/>
+              <a:t>Simulated Annealing:</a:t>
+            </a:r>
+          </a:p>
+          <a:p>
+            <a:pPr lvl="1"/>
+            <a:r>
+              <a:rPr lang="en-US" sz="1600" dirty="0"/>
+              <a:t>Is an efficient method for finding good approximations to NP-Complete problems as well as many other types of problems.</a:t>
+            </a:r>
+          </a:p>
+          <a:p>
+            <a:pPr lvl="1"/>
+            <a:r>
+              <a:rPr lang="en-US" sz="1600" dirty="0"/>
+              <a:t>Is quite general (only requires concept of solution state, value of solution, and neighbor states)</a:t>
+            </a:r>
+          </a:p>
+          <a:p>
+            <a:pPr lvl="1"/>
+            <a:r>
+              <a:rPr lang="en-US" sz="1600" dirty="0"/>
+              <a:t>Is very fast, and speed can be tuned by changing internal variables (cooling rate, temperature, etc.)</a:t>
+            </a:r>
+          </a:p>
+          <a:p>
+            <a:pPr marL="0" indent="0">
+              <a:buNone/>
+            </a:pPr>
+            <a:endParaRPr lang="en-US" sz="2000" dirty="0"/>
+          </a:p>
+          <a:p>
+            <a:pPr marL="0" indent="0">
+              <a:buNone/>
+            </a:pPr>
+            <a:br>
+              <a:rPr lang="en-US" sz="2000" dirty="0"/>
+            </a:br>
+            <a:endParaRPr lang="en-US" sz="1600" dirty="0"/>
+          </a:p>
+        </p:txBody>
+      </p:sp>
+    </p:spTree>
+    <p:extLst>
+      <p:ext uri="{BB962C8B-B14F-4D97-AF65-F5344CB8AC3E}">
+        <p14:creationId xmlns:p14="http://schemas.microsoft.com/office/powerpoint/2010/main" val="654641598"/>
       </p:ext>
     </p:extLst>
   </p:cSld>
@@ -16557,317 +16710,6 @@
     <p:extLst>
       <p:ext uri="{BB962C8B-B14F-4D97-AF65-F5344CB8AC3E}">
         <p14:creationId xmlns:p14="http://schemas.microsoft.com/office/powerpoint/2010/main" val="3558387040"/>
-      </p:ext>
-    </p:extLst>
-  </p:cSld>
-  <p:clrMapOvr>
-    <a:masterClrMapping/>
-  </p:clrMapOvr>
-</p:sld>
-</file>
-
-<file path=ppt/slides/slide30.xml><?xml version="1.0" encoding="utf-8"?>
-<p:sld xmlns:a="http://schemas.openxmlformats.org/drawingml/2006/main" xmlns:r="http://schemas.openxmlformats.org/officeDocument/2006/relationships" xmlns:p="http://schemas.openxmlformats.org/presentationml/2006/main">
-  <p:cSld>
-    <p:spTree>
-      <p:nvGrpSpPr>
-        <p:cNvPr id="1" name=""/>
-        <p:cNvGrpSpPr/>
-        <p:nvPr/>
-      </p:nvGrpSpPr>
-      <p:grpSpPr>
-        <a:xfrm>
-          <a:off x="0" y="0"/>
-          <a:ext cx="0" cy="0"/>
-          <a:chOff x="0" y="0"/>
-          <a:chExt cx="0" cy="0"/>
-        </a:xfrm>
-      </p:grpSpPr>
-      <p:sp>
-        <p:nvSpPr>
-          <p:cNvPr id="2" name="Title 1">
-            <a:extLst>
-              <a:ext uri="{FF2B5EF4-FFF2-40B4-BE49-F238E27FC236}">
-                <a16:creationId xmlns:a16="http://schemas.microsoft.com/office/drawing/2014/main" id="{D63C04CD-2329-4D47-84D9-12CB3EDD9F46}"/>
-              </a:ext>
-            </a:extLst>
-          </p:cNvPr>
-          <p:cNvSpPr>
-            <a:spLocks noGrp="1"/>
-          </p:cNvSpPr>
-          <p:nvPr>
-            <p:ph type="title"/>
-          </p:nvPr>
-        </p:nvSpPr>
-        <p:spPr>
-          <a:xfrm>
-            <a:off x="1141412" y="228903"/>
-            <a:ext cx="9905998" cy="860425"/>
-          </a:xfrm>
-        </p:spPr>
-        <p:txBody>
-          <a:bodyPr/>
-          <a:lstStyle/>
-          <a:p>
-            <a:pPr algn="ctr"/>
-            <a:r>
-              <a:rPr lang="en-US" dirty="0"/>
-              <a:t>Conclusions</a:t>
-            </a:r>
-          </a:p>
-        </p:txBody>
-      </p:sp>
-      <p:sp>
-        <p:nvSpPr>
-          <p:cNvPr id="5" name="Content Placeholder 2">
-            <a:extLst>
-              <a:ext uri="{FF2B5EF4-FFF2-40B4-BE49-F238E27FC236}">
-                <a16:creationId xmlns:a16="http://schemas.microsoft.com/office/drawing/2014/main" id="{A36B35A7-33B4-2246-9592-F0BBDFD568CC}"/>
-              </a:ext>
-            </a:extLst>
-          </p:cNvPr>
-          <p:cNvSpPr txBox="1">
-            <a:spLocks/>
-          </p:cNvSpPr>
-          <p:nvPr/>
-        </p:nvSpPr>
-        <p:spPr>
-          <a:xfrm>
-            <a:off x="2618509" y="1805152"/>
-            <a:ext cx="8198632" cy="4744932"/>
-          </a:xfrm>
-          <a:prstGeom prst="rect">
-            <a:avLst/>
-          </a:prstGeom>
-        </p:spPr>
-        <p:txBody>
-          <a:bodyPr vert="horz" lIns="91440" tIns="45720" rIns="91440" bIns="45720" rtlCol="0">
-            <a:normAutofit/>
-          </a:bodyPr>
-          <a:lstStyle>
-            <a:lvl1pPr marL="228600" indent="-228600" algn="l" defTabSz="914400" rtl="0" eaLnBrk="1" latinLnBrk="0" hangingPunct="1">
-              <a:lnSpc>
-                <a:spcPct val="120000"/>
-              </a:lnSpc>
-              <a:spcBef>
-                <a:spcPts val="1000"/>
-              </a:spcBef>
-              <a:buSzPct val="125000"/>
-              <a:buFont typeface="Arial" panose="020B0604020202020204" pitchFamily="34" charset="0"/>
-              <a:buChar char="•"/>
-              <a:defRPr sz="2400" kern="1200">
-                <a:solidFill>
-                  <a:schemeClr val="tx1"/>
-                </a:solidFill>
-                <a:latin typeface="+mn-lt"/>
-                <a:ea typeface="+mn-ea"/>
-                <a:cs typeface="+mn-cs"/>
-              </a:defRPr>
-            </a:lvl1pPr>
-            <a:lvl2pPr marL="685800" indent="-228600" algn="l" defTabSz="914400" rtl="0" eaLnBrk="1" latinLnBrk="0" hangingPunct="1">
-              <a:lnSpc>
-                <a:spcPct val="120000"/>
-              </a:lnSpc>
-              <a:spcBef>
-                <a:spcPts val="500"/>
-              </a:spcBef>
-              <a:buSzPct val="125000"/>
-              <a:buFont typeface="Arial" panose="020B0604020202020204" pitchFamily="34" charset="0"/>
-              <a:buChar char="•"/>
-              <a:defRPr sz="2000" kern="1200">
-                <a:solidFill>
-                  <a:schemeClr val="tx1"/>
-                </a:solidFill>
-                <a:latin typeface="+mn-lt"/>
-                <a:ea typeface="+mn-ea"/>
-                <a:cs typeface="+mn-cs"/>
-              </a:defRPr>
-            </a:lvl2pPr>
-            <a:lvl3pPr marL="1143000" indent="-228600" algn="l" defTabSz="914400" rtl="0" eaLnBrk="1" latinLnBrk="0" hangingPunct="1">
-              <a:lnSpc>
-                <a:spcPct val="120000"/>
-              </a:lnSpc>
-              <a:spcBef>
-                <a:spcPts val="500"/>
-              </a:spcBef>
-              <a:buSzPct val="125000"/>
-              <a:buFont typeface="Arial" panose="020B0604020202020204" pitchFamily="34" charset="0"/>
-              <a:buChar char="•"/>
-              <a:defRPr sz="1800" kern="1200">
-                <a:solidFill>
-                  <a:schemeClr val="tx1"/>
-                </a:solidFill>
-                <a:latin typeface="+mn-lt"/>
-                <a:ea typeface="+mn-ea"/>
-                <a:cs typeface="+mn-cs"/>
-              </a:defRPr>
-            </a:lvl3pPr>
-            <a:lvl4pPr marL="1600200" indent="-228600" algn="l" defTabSz="914400" rtl="0" eaLnBrk="1" latinLnBrk="0" hangingPunct="1">
-              <a:lnSpc>
-                <a:spcPct val="120000"/>
-              </a:lnSpc>
-              <a:spcBef>
-                <a:spcPts val="500"/>
-              </a:spcBef>
-              <a:buSzPct val="125000"/>
-              <a:buFont typeface="Arial" panose="020B0604020202020204" pitchFamily="34" charset="0"/>
-              <a:buChar char="•"/>
-              <a:defRPr sz="1600" kern="1200">
-                <a:solidFill>
-                  <a:schemeClr val="tx1"/>
-                </a:solidFill>
-                <a:latin typeface="+mn-lt"/>
-                <a:ea typeface="+mn-ea"/>
-                <a:cs typeface="+mn-cs"/>
-              </a:defRPr>
-            </a:lvl4pPr>
-            <a:lvl5pPr marL="2057400" indent="-228600" algn="l" defTabSz="914400" rtl="0" eaLnBrk="1" latinLnBrk="0" hangingPunct="1">
-              <a:lnSpc>
-                <a:spcPct val="120000"/>
-              </a:lnSpc>
-              <a:spcBef>
-                <a:spcPts val="500"/>
-              </a:spcBef>
-              <a:buSzPct val="125000"/>
-              <a:buFont typeface="Arial" panose="020B0604020202020204" pitchFamily="34" charset="0"/>
-              <a:buChar char="•"/>
-              <a:defRPr sz="1600" kern="1200">
-                <a:solidFill>
-                  <a:schemeClr val="tx1"/>
-                </a:solidFill>
-                <a:latin typeface="+mn-lt"/>
-                <a:ea typeface="+mn-ea"/>
-                <a:cs typeface="+mn-cs"/>
-              </a:defRPr>
-            </a:lvl5pPr>
-            <a:lvl6pPr marL="2514600" indent="-228600" algn="l" defTabSz="914400" rtl="0" eaLnBrk="1" latinLnBrk="0" hangingPunct="1">
-              <a:lnSpc>
-                <a:spcPct val="120000"/>
-              </a:lnSpc>
-              <a:spcBef>
-                <a:spcPts val="500"/>
-              </a:spcBef>
-              <a:buSzPct val="125000"/>
-              <a:buFont typeface="Arial" panose="020B0604020202020204" pitchFamily="34" charset="0"/>
-              <a:buChar char="•"/>
-              <a:defRPr sz="1400" kern="1200">
-                <a:solidFill>
-                  <a:schemeClr val="tx1"/>
-                </a:solidFill>
-                <a:latin typeface="+mn-lt"/>
-                <a:ea typeface="+mn-ea"/>
-                <a:cs typeface="+mn-cs"/>
-              </a:defRPr>
-            </a:lvl6pPr>
-            <a:lvl7pPr marL="2971800" indent="-228600" algn="l" defTabSz="914400" rtl="0" eaLnBrk="1" latinLnBrk="0" hangingPunct="1">
-              <a:lnSpc>
-                <a:spcPct val="120000"/>
-              </a:lnSpc>
-              <a:spcBef>
-                <a:spcPts val="500"/>
-              </a:spcBef>
-              <a:buSzPct val="125000"/>
-              <a:buFont typeface="Arial" panose="020B0604020202020204" pitchFamily="34" charset="0"/>
-              <a:buChar char="•"/>
-              <a:defRPr sz="1400" kern="1200">
-                <a:solidFill>
-                  <a:schemeClr val="tx1"/>
-                </a:solidFill>
-                <a:latin typeface="+mn-lt"/>
-                <a:ea typeface="+mn-ea"/>
-                <a:cs typeface="+mn-cs"/>
-              </a:defRPr>
-            </a:lvl7pPr>
-            <a:lvl8pPr marL="3429000" indent="-228600" algn="l" defTabSz="914400" rtl="0" eaLnBrk="1" latinLnBrk="0" hangingPunct="1">
-              <a:lnSpc>
-                <a:spcPct val="120000"/>
-              </a:lnSpc>
-              <a:spcBef>
-                <a:spcPts val="500"/>
-              </a:spcBef>
-              <a:buSzPct val="125000"/>
-              <a:buFont typeface="Arial" panose="020B0604020202020204" pitchFamily="34" charset="0"/>
-              <a:buChar char="•"/>
-              <a:defRPr sz="1400" kern="1200">
-                <a:solidFill>
-                  <a:schemeClr val="tx1"/>
-                </a:solidFill>
-                <a:latin typeface="+mn-lt"/>
-                <a:ea typeface="+mn-ea"/>
-                <a:cs typeface="+mn-cs"/>
-              </a:defRPr>
-            </a:lvl8pPr>
-            <a:lvl9pPr marL="3886200" indent="-228600" algn="l" defTabSz="914400" rtl="0" eaLnBrk="1" latinLnBrk="0" hangingPunct="1">
-              <a:lnSpc>
-                <a:spcPct val="120000"/>
-              </a:lnSpc>
-              <a:spcBef>
-                <a:spcPts val="500"/>
-              </a:spcBef>
-              <a:buSzPct val="125000"/>
-              <a:buFont typeface="Arial" panose="020B0604020202020204" pitchFamily="34" charset="0"/>
-              <a:buChar char="•"/>
-              <a:defRPr sz="1400" kern="1200">
-                <a:solidFill>
-                  <a:schemeClr val="tx1"/>
-                </a:solidFill>
-                <a:latin typeface="+mn-lt"/>
-                <a:ea typeface="+mn-ea"/>
-                <a:cs typeface="+mn-cs"/>
-              </a:defRPr>
-            </a:lvl9pPr>
-          </a:lstStyle>
-          <a:p>
-            <a:pPr marL="0" indent="0">
-              <a:buNone/>
-            </a:pPr>
-            <a:r>
-              <a:rPr lang="en-US" sz="2000" b="1" i="1" u="sng" dirty="0"/>
-              <a:t>Simulated Annealing:</a:t>
-            </a:r>
-          </a:p>
-          <a:p>
-            <a:pPr lvl="1"/>
-            <a:r>
-              <a:rPr lang="en-US" sz="1600" dirty="0"/>
-              <a:t>Is an efficient method for finding good approximations to NP-Complete problems as well as many other types of problems.</a:t>
-            </a:r>
-          </a:p>
-          <a:p>
-            <a:pPr lvl="1"/>
-            <a:r>
-              <a:rPr lang="en-US" sz="1600" dirty="0"/>
-              <a:t>Is quite general (only requires concept of solution state, value of solution, and neighbor states)</a:t>
-            </a:r>
-          </a:p>
-          <a:p>
-            <a:pPr lvl="1"/>
-            <a:r>
-              <a:rPr lang="en-US" sz="1600" dirty="0"/>
-              <a:t>Is very fast, and speed can be tuned by changing internal variables (cooling rate, temperature, etc.)</a:t>
-            </a:r>
-          </a:p>
-          <a:p>
-            <a:pPr marL="0" indent="0">
-              <a:buNone/>
-            </a:pPr>
-            <a:endParaRPr lang="en-US" sz="2000" dirty="0"/>
-          </a:p>
-          <a:p>
-            <a:pPr marL="0" indent="0">
-              <a:buNone/>
-            </a:pPr>
-            <a:br>
-              <a:rPr lang="en-US" sz="2000" dirty="0"/>
-            </a:br>
-            <a:endParaRPr lang="en-US" sz="1600" dirty="0"/>
-          </a:p>
-        </p:txBody>
-      </p:sp>
-    </p:spTree>
-    <p:extLst>
-      <p:ext uri="{BB962C8B-B14F-4D97-AF65-F5344CB8AC3E}">
-        <p14:creationId xmlns:p14="http://schemas.microsoft.com/office/powerpoint/2010/main" val="654641598"/>
       </p:ext>
     </p:extLst>
   </p:cSld>
